--- a/Course Summary.pptx
+++ b/Course Summary.pptx
@@ -17,7 +17,6 @@
     <p:sldId id="262" r:id="rId12"/>
     <p:sldId id="263" r:id="rId13"/>
     <p:sldId id="264" r:id="rId14"/>
-    <p:sldId id="265" r:id="rId15"/>
   </p:sldIdLst>
   <p:sldSz cx="12192000" cy="6858000"/>
   <p:notesSz cx="7559675" cy="10691812"/>
@@ -65,7 +64,7 @@
       </p:grpSpPr>
       <p:sp>
         <p:nvSpPr>
-          <p:cNvPr id="30" name="PlaceHolder 1"/>
+          <p:cNvPr id="27" name="PlaceHolder 1"/>
           <p:cNvSpPr>
             <a:spLocks noGrp="1"/>
           </p:cNvSpPr>
@@ -76,7 +75,7 @@
         <p:spPr>
           <a:xfrm>
             <a:off x="609480" y="273600"/>
-            <a:ext cx="10972440" cy="1144800"/>
+            <a:ext cx="10972080" cy="1144440"/>
           </a:xfrm>
           <a:prstGeom prst="rect">
             <a:avLst/>
@@ -87,18 +86,16 @@
             <a:noAutofit/>
           </a:bodyPr>
           <a:p>
-            <a:endParaRPr b="0" lang="en-US" sz="1800" spc="-1" strike="noStrike">
-              <a:solidFill>
-                <a:srgbClr val="000000"/>
-              </a:solidFill>
-              <a:latin typeface="Corbel"/>
-            </a:endParaRPr>
-          </a:p>
-        </p:txBody>
-      </p:sp>
-      <p:sp>
-        <p:nvSpPr>
-          <p:cNvPr id="31" name="PlaceHolder 2"/>
+            <a:pPr algn="ctr"/>
+            <a:endParaRPr b="0" lang="en-GB" sz="4400" spc="-1" strike="noStrike">
+              <a:latin typeface="Arial"/>
+            </a:endParaRPr>
+          </a:p>
+        </p:txBody>
+      </p:sp>
+      <p:sp>
+        <p:nvSpPr>
+          <p:cNvPr id="28" name="PlaceHolder 2"/>
           <p:cNvSpPr>
             <a:spLocks noGrp="1"/>
           </p:cNvSpPr>
@@ -120,18 +117,15 @@
             <a:normAutofit/>
           </a:bodyPr>
           <a:p>
-            <a:endParaRPr b="0" lang="en-US" sz="2000" spc="-1" strike="noStrike">
-              <a:solidFill>
-                <a:srgbClr val="595959"/>
-              </a:solidFill>
-              <a:latin typeface="Corbel"/>
-            </a:endParaRPr>
-          </a:p>
-        </p:txBody>
-      </p:sp>
-      <p:sp>
-        <p:nvSpPr>
-          <p:cNvPr id="32" name="PlaceHolder 3"/>
+            <a:endParaRPr b="0" lang="en-GB" sz="3200" spc="-1" strike="noStrike">
+              <a:latin typeface="Arial"/>
+            </a:endParaRPr>
+          </a:p>
+        </p:txBody>
+      </p:sp>
+      <p:sp>
+        <p:nvSpPr>
+          <p:cNvPr id="29" name="PlaceHolder 3"/>
           <p:cNvSpPr>
             <a:spLocks noGrp="1"/>
           </p:cNvSpPr>
@@ -153,11 +147,8 @@
             <a:normAutofit/>
           </a:bodyPr>
           <a:p>
-            <a:endParaRPr b="0" lang="en-US" sz="2000" spc="-1" strike="noStrike">
-              <a:solidFill>
-                <a:srgbClr val="595959"/>
-              </a:solidFill>
-              <a:latin typeface="Corbel"/>
+            <a:endParaRPr b="0" lang="en-GB" sz="3200" spc="-1" strike="noStrike">
+              <a:latin typeface="Arial"/>
             </a:endParaRPr>
           </a:p>
         </p:txBody>
@@ -186,7 +177,7 @@
       </p:grpSpPr>
       <p:sp>
         <p:nvSpPr>
-          <p:cNvPr id="33" name="PlaceHolder 1"/>
+          <p:cNvPr id="30" name="PlaceHolder 1"/>
           <p:cNvSpPr>
             <a:spLocks noGrp="1"/>
           </p:cNvSpPr>
@@ -197,7 +188,7 @@
         <p:spPr>
           <a:xfrm>
             <a:off x="609480" y="273600"/>
-            <a:ext cx="10972440" cy="1144800"/>
+            <a:ext cx="10972080" cy="1144440"/>
           </a:xfrm>
           <a:prstGeom prst="rect">
             <a:avLst/>
@@ -208,18 +199,16 @@
             <a:noAutofit/>
           </a:bodyPr>
           <a:p>
-            <a:endParaRPr b="0" lang="en-US" sz="1800" spc="-1" strike="noStrike">
-              <a:solidFill>
-                <a:srgbClr val="000000"/>
-              </a:solidFill>
-              <a:latin typeface="Corbel"/>
-            </a:endParaRPr>
-          </a:p>
-        </p:txBody>
-      </p:sp>
-      <p:sp>
-        <p:nvSpPr>
-          <p:cNvPr id="34" name="PlaceHolder 2"/>
+            <a:pPr algn="ctr"/>
+            <a:endParaRPr b="0" lang="en-GB" sz="4400" spc="-1" strike="noStrike">
+              <a:latin typeface="Arial"/>
+            </a:endParaRPr>
+          </a:p>
+        </p:txBody>
+      </p:sp>
+      <p:sp>
+        <p:nvSpPr>
+          <p:cNvPr id="31" name="PlaceHolder 2"/>
           <p:cNvSpPr>
             <a:spLocks noGrp="1"/>
           </p:cNvSpPr>
@@ -241,18 +230,15 @@
             <a:normAutofit/>
           </a:bodyPr>
           <a:p>
-            <a:endParaRPr b="0" lang="en-US" sz="2000" spc="-1" strike="noStrike">
-              <a:solidFill>
-                <a:srgbClr val="595959"/>
-              </a:solidFill>
-              <a:latin typeface="Corbel"/>
-            </a:endParaRPr>
-          </a:p>
-        </p:txBody>
-      </p:sp>
-      <p:sp>
-        <p:nvSpPr>
-          <p:cNvPr id="35" name="PlaceHolder 3"/>
+            <a:endParaRPr b="0" lang="en-GB" sz="3200" spc="-1" strike="noStrike">
+              <a:latin typeface="Arial"/>
+            </a:endParaRPr>
+          </a:p>
+        </p:txBody>
+      </p:sp>
+      <p:sp>
+        <p:nvSpPr>
+          <p:cNvPr id="32" name="PlaceHolder 3"/>
           <p:cNvSpPr>
             <a:spLocks noGrp="1"/>
           </p:cNvSpPr>
@@ -274,18 +260,15 @@
             <a:normAutofit/>
           </a:bodyPr>
           <a:p>
-            <a:endParaRPr b="0" lang="en-US" sz="2000" spc="-1" strike="noStrike">
-              <a:solidFill>
-                <a:srgbClr val="595959"/>
-              </a:solidFill>
-              <a:latin typeface="Corbel"/>
-            </a:endParaRPr>
-          </a:p>
-        </p:txBody>
-      </p:sp>
-      <p:sp>
-        <p:nvSpPr>
-          <p:cNvPr id="36" name="PlaceHolder 4"/>
+            <a:endParaRPr b="0" lang="en-GB" sz="3200" spc="-1" strike="noStrike">
+              <a:latin typeface="Arial"/>
+            </a:endParaRPr>
+          </a:p>
+        </p:txBody>
+      </p:sp>
+      <p:sp>
+        <p:nvSpPr>
+          <p:cNvPr id="33" name="PlaceHolder 4"/>
           <p:cNvSpPr>
             <a:spLocks noGrp="1"/>
           </p:cNvSpPr>
@@ -307,18 +290,15 @@
             <a:normAutofit/>
           </a:bodyPr>
           <a:p>
-            <a:endParaRPr b="0" lang="en-US" sz="2000" spc="-1" strike="noStrike">
-              <a:solidFill>
-                <a:srgbClr val="595959"/>
-              </a:solidFill>
-              <a:latin typeface="Corbel"/>
-            </a:endParaRPr>
-          </a:p>
-        </p:txBody>
-      </p:sp>
-      <p:sp>
-        <p:nvSpPr>
-          <p:cNvPr id="37" name="PlaceHolder 5"/>
+            <a:endParaRPr b="0" lang="en-GB" sz="3200" spc="-1" strike="noStrike">
+              <a:latin typeface="Arial"/>
+            </a:endParaRPr>
+          </a:p>
+        </p:txBody>
+      </p:sp>
+      <p:sp>
+        <p:nvSpPr>
+          <p:cNvPr id="34" name="PlaceHolder 5"/>
           <p:cNvSpPr>
             <a:spLocks noGrp="1"/>
           </p:cNvSpPr>
@@ -340,11 +320,8 @@
             <a:normAutofit/>
           </a:bodyPr>
           <a:p>
-            <a:endParaRPr b="0" lang="en-US" sz="2000" spc="-1" strike="noStrike">
-              <a:solidFill>
-                <a:srgbClr val="595959"/>
-              </a:solidFill>
-              <a:latin typeface="Corbel"/>
+            <a:endParaRPr b="0" lang="en-GB" sz="3200" spc="-1" strike="noStrike">
+              <a:latin typeface="Arial"/>
             </a:endParaRPr>
           </a:p>
         </p:txBody>
@@ -373,7 +350,7 @@
       </p:grpSpPr>
       <p:sp>
         <p:nvSpPr>
-          <p:cNvPr id="38" name="PlaceHolder 1"/>
+          <p:cNvPr id="35" name="PlaceHolder 1"/>
           <p:cNvSpPr>
             <a:spLocks noGrp="1"/>
           </p:cNvSpPr>
@@ -384,7 +361,7 @@
         <p:spPr>
           <a:xfrm>
             <a:off x="609480" y="273600"/>
-            <a:ext cx="10972440" cy="1144800"/>
+            <a:ext cx="10972080" cy="1144440"/>
           </a:xfrm>
           <a:prstGeom prst="rect">
             <a:avLst/>
@@ -395,18 +372,16 @@
             <a:noAutofit/>
           </a:bodyPr>
           <a:p>
-            <a:endParaRPr b="0" lang="en-US" sz="1800" spc="-1" strike="noStrike">
-              <a:solidFill>
-                <a:srgbClr val="000000"/>
-              </a:solidFill>
-              <a:latin typeface="Corbel"/>
-            </a:endParaRPr>
-          </a:p>
-        </p:txBody>
-      </p:sp>
-      <p:sp>
-        <p:nvSpPr>
-          <p:cNvPr id="39" name="PlaceHolder 2"/>
+            <a:pPr algn="ctr"/>
+            <a:endParaRPr b="0" lang="en-GB" sz="4400" spc="-1" strike="noStrike">
+              <a:latin typeface="Arial"/>
+            </a:endParaRPr>
+          </a:p>
+        </p:txBody>
+      </p:sp>
+      <p:sp>
+        <p:nvSpPr>
+          <p:cNvPr id="36" name="PlaceHolder 2"/>
           <p:cNvSpPr>
             <a:spLocks noGrp="1"/>
           </p:cNvSpPr>
@@ -428,18 +403,15 @@
             <a:normAutofit/>
           </a:bodyPr>
           <a:p>
-            <a:endParaRPr b="0" lang="en-US" sz="2000" spc="-1" strike="noStrike">
-              <a:solidFill>
-                <a:srgbClr val="595959"/>
-              </a:solidFill>
-              <a:latin typeface="Corbel"/>
-            </a:endParaRPr>
-          </a:p>
-        </p:txBody>
-      </p:sp>
-      <p:sp>
-        <p:nvSpPr>
-          <p:cNvPr id="40" name="PlaceHolder 3"/>
+            <a:endParaRPr b="0" lang="en-GB" sz="3200" spc="-1" strike="noStrike">
+              <a:latin typeface="Arial"/>
+            </a:endParaRPr>
+          </a:p>
+        </p:txBody>
+      </p:sp>
+      <p:sp>
+        <p:nvSpPr>
+          <p:cNvPr id="37" name="PlaceHolder 3"/>
           <p:cNvSpPr>
             <a:spLocks noGrp="1"/>
           </p:cNvSpPr>
@@ -461,18 +433,15 @@
             <a:normAutofit/>
           </a:bodyPr>
           <a:p>
-            <a:endParaRPr b="0" lang="en-US" sz="2000" spc="-1" strike="noStrike">
-              <a:solidFill>
-                <a:srgbClr val="595959"/>
-              </a:solidFill>
-              <a:latin typeface="Corbel"/>
-            </a:endParaRPr>
-          </a:p>
-        </p:txBody>
-      </p:sp>
-      <p:sp>
-        <p:nvSpPr>
-          <p:cNvPr id="41" name="PlaceHolder 4"/>
+            <a:endParaRPr b="0" lang="en-GB" sz="3200" spc="-1" strike="noStrike">
+              <a:latin typeface="Arial"/>
+            </a:endParaRPr>
+          </a:p>
+        </p:txBody>
+      </p:sp>
+      <p:sp>
+        <p:nvSpPr>
+          <p:cNvPr id="38" name="PlaceHolder 4"/>
           <p:cNvSpPr>
             <a:spLocks noGrp="1"/>
           </p:cNvSpPr>
@@ -494,18 +463,15 @@
             <a:normAutofit/>
           </a:bodyPr>
           <a:p>
-            <a:endParaRPr b="0" lang="en-US" sz="2000" spc="-1" strike="noStrike">
-              <a:solidFill>
-                <a:srgbClr val="595959"/>
-              </a:solidFill>
-              <a:latin typeface="Corbel"/>
-            </a:endParaRPr>
-          </a:p>
-        </p:txBody>
-      </p:sp>
-      <p:sp>
-        <p:nvSpPr>
-          <p:cNvPr id="42" name="PlaceHolder 5"/>
+            <a:endParaRPr b="0" lang="en-GB" sz="3200" spc="-1" strike="noStrike">
+              <a:latin typeface="Arial"/>
+            </a:endParaRPr>
+          </a:p>
+        </p:txBody>
+      </p:sp>
+      <p:sp>
+        <p:nvSpPr>
+          <p:cNvPr id="39" name="PlaceHolder 5"/>
           <p:cNvSpPr>
             <a:spLocks noGrp="1"/>
           </p:cNvSpPr>
@@ -527,18 +493,15 @@
             <a:normAutofit/>
           </a:bodyPr>
           <a:p>
-            <a:endParaRPr b="0" lang="en-US" sz="2000" spc="-1" strike="noStrike">
-              <a:solidFill>
-                <a:srgbClr val="595959"/>
-              </a:solidFill>
-              <a:latin typeface="Corbel"/>
-            </a:endParaRPr>
-          </a:p>
-        </p:txBody>
-      </p:sp>
-      <p:sp>
-        <p:nvSpPr>
-          <p:cNvPr id="43" name="PlaceHolder 6"/>
+            <a:endParaRPr b="0" lang="en-GB" sz="3200" spc="-1" strike="noStrike">
+              <a:latin typeface="Arial"/>
+            </a:endParaRPr>
+          </a:p>
+        </p:txBody>
+      </p:sp>
+      <p:sp>
+        <p:nvSpPr>
+          <p:cNvPr id="40" name="PlaceHolder 6"/>
           <p:cNvSpPr>
             <a:spLocks noGrp="1"/>
           </p:cNvSpPr>
@@ -560,18 +523,15 @@
             <a:normAutofit/>
           </a:bodyPr>
           <a:p>
-            <a:endParaRPr b="0" lang="en-US" sz="2000" spc="-1" strike="noStrike">
-              <a:solidFill>
-                <a:srgbClr val="595959"/>
-              </a:solidFill>
-              <a:latin typeface="Corbel"/>
-            </a:endParaRPr>
-          </a:p>
-        </p:txBody>
-      </p:sp>
-      <p:sp>
-        <p:nvSpPr>
-          <p:cNvPr id="44" name="PlaceHolder 7"/>
+            <a:endParaRPr b="0" lang="en-GB" sz="3200" spc="-1" strike="noStrike">
+              <a:latin typeface="Arial"/>
+            </a:endParaRPr>
+          </a:p>
+        </p:txBody>
+      </p:sp>
+      <p:sp>
+        <p:nvSpPr>
+          <p:cNvPr id="41" name="PlaceHolder 7"/>
           <p:cNvSpPr>
             <a:spLocks noGrp="1"/>
           </p:cNvSpPr>
@@ -593,11 +553,8 @@
             <a:normAutofit/>
           </a:bodyPr>
           <a:p>
-            <a:endParaRPr b="0" lang="en-US" sz="2000" spc="-1" strike="noStrike">
-              <a:solidFill>
-                <a:srgbClr val="595959"/>
-              </a:solidFill>
-              <a:latin typeface="Corbel"/>
+            <a:endParaRPr b="0" lang="en-GB" sz="3200" spc="-1" strike="noStrike">
+              <a:latin typeface="Arial"/>
             </a:endParaRPr>
           </a:p>
         </p:txBody>
@@ -648,7 +605,7 @@
       </p:grpSpPr>
       <p:sp>
         <p:nvSpPr>
-          <p:cNvPr id="52" name="PlaceHolder 1"/>
+          <p:cNvPr id="46" name="PlaceHolder 1"/>
           <p:cNvSpPr>
             <a:spLocks noGrp="1"/>
           </p:cNvSpPr>
@@ -659,7 +616,7 @@
         <p:spPr>
           <a:xfrm>
             <a:off x="609480" y="273600"/>
-            <a:ext cx="10972440" cy="1144800"/>
+            <a:ext cx="10972080" cy="1144440"/>
           </a:xfrm>
           <a:prstGeom prst="rect">
             <a:avLst/>
@@ -670,18 +627,16 @@
             <a:noAutofit/>
           </a:bodyPr>
           <a:p>
-            <a:endParaRPr b="0" lang="en-US" sz="1800" spc="-1" strike="noStrike">
-              <a:solidFill>
-                <a:srgbClr val="000000"/>
-              </a:solidFill>
-              <a:latin typeface="Corbel"/>
-            </a:endParaRPr>
-          </a:p>
-        </p:txBody>
-      </p:sp>
-      <p:sp>
-        <p:nvSpPr>
-          <p:cNvPr id="53" name="PlaceHolder 2"/>
+            <a:pPr algn="ctr"/>
+            <a:endParaRPr b="0" lang="en-GB" sz="4400" spc="-1" strike="noStrike">
+              <a:latin typeface="Arial"/>
+            </a:endParaRPr>
+          </a:p>
+        </p:txBody>
+      </p:sp>
+      <p:sp>
+        <p:nvSpPr>
+          <p:cNvPr id="47" name="PlaceHolder 2"/>
           <p:cNvSpPr>
             <a:spLocks noGrp="1"/>
           </p:cNvSpPr>
@@ -734,7 +689,7 @@
       </p:grpSpPr>
       <p:sp>
         <p:nvSpPr>
-          <p:cNvPr id="54" name="PlaceHolder 1"/>
+          <p:cNvPr id="48" name="PlaceHolder 1"/>
           <p:cNvSpPr>
             <a:spLocks noGrp="1"/>
           </p:cNvSpPr>
@@ -745,7 +700,7 @@
         <p:spPr>
           <a:xfrm>
             <a:off x="609480" y="273600"/>
-            <a:ext cx="10972440" cy="1144800"/>
+            <a:ext cx="10972080" cy="1144440"/>
           </a:xfrm>
           <a:prstGeom prst="rect">
             <a:avLst/>
@@ -756,18 +711,16 @@
             <a:noAutofit/>
           </a:bodyPr>
           <a:p>
-            <a:endParaRPr b="0" lang="en-US" sz="1800" spc="-1" strike="noStrike">
-              <a:solidFill>
-                <a:srgbClr val="000000"/>
-              </a:solidFill>
-              <a:latin typeface="Corbel"/>
-            </a:endParaRPr>
-          </a:p>
-        </p:txBody>
-      </p:sp>
-      <p:sp>
-        <p:nvSpPr>
-          <p:cNvPr id="55" name="PlaceHolder 2"/>
+            <a:pPr algn="ctr"/>
+            <a:endParaRPr b="0" lang="en-GB" sz="4400" spc="-1" strike="noStrike">
+              <a:latin typeface="Arial"/>
+            </a:endParaRPr>
+          </a:p>
+        </p:txBody>
+      </p:sp>
+      <p:sp>
+        <p:nvSpPr>
+          <p:cNvPr id="49" name="PlaceHolder 2"/>
           <p:cNvSpPr>
             <a:spLocks noGrp="1"/>
           </p:cNvSpPr>
@@ -789,11 +742,8 @@
             <a:normAutofit/>
           </a:bodyPr>
           <a:p>
-            <a:endParaRPr b="0" lang="en-US" sz="2000" spc="-1" strike="noStrike">
-              <a:solidFill>
-                <a:srgbClr val="595959"/>
-              </a:solidFill>
-              <a:latin typeface="Corbel"/>
+            <a:endParaRPr b="0" lang="en-GB" sz="3200" spc="-1" strike="noStrike">
+              <a:latin typeface="Arial"/>
             </a:endParaRPr>
           </a:p>
         </p:txBody>
@@ -822,7 +772,7 @@
       </p:grpSpPr>
       <p:sp>
         <p:nvSpPr>
-          <p:cNvPr id="56" name="PlaceHolder 1"/>
+          <p:cNvPr id="50" name="PlaceHolder 1"/>
           <p:cNvSpPr>
             <a:spLocks noGrp="1"/>
           </p:cNvSpPr>
@@ -833,7 +783,7 @@
         <p:spPr>
           <a:xfrm>
             <a:off x="609480" y="273600"/>
-            <a:ext cx="10972440" cy="1144800"/>
+            <a:ext cx="10972080" cy="1144440"/>
           </a:xfrm>
           <a:prstGeom prst="rect">
             <a:avLst/>
@@ -844,18 +794,16 @@
             <a:noAutofit/>
           </a:bodyPr>
           <a:p>
-            <a:endParaRPr b="0" lang="en-US" sz="1800" spc="-1" strike="noStrike">
-              <a:solidFill>
-                <a:srgbClr val="000000"/>
-              </a:solidFill>
-              <a:latin typeface="Corbel"/>
-            </a:endParaRPr>
-          </a:p>
-        </p:txBody>
-      </p:sp>
-      <p:sp>
-        <p:nvSpPr>
-          <p:cNvPr id="57" name="PlaceHolder 2"/>
+            <a:pPr algn="ctr"/>
+            <a:endParaRPr b="0" lang="en-GB" sz="4400" spc="-1" strike="noStrike">
+              <a:latin typeface="Arial"/>
+            </a:endParaRPr>
+          </a:p>
+        </p:txBody>
+      </p:sp>
+      <p:sp>
+        <p:nvSpPr>
+          <p:cNvPr id="51" name="PlaceHolder 2"/>
           <p:cNvSpPr>
             <a:spLocks noGrp="1"/>
           </p:cNvSpPr>
@@ -877,18 +825,15 @@
             <a:normAutofit/>
           </a:bodyPr>
           <a:p>
-            <a:endParaRPr b="0" lang="en-US" sz="2000" spc="-1" strike="noStrike">
-              <a:solidFill>
-                <a:srgbClr val="595959"/>
-              </a:solidFill>
-              <a:latin typeface="Corbel"/>
-            </a:endParaRPr>
-          </a:p>
-        </p:txBody>
-      </p:sp>
-      <p:sp>
-        <p:nvSpPr>
-          <p:cNvPr id="58" name="PlaceHolder 3"/>
+            <a:endParaRPr b="0" lang="en-GB" sz="3200" spc="-1" strike="noStrike">
+              <a:latin typeface="Arial"/>
+            </a:endParaRPr>
+          </a:p>
+        </p:txBody>
+      </p:sp>
+      <p:sp>
+        <p:nvSpPr>
+          <p:cNvPr id="52" name="PlaceHolder 3"/>
           <p:cNvSpPr>
             <a:spLocks noGrp="1"/>
           </p:cNvSpPr>
@@ -910,11 +855,8 @@
             <a:normAutofit/>
           </a:bodyPr>
           <a:p>
-            <a:endParaRPr b="0" lang="en-US" sz="2000" spc="-1" strike="noStrike">
-              <a:solidFill>
-                <a:srgbClr val="595959"/>
-              </a:solidFill>
-              <a:latin typeface="Corbel"/>
+            <a:endParaRPr b="0" lang="en-GB" sz="3200" spc="-1" strike="noStrike">
+              <a:latin typeface="Arial"/>
             </a:endParaRPr>
           </a:p>
         </p:txBody>
@@ -943,7 +885,7 @@
       </p:grpSpPr>
       <p:sp>
         <p:nvSpPr>
-          <p:cNvPr id="59" name="PlaceHolder 1"/>
+          <p:cNvPr id="53" name="PlaceHolder 1"/>
           <p:cNvSpPr>
             <a:spLocks noGrp="1"/>
           </p:cNvSpPr>
@@ -954,7 +896,7 @@
         <p:spPr>
           <a:xfrm>
             <a:off x="609480" y="273600"/>
-            <a:ext cx="10972440" cy="1144800"/>
+            <a:ext cx="10972080" cy="1144440"/>
           </a:xfrm>
           <a:prstGeom prst="rect">
             <a:avLst/>
@@ -965,11 +907,9 @@
             <a:noAutofit/>
           </a:bodyPr>
           <a:p>
-            <a:endParaRPr b="0" lang="en-US" sz="1800" spc="-1" strike="noStrike">
-              <a:solidFill>
-                <a:srgbClr val="000000"/>
-              </a:solidFill>
-              <a:latin typeface="Corbel"/>
+            <a:pPr algn="ctr"/>
+            <a:endParaRPr b="0" lang="en-GB" sz="4400" spc="-1" strike="noStrike">
+              <a:latin typeface="Arial"/>
             </a:endParaRPr>
           </a:p>
         </p:txBody>
@@ -998,7 +938,7 @@
       </p:grpSpPr>
       <p:sp>
         <p:nvSpPr>
-          <p:cNvPr id="60" name="PlaceHolder 1"/>
+          <p:cNvPr id="54" name="PlaceHolder 1"/>
           <p:cNvSpPr>
             <a:spLocks noGrp="1"/>
           </p:cNvSpPr>
@@ -1009,7 +949,7 @@
         <p:spPr>
           <a:xfrm>
             <a:off x="609480" y="273600"/>
-            <a:ext cx="10972440" cy="5307840"/>
+            <a:ext cx="10972080" cy="5306400"/>
           </a:xfrm>
           <a:prstGeom prst="rect">
             <a:avLst/>
@@ -1051,7 +991,7 @@
       </p:grpSpPr>
       <p:sp>
         <p:nvSpPr>
-          <p:cNvPr id="61" name="PlaceHolder 1"/>
+          <p:cNvPr id="55" name="PlaceHolder 1"/>
           <p:cNvSpPr>
             <a:spLocks noGrp="1"/>
           </p:cNvSpPr>
@@ -1062,7 +1002,7 @@
         <p:spPr>
           <a:xfrm>
             <a:off x="609480" y="273600"/>
-            <a:ext cx="10972440" cy="1144800"/>
+            <a:ext cx="10972080" cy="1144440"/>
           </a:xfrm>
           <a:prstGeom prst="rect">
             <a:avLst/>
@@ -1073,18 +1013,16 @@
             <a:noAutofit/>
           </a:bodyPr>
           <a:p>
-            <a:endParaRPr b="0" lang="en-US" sz="1800" spc="-1" strike="noStrike">
-              <a:solidFill>
-                <a:srgbClr val="000000"/>
-              </a:solidFill>
-              <a:latin typeface="Corbel"/>
-            </a:endParaRPr>
-          </a:p>
-        </p:txBody>
-      </p:sp>
-      <p:sp>
-        <p:nvSpPr>
-          <p:cNvPr id="62" name="PlaceHolder 2"/>
+            <a:pPr algn="ctr"/>
+            <a:endParaRPr b="0" lang="en-GB" sz="4400" spc="-1" strike="noStrike">
+              <a:latin typeface="Arial"/>
+            </a:endParaRPr>
+          </a:p>
+        </p:txBody>
+      </p:sp>
+      <p:sp>
+        <p:nvSpPr>
+          <p:cNvPr id="56" name="PlaceHolder 2"/>
           <p:cNvSpPr>
             <a:spLocks noGrp="1"/>
           </p:cNvSpPr>
@@ -1106,18 +1044,15 @@
             <a:normAutofit/>
           </a:bodyPr>
           <a:p>
-            <a:endParaRPr b="0" lang="en-US" sz="2000" spc="-1" strike="noStrike">
-              <a:solidFill>
-                <a:srgbClr val="595959"/>
-              </a:solidFill>
-              <a:latin typeface="Corbel"/>
-            </a:endParaRPr>
-          </a:p>
-        </p:txBody>
-      </p:sp>
-      <p:sp>
-        <p:nvSpPr>
-          <p:cNvPr id="63" name="PlaceHolder 3"/>
+            <a:endParaRPr b="0" lang="en-GB" sz="3200" spc="-1" strike="noStrike">
+              <a:latin typeface="Arial"/>
+            </a:endParaRPr>
+          </a:p>
+        </p:txBody>
+      </p:sp>
+      <p:sp>
+        <p:nvSpPr>
+          <p:cNvPr id="57" name="PlaceHolder 3"/>
           <p:cNvSpPr>
             <a:spLocks noGrp="1"/>
           </p:cNvSpPr>
@@ -1139,18 +1074,15 @@
             <a:normAutofit/>
           </a:bodyPr>
           <a:p>
-            <a:endParaRPr b="0" lang="en-US" sz="2000" spc="-1" strike="noStrike">
-              <a:solidFill>
-                <a:srgbClr val="595959"/>
-              </a:solidFill>
-              <a:latin typeface="Corbel"/>
-            </a:endParaRPr>
-          </a:p>
-        </p:txBody>
-      </p:sp>
-      <p:sp>
-        <p:nvSpPr>
-          <p:cNvPr id="64" name="PlaceHolder 4"/>
+            <a:endParaRPr b="0" lang="en-GB" sz="3200" spc="-1" strike="noStrike">
+              <a:latin typeface="Arial"/>
+            </a:endParaRPr>
+          </a:p>
+        </p:txBody>
+      </p:sp>
+      <p:sp>
+        <p:nvSpPr>
+          <p:cNvPr id="58" name="PlaceHolder 4"/>
           <p:cNvSpPr>
             <a:spLocks noGrp="1"/>
           </p:cNvSpPr>
@@ -1172,11 +1104,8 @@
             <a:normAutofit/>
           </a:bodyPr>
           <a:p>
-            <a:endParaRPr b="0" lang="en-US" sz="2000" spc="-1" strike="noStrike">
-              <a:solidFill>
-                <a:srgbClr val="595959"/>
-              </a:solidFill>
-              <a:latin typeface="Corbel"/>
+            <a:endParaRPr b="0" lang="en-GB" sz="3200" spc="-1" strike="noStrike">
+              <a:latin typeface="Arial"/>
             </a:endParaRPr>
           </a:p>
         </p:txBody>
@@ -1205,7 +1134,7 @@
       </p:grpSpPr>
       <p:sp>
         <p:nvSpPr>
-          <p:cNvPr id="9" name="PlaceHolder 1"/>
+          <p:cNvPr id="6" name="PlaceHolder 1"/>
           <p:cNvSpPr>
             <a:spLocks noGrp="1"/>
           </p:cNvSpPr>
@@ -1216,7 +1145,7 @@
         <p:spPr>
           <a:xfrm>
             <a:off x="609480" y="273600"/>
-            <a:ext cx="10972440" cy="1144800"/>
+            <a:ext cx="10972080" cy="1144440"/>
           </a:xfrm>
           <a:prstGeom prst="rect">
             <a:avLst/>
@@ -1227,18 +1156,16 @@
             <a:noAutofit/>
           </a:bodyPr>
           <a:p>
-            <a:endParaRPr b="0" lang="en-US" sz="1800" spc="-1" strike="noStrike">
-              <a:solidFill>
-                <a:srgbClr val="000000"/>
-              </a:solidFill>
-              <a:latin typeface="Corbel"/>
-            </a:endParaRPr>
-          </a:p>
-        </p:txBody>
-      </p:sp>
-      <p:sp>
-        <p:nvSpPr>
-          <p:cNvPr id="10" name="PlaceHolder 2"/>
+            <a:pPr algn="ctr"/>
+            <a:endParaRPr b="0" lang="en-GB" sz="4400" spc="-1" strike="noStrike">
+              <a:latin typeface="Arial"/>
+            </a:endParaRPr>
+          </a:p>
+        </p:txBody>
+      </p:sp>
+      <p:sp>
+        <p:nvSpPr>
+          <p:cNvPr id="7" name="PlaceHolder 2"/>
           <p:cNvSpPr>
             <a:spLocks noGrp="1"/>
           </p:cNvSpPr>
@@ -1291,7 +1218,7 @@
       </p:grpSpPr>
       <p:sp>
         <p:nvSpPr>
-          <p:cNvPr id="65" name="PlaceHolder 1"/>
+          <p:cNvPr id="59" name="PlaceHolder 1"/>
           <p:cNvSpPr>
             <a:spLocks noGrp="1"/>
           </p:cNvSpPr>
@@ -1302,7 +1229,7 @@
         <p:spPr>
           <a:xfrm>
             <a:off x="609480" y="273600"/>
-            <a:ext cx="10972440" cy="1144800"/>
+            <a:ext cx="10972080" cy="1144440"/>
           </a:xfrm>
           <a:prstGeom prst="rect">
             <a:avLst/>
@@ -1313,18 +1240,16 @@
             <a:noAutofit/>
           </a:bodyPr>
           <a:p>
-            <a:endParaRPr b="0" lang="en-US" sz="1800" spc="-1" strike="noStrike">
-              <a:solidFill>
-                <a:srgbClr val="000000"/>
-              </a:solidFill>
-              <a:latin typeface="Corbel"/>
-            </a:endParaRPr>
-          </a:p>
-        </p:txBody>
-      </p:sp>
-      <p:sp>
-        <p:nvSpPr>
-          <p:cNvPr id="66" name="PlaceHolder 2"/>
+            <a:pPr algn="ctr"/>
+            <a:endParaRPr b="0" lang="en-GB" sz="4400" spc="-1" strike="noStrike">
+              <a:latin typeface="Arial"/>
+            </a:endParaRPr>
+          </a:p>
+        </p:txBody>
+      </p:sp>
+      <p:sp>
+        <p:nvSpPr>
+          <p:cNvPr id="60" name="PlaceHolder 2"/>
           <p:cNvSpPr>
             <a:spLocks noGrp="1"/>
           </p:cNvSpPr>
@@ -1346,18 +1271,15 @@
             <a:normAutofit/>
           </a:bodyPr>
           <a:p>
-            <a:endParaRPr b="0" lang="en-US" sz="2000" spc="-1" strike="noStrike">
-              <a:solidFill>
-                <a:srgbClr val="595959"/>
-              </a:solidFill>
-              <a:latin typeface="Corbel"/>
-            </a:endParaRPr>
-          </a:p>
-        </p:txBody>
-      </p:sp>
-      <p:sp>
-        <p:nvSpPr>
-          <p:cNvPr id="67" name="PlaceHolder 3"/>
+            <a:endParaRPr b="0" lang="en-GB" sz="3200" spc="-1" strike="noStrike">
+              <a:latin typeface="Arial"/>
+            </a:endParaRPr>
+          </a:p>
+        </p:txBody>
+      </p:sp>
+      <p:sp>
+        <p:nvSpPr>
+          <p:cNvPr id="61" name="PlaceHolder 3"/>
           <p:cNvSpPr>
             <a:spLocks noGrp="1"/>
           </p:cNvSpPr>
@@ -1379,18 +1301,15 @@
             <a:normAutofit/>
           </a:bodyPr>
           <a:p>
-            <a:endParaRPr b="0" lang="en-US" sz="2000" spc="-1" strike="noStrike">
-              <a:solidFill>
-                <a:srgbClr val="595959"/>
-              </a:solidFill>
-              <a:latin typeface="Corbel"/>
-            </a:endParaRPr>
-          </a:p>
-        </p:txBody>
-      </p:sp>
-      <p:sp>
-        <p:nvSpPr>
-          <p:cNvPr id="68" name="PlaceHolder 4"/>
+            <a:endParaRPr b="0" lang="en-GB" sz="3200" spc="-1" strike="noStrike">
+              <a:latin typeface="Arial"/>
+            </a:endParaRPr>
+          </a:p>
+        </p:txBody>
+      </p:sp>
+      <p:sp>
+        <p:nvSpPr>
+          <p:cNvPr id="62" name="PlaceHolder 4"/>
           <p:cNvSpPr>
             <a:spLocks noGrp="1"/>
           </p:cNvSpPr>
@@ -1412,11 +1331,8 @@
             <a:normAutofit/>
           </a:bodyPr>
           <a:p>
-            <a:endParaRPr b="0" lang="en-US" sz="2000" spc="-1" strike="noStrike">
-              <a:solidFill>
-                <a:srgbClr val="595959"/>
-              </a:solidFill>
-              <a:latin typeface="Corbel"/>
+            <a:endParaRPr b="0" lang="en-GB" sz="3200" spc="-1" strike="noStrike">
+              <a:latin typeface="Arial"/>
             </a:endParaRPr>
           </a:p>
         </p:txBody>
@@ -1445,7 +1361,7 @@
       </p:grpSpPr>
       <p:sp>
         <p:nvSpPr>
-          <p:cNvPr id="69" name="PlaceHolder 1"/>
+          <p:cNvPr id="63" name="PlaceHolder 1"/>
           <p:cNvSpPr>
             <a:spLocks noGrp="1"/>
           </p:cNvSpPr>
@@ -1456,7 +1372,7 @@
         <p:spPr>
           <a:xfrm>
             <a:off x="609480" y="273600"/>
-            <a:ext cx="10972440" cy="1144800"/>
+            <a:ext cx="10972080" cy="1144440"/>
           </a:xfrm>
           <a:prstGeom prst="rect">
             <a:avLst/>
@@ -1467,18 +1383,16 @@
             <a:noAutofit/>
           </a:bodyPr>
           <a:p>
-            <a:endParaRPr b="0" lang="en-US" sz="1800" spc="-1" strike="noStrike">
-              <a:solidFill>
-                <a:srgbClr val="000000"/>
-              </a:solidFill>
-              <a:latin typeface="Corbel"/>
-            </a:endParaRPr>
-          </a:p>
-        </p:txBody>
-      </p:sp>
-      <p:sp>
-        <p:nvSpPr>
-          <p:cNvPr id="70" name="PlaceHolder 2"/>
+            <a:pPr algn="ctr"/>
+            <a:endParaRPr b="0" lang="en-GB" sz="4400" spc="-1" strike="noStrike">
+              <a:latin typeface="Arial"/>
+            </a:endParaRPr>
+          </a:p>
+        </p:txBody>
+      </p:sp>
+      <p:sp>
+        <p:nvSpPr>
+          <p:cNvPr id="64" name="PlaceHolder 2"/>
           <p:cNvSpPr>
             <a:spLocks noGrp="1"/>
           </p:cNvSpPr>
@@ -1500,18 +1414,15 @@
             <a:normAutofit/>
           </a:bodyPr>
           <a:p>
-            <a:endParaRPr b="0" lang="en-US" sz="2000" spc="-1" strike="noStrike">
-              <a:solidFill>
-                <a:srgbClr val="595959"/>
-              </a:solidFill>
-              <a:latin typeface="Corbel"/>
-            </a:endParaRPr>
-          </a:p>
-        </p:txBody>
-      </p:sp>
-      <p:sp>
-        <p:nvSpPr>
-          <p:cNvPr id="71" name="PlaceHolder 3"/>
+            <a:endParaRPr b="0" lang="en-GB" sz="3200" spc="-1" strike="noStrike">
+              <a:latin typeface="Arial"/>
+            </a:endParaRPr>
+          </a:p>
+        </p:txBody>
+      </p:sp>
+      <p:sp>
+        <p:nvSpPr>
+          <p:cNvPr id="65" name="PlaceHolder 3"/>
           <p:cNvSpPr>
             <a:spLocks noGrp="1"/>
           </p:cNvSpPr>
@@ -1533,18 +1444,15 @@
             <a:normAutofit/>
           </a:bodyPr>
           <a:p>
-            <a:endParaRPr b="0" lang="en-US" sz="2000" spc="-1" strike="noStrike">
-              <a:solidFill>
-                <a:srgbClr val="595959"/>
-              </a:solidFill>
-              <a:latin typeface="Corbel"/>
-            </a:endParaRPr>
-          </a:p>
-        </p:txBody>
-      </p:sp>
-      <p:sp>
-        <p:nvSpPr>
-          <p:cNvPr id="72" name="PlaceHolder 4"/>
+            <a:endParaRPr b="0" lang="en-GB" sz="3200" spc="-1" strike="noStrike">
+              <a:latin typeface="Arial"/>
+            </a:endParaRPr>
+          </a:p>
+        </p:txBody>
+      </p:sp>
+      <p:sp>
+        <p:nvSpPr>
+          <p:cNvPr id="66" name="PlaceHolder 4"/>
           <p:cNvSpPr>
             <a:spLocks noGrp="1"/>
           </p:cNvSpPr>
@@ -1566,11 +1474,8 @@
             <a:normAutofit/>
           </a:bodyPr>
           <a:p>
-            <a:endParaRPr b="0" lang="en-US" sz="2000" spc="-1" strike="noStrike">
-              <a:solidFill>
-                <a:srgbClr val="595959"/>
-              </a:solidFill>
-              <a:latin typeface="Corbel"/>
+            <a:endParaRPr b="0" lang="en-GB" sz="3200" spc="-1" strike="noStrike">
+              <a:latin typeface="Arial"/>
             </a:endParaRPr>
           </a:p>
         </p:txBody>
@@ -1599,7 +1504,7 @@
       </p:grpSpPr>
       <p:sp>
         <p:nvSpPr>
-          <p:cNvPr id="73" name="PlaceHolder 1"/>
+          <p:cNvPr id="67" name="PlaceHolder 1"/>
           <p:cNvSpPr>
             <a:spLocks noGrp="1"/>
           </p:cNvSpPr>
@@ -1610,7 +1515,7 @@
         <p:spPr>
           <a:xfrm>
             <a:off x="609480" y="273600"/>
-            <a:ext cx="10972440" cy="1144800"/>
+            <a:ext cx="10972080" cy="1144440"/>
           </a:xfrm>
           <a:prstGeom prst="rect">
             <a:avLst/>
@@ -1621,18 +1526,16 @@
             <a:noAutofit/>
           </a:bodyPr>
           <a:p>
-            <a:endParaRPr b="0" lang="en-US" sz="1800" spc="-1" strike="noStrike">
-              <a:solidFill>
-                <a:srgbClr val="000000"/>
-              </a:solidFill>
-              <a:latin typeface="Corbel"/>
-            </a:endParaRPr>
-          </a:p>
-        </p:txBody>
-      </p:sp>
-      <p:sp>
-        <p:nvSpPr>
-          <p:cNvPr id="74" name="PlaceHolder 2"/>
+            <a:pPr algn="ctr"/>
+            <a:endParaRPr b="0" lang="en-GB" sz="4400" spc="-1" strike="noStrike">
+              <a:latin typeface="Arial"/>
+            </a:endParaRPr>
+          </a:p>
+        </p:txBody>
+      </p:sp>
+      <p:sp>
+        <p:nvSpPr>
+          <p:cNvPr id="68" name="PlaceHolder 2"/>
           <p:cNvSpPr>
             <a:spLocks noGrp="1"/>
           </p:cNvSpPr>
@@ -1654,18 +1557,15 @@
             <a:normAutofit/>
           </a:bodyPr>
           <a:p>
-            <a:endParaRPr b="0" lang="en-US" sz="2000" spc="-1" strike="noStrike">
-              <a:solidFill>
-                <a:srgbClr val="595959"/>
-              </a:solidFill>
-              <a:latin typeface="Corbel"/>
-            </a:endParaRPr>
-          </a:p>
-        </p:txBody>
-      </p:sp>
-      <p:sp>
-        <p:nvSpPr>
-          <p:cNvPr id="75" name="PlaceHolder 3"/>
+            <a:endParaRPr b="0" lang="en-GB" sz="3200" spc="-1" strike="noStrike">
+              <a:latin typeface="Arial"/>
+            </a:endParaRPr>
+          </a:p>
+        </p:txBody>
+      </p:sp>
+      <p:sp>
+        <p:nvSpPr>
+          <p:cNvPr id="69" name="PlaceHolder 3"/>
           <p:cNvSpPr>
             <a:spLocks noGrp="1"/>
           </p:cNvSpPr>
@@ -1687,11 +1587,8 @@
             <a:normAutofit/>
           </a:bodyPr>
           <a:p>
-            <a:endParaRPr b="0" lang="en-US" sz="2000" spc="-1" strike="noStrike">
-              <a:solidFill>
-                <a:srgbClr val="595959"/>
-              </a:solidFill>
-              <a:latin typeface="Corbel"/>
+            <a:endParaRPr b="0" lang="en-GB" sz="3200" spc="-1" strike="noStrike">
+              <a:latin typeface="Arial"/>
             </a:endParaRPr>
           </a:p>
         </p:txBody>
@@ -1720,7 +1617,7 @@
       </p:grpSpPr>
       <p:sp>
         <p:nvSpPr>
-          <p:cNvPr id="76" name="PlaceHolder 1"/>
+          <p:cNvPr id="70" name="PlaceHolder 1"/>
           <p:cNvSpPr>
             <a:spLocks noGrp="1"/>
           </p:cNvSpPr>
@@ -1731,7 +1628,7 @@
         <p:spPr>
           <a:xfrm>
             <a:off x="609480" y="273600"/>
-            <a:ext cx="10972440" cy="1144800"/>
+            <a:ext cx="10972080" cy="1144440"/>
           </a:xfrm>
           <a:prstGeom prst="rect">
             <a:avLst/>
@@ -1742,18 +1639,16 @@
             <a:noAutofit/>
           </a:bodyPr>
           <a:p>
-            <a:endParaRPr b="0" lang="en-US" sz="1800" spc="-1" strike="noStrike">
-              <a:solidFill>
-                <a:srgbClr val="000000"/>
-              </a:solidFill>
-              <a:latin typeface="Corbel"/>
-            </a:endParaRPr>
-          </a:p>
-        </p:txBody>
-      </p:sp>
-      <p:sp>
-        <p:nvSpPr>
-          <p:cNvPr id="77" name="PlaceHolder 2"/>
+            <a:pPr algn="ctr"/>
+            <a:endParaRPr b="0" lang="en-GB" sz="4400" spc="-1" strike="noStrike">
+              <a:latin typeface="Arial"/>
+            </a:endParaRPr>
+          </a:p>
+        </p:txBody>
+      </p:sp>
+      <p:sp>
+        <p:nvSpPr>
+          <p:cNvPr id="71" name="PlaceHolder 2"/>
           <p:cNvSpPr>
             <a:spLocks noGrp="1"/>
           </p:cNvSpPr>
@@ -1775,18 +1670,15 @@
             <a:normAutofit/>
           </a:bodyPr>
           <a:p>
-            <a:endParaRPr b="0" lang="en-US" sz="2000" spc="-1" strike="noStrike">
-              <a:solidFill>
-                <a:srgbClr val="595959"/>
-              </a:solidFill>
-              <a:latin typeface="Corbel"/>
-            </a:endParaRPr>
-          </a:p>
-        </p:txBody>
-      </p:sp>
-      <p:sp>
-        <p:nvSpPr>
-          <p:cNvPr id="78" name="PlaceHolder 3"/>
+            <a:endParaRPr b="0" lang="en-GB" sz="3200" spc="-1" strike="noStrike">
+              <a:latin typeface="Arial"/>
+            </a:endParaRPr>
+          </a:p>
+        </p:txBody>
+      </p:sp>
+      <p:sp>
+        <p:nvSpPr>
+          <p:cNvPr id="72" name="PlaceHolder 3"/>
           <p:cNvSpPr>
             <a:spLocks noGrp="1"/>
           </p:cNvSpPr>
@@ -1808,18 +1700,15 @@
             <a:normAutofit/>
           </a:bodyPr>
           <a:p>
-            <a:endParaRPr b="0" lang="en-US" sz="2000" spc="-1" strike="noStrike">
-              <a:solidFill>
-                <a:srgbClr val="595959"/>
-              </a:solidFill>
-              <a:latin typeface="Corbel"/>
-            </a:endParaRPr>
-          </a:p>
-        </p:txBody>
-      </p:sp>
-      <p:sp>
-        <p:nvSpPr>
-          <p:cNvPr id="79" name="PlaceHolder 4"/>
+            <a:endParaRPr b="0" lang="en-GB" sz="3200" spc="-1" strike="noStrike">
+              <a:latin typeface="Arial"/>
+            </a:endParaRPr>
+          </a:p>
+        </p:txBody>
+      </p:sp>
+      <p:sp>
+        <p:nvSpPr>
+          <p:cNvPr id="73" name="PlaceHolder 4"/>
           <p:cNvSpPr>
             <a:spLocks noGrp="1"/>
           </p:cNvSpPr>
@@ -1841,18 +1730,15 @@
             <a:normAutofit/>
           </a:bodyPr>
           <a:p>
-            <a:endParaRPr b="0" lang="en-US" sz="2000" spc="-1" strike="noStrike">
-              <a:solidFill>
-                <a:srgbClr val="595959"/>
-              </a:solidFill>
-              <a:latin typeface="Corbel"/>
-            </a:endParaRPr>
-          </a:p>
-        </p:txBody>
-      </p:sp>
-      <p:sp>
-        <p:nvSpPr>
-          <p:cNvPr id="80" name="PlaceHolder 5"/>
+            <a:endParaRPr b="0" lang="en-GB" sz="3200" spc="-1" strike="noStrike">
+              <a:latin typeface="Arial"/>
+            </a:endParaRPr>
+          </a:p>
+        </p:txBody>
+      </p:sp>
+      <p:sp>
+        <p:nvSpPr>
+          <p:cNvPr id="74" name="PlaceHolder 5"/>
           <p:cNvSpPr>
             <a:spLocks noGrp="1"/>
           </p:cNvSpPr>
@@ -1874,11 +1760,8 @@
             <a:normAutofit/>
           </a:bodyPr>
           <a:p>
-            <a:endParaRPr b="0" lang="en-US" sz="2000" spc="-1" strike="noStrike">
-              <a:solidFill>
-                <a:srgbClr val="595959"/>
-              </a:solidFill>
-              <a:latin typeface="Corbel"/>
+            <a:endParaRPr b="0" lang="en-GB" sz="3200" spc="-1" strike="noStrike">
+              <a:latin typeface="Arial"/>
             </a:endParaRPr>
           </a:p>
         </p:txBody>
@@ -1907,7 +1790,7 @@
       </p:grpSpPr>
       <p:sp>
         <p:nvSpPr>
-          <p:cNvPr id="81" name="PlaceHolder 1"/>
+          <p:cNvPr id="75" name="PlaceHolder 1"/>
           <p:cNvSpPr>
             <a:spLocks noGrp="1"/>
           </p:cNvSpPr>
@@ -1918,7 +1801,7 @@
         <p:spPr>
           <a:xfrm>
             <a:off x="609480" y="273600"/>
-            <a:ext cx="10972440" cy="1144800"/>
+            <a:ext cx="10972080" cy="1144440"/>
           </a:xfrm>
           <a:prstGeom prst="rect">
             <a:avLst/>
@@ -1929,18 +1812,16 @@
             <a:noAutofit/>
           </a:bodyPr>
           <a:p>
-            <a:endParaRPr b="0" lang="en-US" sz="1800" spc="-1" strike="noStrike">
-              <a:solidFill>
-                <a:srgbClr val="000000"/>
-              </a:solidFill>
-              <a:latin typeface="Corbel"/>
-            </a:endParaRPr>
-          </a:p>
-        </p:txBody>
-      </p:sp>
-      <p:sp>
-        <p:nvSpPr>
-          <p:cNvPr id="82" name="PlaceHolder 2"/>
+            <a:pPr algn="ctr"/>
+            <a:endParaRPr b="0" lang="en-GB" sz="4400" spc="-1" strike="noStrike">
+              <a:latin typeface="Arial"/>
+            </a:endParaRPr>
+          </a:p>
+        </p:txBody>
+      </p:sp>
+      <p:sp>
+        <p:nvSpPr>
+          <p:cNvPr id="76" name="PlaceHolder 2"/>
           <p:cNvSpPr>
             <a:spLocks noGrp="1"/>
           </p:cNvSpPr>
@@ -1962,18 +1843,15 @@
             <a:normAutofit/>
           </a:bodyPr>
           <a:p>
-            <a:endParaRPr b="0" lang="en-US" sz="2000" spc="-1" strike="noStrike">
-              <a:solidFill>
-                <a:srgbClr val="595959"/>
-              </a:solidFill>
-              <a:latin typeface="Corbel"/>
-            </a:endParaRPr>
-          </a:p>
-        </p:txBody>
-      </p:sp>
-      <p:sp>
-        <p:nvSpPr>
-          <p:cNvPr id="83" name="PlaceHolder 3"/>
+            <a:endParaRPr b="0" lang="en-GB" sz="3200" spc="-1" strike="noStrike">
+              <a:latin typeface="Arial"/>
+            </a:endParaRPr>
+          </a:p>
+        </p:txBody>
+      </p:sp>
+      <p:sp>
+        <p:nvSpPr>
+          <p:cNvPr id="77" name="PlaceHolder 3"/>
           <p:cNvSpPr>
             <a:spLocks noGrp="1"/>
           </p:cNvSpPr>
@@ -1995,18 +1873,15 @@
             <a:normAutofit/>
           </a:bodyPr>
           <a:p>
-            <a:endParaRPr b="0" lang="en-US" sz="2000" spc="-1" strike="noStrike">
-              <a:solidFill>
-                <a:srgbClr val="595959"/>
-              </a:solidFill>
-              <a:latin typeface="Corbel"/>
-            </a:endParaRPr>
-          </a:p>
-        </p:txBody>
-      </p:sp>
-      <p:sp>
-        <p:nvSpPr>
-          <p:cNvPr id="84" name="PlaceHolder 4"/>
+            <a:endParaRPr b="0" lang="en-GB" sz="3200" spc="-1" strike="noStrike">
+              <a:latin typeface="Arial"/>
+            </a:endParaRPr>
+          </a:p>
+        </p:txBody>
+      </p:sp>
+      <p:sp>
+        <p:nvSpPr>
+          <p:cNvPr id="78" name="PlaceHolder 4"/>
           <p:cNvSpPr>
             <a:spLocks noGrp="1"/>
           </p:cNvSpPr>
@@ -2028,18 +1903,15 @@
             <a:normAutofit/>
           </a:bodyPr>
           <a:p>
-            <a:endParaRPr b="0" lang="en-US" sz="2000" spc="-1" strike="noStrike">
-              <a:solidFill>
-                <a:srgbClr val="595959"/>
-              </a:solidFill>
-              <a:latin typeface="Corbel"/>
-            </a:endParaRPr>
-          </a:p>
-        </p:txBody>
-      </p:sp>
-      <p:sp>
-        <p:nvSpPr>
-          <p:cNvPr id="85" name="PlaceHolder 5"/>
+            <a:endParaRPr b="0" lang="en-GB" sz="3200" spc="-1" strike="noStrike">
+              <a:latin typeface="Arial"/>
+            </a:endParaRPr>
+          </a:p>
+        </p:txBody>
+      </p:sp>
+      <p:sp>
+        <p:nvSpPr>
+          <p:cNvPr id="79" name="PlaceHolder 5"/>
           <p:cNvSpPr>
             <a:spLocks noGrp="1"/>
           </p:cNvSpPr>
@@ -2061,18 +1933,15 @@
             <a:normAutofit/>
           </a:bodyPr>
           <a:p>
-            <a:endParaRPr b="0" lang="en-US" sz="2000" spc="-1" strike="noStrike">
-              <a:solidFill>
-                <a:srgbClr val="595959"/>
-              </a:solidFill>
-              <a:latin typeface="Corbel"/>
-            </a:endParaRPr>
-          </a:p>
-        </p:txBody>
-      </p:sp>
-      <p:sp>
-        <p:nvSpPr>
-          <p:cNvPr id="86" name="PlaceHolder 6"/>
+            <a:endParaRPr b="0" lang="en-GB" sz="3200" spc="-1" strike="noStrike">
+              <a:latin typeface="Arial"/>
+            </a:endParaRPr>
+          </a:p>
+        </p:txBody>
+      </p:sp>
+      <p:sp>
+        <p:nvSpPr>
+          <p:cNvPr id="80" name="PlaceHolder 6"/>
           <p:cNvSpPr>
             <a:spLocks noGrp="1"/>
           </p:cNvSpPr>
@@ -2094,18 +1963,15 @@
             <a:normAutofit/>
           </a:bodyPr>
           <a:p>
-            <a:endParaRPr b="0" lang="en-US" sz="2000" spc="-1" strike="noStrike">
-              <a:solidFill>
-                <a:srgbClr val="595959"/>
-              </a:solidFill>
-              <a:latin typeface="Corbel"/>
-            </a:endParaRPr>
-          </a:p>
-        </p:txBody>
-      </p:sp>
-      <p:sp>
-        <p:nvSpPr>
-          <p:cNvPr id="87" name="PlaceHolder 7"/>
+            <a:endParaRPr b="0" lang="en-GB" sz="3200" spc="-1" strike="noStrike">
+              <a:latin typeface="Arial"/>
+            </a:endParaRPr>
+          </a:p>
+        </p:txBody>
+      </p:sp>
+      <p:sp>
+        <p:nvSpPr>
+          <p:cNvPr id="81" name="PlaceHolder 7"/>
           <p:cNvSpPr>
             <a:spLocks noGrp="1"/>
           </p:cNvSpPr>
@@ -2127,11 +1993,8 @@
             <a:normAutofit/>
           </a:bodyPr>
           <a:p>
-            <a:endParaRPr b="0" lang="en-US" sz="2000" spc="-1" strike="noStrike">
-              <a:solidFill>
-                <a:srgbClr val="595959"/>
-              </a:solidFill>
-              <a:latin typeface="Corbel"/>
+            <a:endParaRPr b="0" lang="en-GB" sz="3200" spc="-1" strike="noStrike">
+              <a:latin typeface="Arial"/>
             </a:endParaRPr>
           </a:p>
         </p:txBody>
@@ -2182,7 +2045,7 @@
       </p:grpSpPr>
       <p:sp>
         <p:nvSpPr>
-          <p:cNvPr id="95" name="PlaceHolder 1"/>
+          <p:cNvPr id="86" name="PlaceHolder 1"/>
           <p:cNvSpPr>
             <a:spLocks noGrp="1"/>
           </p:cNvSpPr>
@@ -2193,7 +2056,7 @@
         <p:spPr>
           <a:xfrm>
             <a:off x="609480" y="273600"/>
-            <a:ext cx="10972440" cy="1144800"/>
+            <a:ext cx="10972080" cy="1144440"/>
           </a:xfrm>
           <a:prstGeom prst="rect">
             <a:avLst/>
@@ -2204,18 +2067,16 @@
             <a:noAutofit/>
           </a:bodyPr>
           <a:p>
-            <a:endParaRPr b="0" lang="en-US" sz="1800" spc="-1" strike="noStrike">
-              <a:solidFill>
-                <a:srgbClr val="000000"/>
-              </a:solidFill>
-              <a:latin typeface="Corbel"/>
-            </a:endParaRPr>
-          </a:p>
-        </p:txBody>
-      </p:sp>
-      <p:sp>
-        <p:nvSpPr>
-          <p:cNvPr id="96" name="PlaceHolder 2"/>
+            <a:pPr algn="ctr"/>
+            <a:endParaRPr b="0" lang="en-GB" sz="4400" spc="-1" strike="noStrike">
+              <a:latin typeface="Arial"/>
+            </a:endParaRPr>
+          </a:p>
+        </p:txBody>
+      </p:sp>
+      <p:sp>
+        <p:nvSpPr>
+          <p:cNvPr id="87" name="PlaceHolder 2"/>
           <p:cNvSpPr>
             <a:spLocks noGrp="1"/>
           </p:cNvSpPr>
@@ -2268,7 +2129,7 @@
       </p:grpSpPr>
       <p:sp>
         <p:nvSpPr>
-          <p:cNvPr id="97" name="PlaceHolder 1"/>
+          <p:cNvPr id="88" name="PlaceHolder 1"/>
           <p:cNvSpPr>
             <a:spLocks noGrp="1"/>
           </p:cNvSpPr>
@@ -2279,7 +2140,7 @@
         <p:spPr>
           <a:xfrm>
             <a:off x="609480" y="273600"/>
-            <a:ext cx="10972440" cy="1144800"/>
+            <a:ext cx="10972080" cy="1144440"/>
           </a:xfrm>
           <a:prstGeom prst="rect">
             <a:avLst/>
@@ -2290,18 +2151,16 @@
             <a:noAutofit/>
           </a:bodyPr>
           <a:p>
-            <a:endParaRPr b="0" lang="en-US" sz="1800" spc="-1" strike="noStrike">
-              <a:solidFill>
-                <a:srgbClr val="000000"/>
-              </a:solidFill>
-              <a:latin typeface="Corbel"/>
-            </a:endParaRPr>
-          </a:p>
-        </p:txBody>
-      </p:sp>
-      <p:sp>
-        <p:nvSpPr>
-          <p:cNvPr id="98" name="PlaceHolder 2"/>
+            <a:pPr algn="ctr"/>
+            <a:endParaRPr b="0" lang="en-GB" sz="4400" spc="-1" strike="noStrike">
+              <a:latin typeface="Arial"/>
+            </a:endParaRPr>
+          </a:p>
+        </p:txBody>
+      </p:sp>
+      <p:sp>
+        <p:nvSpPr>
+          <p:cNvPr id="89" name="PlaceHolder 2"/>
           <p:cNvSpPr>
             <a:spLocks noGrp="1"/>
           </p:cNvSpPr>
@@ -2323,11 +2182,8 @@
             <a:normAutofit/>
           </a:bodyPr>
           <a:p>
-            <a:endParaRPr b="0" lang="en-US" sz="2000" spc="-1" strike="noStrike">
-              <a:solidFill>
-                <a:srgbClr val="595959"/>
-              </a:solidFill>
-              <a:latin typeface="Corbel"/>
+            <a:endParaRPr b="0" lang="en-GB" sz="3200" spc="-1" strike="noStrike">
+              <a:latin typeface="Arial"/>
             </a:endParaRPr>
           </a:p>
         </p:txBody>
@@ -2356,7 +2212,7 @@
       </p:grpSpPr>
       <p:sp>
         <p:nvSpPr>
-          <p:cNvPr id="99" name="PlaceHolder 1"/>
+          <p:cNvPr id="90" name="PlaceHolder 1"/>
           <p:cNvSpPr>
             <a:spLocks noGrp="1"/>
           </p:cNvSpPr>
@@ -2367,7 +2223,7 @@
         <p:spPr>
           <a:xfrm>
             <a:off x="609480" y="273600"/>
-            <a:ext cx="10972440" cy="1144800"/>
+            <a:ext cx="10972080" cy="1144440"/>
           </a:xfrm>
           <a:prstGeom prst="rect">
             <a:avLst/>
@@ -2378,18 +2234,16 @@
             <a:noAutofit/>
           </a:bodyPr>
           <a:p>
-            <a:endParaRPr b="0" lang="en-US" sz="1800" spc="-1" strike="noStrike">
-              <a:solidFill>
-                <a:srgbClr val="000000"/>
-              </a:solidFill>
-              <a:latin typeface="Corbel"/>
-            </a:endParaRPr>
-          </a:p>
-        </p:txBody>
-      </p:sp>
-      <p:sp>
-        <p:nvSpPr>
-          <p:cNvPr id="100" name="PlaceHolder 2"/>
+            <a:pPr algn="ctr"/>
+            <a:endParaRPr b="0" lang="en-GB" sz="4400" spc="-1" strike="noStrike">
+              <a:latin typeface="Arial"/>
+            </a:endParaRPr>
+          </a:p>
+        </p:txBody>
+      </p:sp>
+      <p:sp>
+        <p:nvSpPr>
+          <p:cNvPr id="91" name="PlaceHolder 2"/>
           <p:cNvSpPr>
             <a:spLocks noGrp="1"/>
           </p:cNvSpPr>
@@ -2411,18 +2265,15 @@
             <a:normAutofit/>
           </a:bodyPr>
           <a:p>
-            <a:endParaRPr b="0" lang="en-US" sz="2000" spc="-1" strike="noStrike">
-              <a:solidFill>
-                <a:srgbClr val="595959"/>
-              </a:solidFill>
-              <a:latin typeface="Corbel"/>
-            </a:endParaRPr>
-          </a:p>
-        </p:txBody>
-      </p:sp>
-      <p:sp>
-        <p:nvSpPr>
-          <p:cNvPr id="101" name="PlaceHolder 3"/>
+            <a:endParaRPr b="0" lang="en-GB" sz="3200" spc="-1" strike="noStrike">
+              <a:latin typeface="Arial"/>
+            </a:endParaRPr>
+          </a:p>
+        </p:txBody>
+      </p:sp>
+      <p:sp>
+        <p:nvSpPr>
+          <p:cNvPr id="92" name="PlaceHolder 3"/>
           <p:cNvSpPr>
             <a:spLocks noGrp="1"/>
           </p:cNvSpPr>
@@ -2444,11 +2295,8 @@
             <a:normAutofit/>
           </a:bodyPr>
           <a:p>
-            <a:endParaRPr b="0" lang="en-US" sz="2000" spc="-1" strike="noStrike">
-              <a:solidFill>
-                <a:srgbClr val="595959"/>
-              </a:solidFill>
-              <a:latin typeface="Corbel"/>
+            <a:endParaRPr b="0" lang="en-GB" sz="3200" spc="-1" strike="noStrike">
+              <a:latin typeface="Arial"/>
             </a:endParaRPr>
           </a:p>
         </p:txBody>
@@ -2477,7 +2325,7 @@
       </p:grpSpPr>
       <p:sp>
         <p:nvSpPr>
-          <p:cNvPr id="102" name="PlaceHolder 1"/>
+          <p:cNvPr id="93" name="PlaceHolder 1"/>
           <p:cNvSpPr>
             <a:spLocks noGrp="1"/>
           </p:cNvSpPr>
@@ -2488,7 +2336,7 @@
         <p:spPr>
           <a:xfrm>
             <a:off x="609480" y="273600"/>
-            <a:ext cx="10972440" cy="1144800"/>
+            <a:ext cx="10972080" cy="1144440"/>
           </a:xfrm>
           <a:prstGeom prst="rect">
             <a:avLst/>
@@ -2499,11 +2347,9 @@
             <a:noAutofit/>
           </a:bodyPr>
           <a:p>
-            <a:endParaRPr b="0" lang="en-US" sz="1800" spc="-1" strike="noStrike">
-              <a:solidFill>
-                <a:srgbClr val="000000"/>
-              </a:solidFill>
-              <a:latin typeface="Corbel"/>
+            <a:pPr algn="ctr"/>
+            <a:endParaRPr b="0" lang="en-GB" sz="4400" spc="-1" strike="noStrike">
+              <a:latin typeface="Arial"/>
             </a:endParaRPr>
           </a:p>
         </p:txBody>
@@ -2532,7 +2378,7 @@
       </p:grpSpPr>
       <p:sp>
         <p:nvSpPr>
-          <p:cNvPr id="11" name="PlaceHolder 1"/>
+          <p:cNvPr id="8" name="PlaceHolder 1"/>
           <p:cNvSpPr>
             <a:spLocks noGrp="1"/>
           </p:cNvSpPr>
@@ -2543,7 +2389,7 @@
         <p:spPr>
           <a:xfrm>
             <a:off x="609480" y="273600"/>
-            <a:ext cx="10972440" cy="1144800"/>
+            <a:ext cx="10972080" cy="1144440"/>
           </a:xfrm>
           <a:prstGeom prst="rect">
             <a:avLst/>
@@ -2554,18 +2400,16 @@
             <a:noAutofit/>
           </a:bodyPr>
           <a:p>
-            <a:endParaRPr b="0" lang="en-US" sz="1800" spc="-1" strike="noStrike">
-              <a:solidFill>
-                <a:srgbClr val="000000"/>
-              </a:solidFill>
-              <a:latin typeface="Corbel"/>
-            </a:endParaRPr>
-          </a:p>
-        </p:txBody>
-      </p:sp>
-      <p:sp>
-        <p:nvSpPr>
-          <p:cNvPr id="12" name="PlaceHolder 2"/>
+            <a:pPr algn="ctr"/>
+            <a:endParaRPr b="0" lang="en-GB" sz="4400" spc="-1" strike="noStrike">
+              <a:latin typeface="Arial"/>
+            </a:endParaRPr>
+          </a:p>
+        </p:txBody>
+      </p:sp>
+      <p:sp>
+        <p:nvSpPr>
+          <p:cNvPr id="9" name="PlaceHolder 2"/>
           <p:cNvSpPr>
             <a:spLocks noGrp="1"/>
           </p:cNvSpPr>
@@ -2587,11 +2431,8 @@
             <a:normAutofit/>
           </a:bodyPr>
           <a:p>
-            <a:endParaRPr b="0" lang="en-US" sz="2000" spc="-1" strike="noStrike">
-              <a:solidFill>
-                <a:srgbClr val="595959"/>
-              </a:solidFill>
-              <a:latin typeface="Corbel"/>
+            <a:endParaRPr b="0" lang="en-GB" sz="3200" spc="-1" strike="noStrike">
+              <a:latin typeface="Arial"/>
             </a:endParaRPr>
           </a:p>
         </p:txBody>
@@ -2620,7 +2461,7 @@
       </p:grpSpPr>
       <p:sp>
         <p:nvSpPr>
-          <p:cNvPr id="103" name="PlaceHolder 1"/>
+          <p:cNvPr id="94" name="PlaceHolder 1"/>
           <p:cNvSpPr>
             <a:spLocks noGrp="1"/>
           </p:cNvSpPr>
@@ -2631,7 +2472,7 @@
         <p:spPr>
           <a:xfrm>
             <a:off x="609480" y="273600"/>
-            <a:ext cx="10972440" cy="5307840"/>
+            <a:ext cx="10972080" cy="5306400"/>
           </a:xfrm>
           <a:prstGeom prst="rect">
             <a:avLst/>
@@ -2673,7 +2514,7 @@
       </p:grpSpPr>
       <p:sp>
         <p:nvSpPr>
-          <p:cNvPr id="104" name="PlaceHolder 1"/>
+          <p:cNvPr id="95" name="PlaceHolder 1"/>
           <p:cNvSpPr>
             <a:spLocks noGrp="1"/>
           </p:cNvSpPr>
@@ -2684,7 +2525,7 @@
         <p:spPr>
           <a:xfrm>
             <a:off x="609480" y="273600"/>
-            <a:ext cx="10972440" cy="1144800"/>
+            <a:ext cx="10972080" cy="1144440"/>
           </a:xfrm>
           <a:prstGeom prst="rect">
             <a:avLst/>
@@ -2695,18 +2536,16 @@
             <a:noAutofit/>
           </a:bodyPr>
           <a:p>
-            <a:endParaRPr b="0" lang="en-US" sz="1800" spc="-1" strike="noStrike">
-              <a:solidFill>
-                <a:srgbClr val="000000"/>
-              </a:solidFill>
-              <a:latin typeface="Corbel"/>
-            </a:endParaRPr>
-          </a:p>
-        </p:txBody>
-      </p:sp>
-      <p:sp>
-        <p:nvSpPr>
-          <p:cNvPr id="105" name="PlaceHolder 2"/>
+            <a:pPr algn="ctr"/>
+            <a:endParaRPr b="0" lang="en-GB" sz="4400" spc="-1" strike="noStrike">
+              <a:latin typeface="Arial"/>
+            </a:endParaRPr>
+          </a:p>
+        </p:txBody>
+      </p:sp>
+      <p:sp>
+        <p:nvSpPr>
+          <p:cNvPr id="96" name="PlaceHolder 2"/>
           <p:cNvSpPr>
             <a:spLocks noGrp="1"/>
           </p:cNvSpPr>
@@ -2728,18 +2567,15 @@
             <a:normAutofit/>
           </a:bodyPr>
           <a:p>
-            <a:endParaRPr b="0" lang="en-US" sz="2000" spc="-1" strike="noStrike">
-              <a:solidFill>
-                <a:srgbClr val="595959"/>
-              </a:solidFill>
-              <a:latin typeface="Corbel"/>
-            </a:endParaRPr>
-          </a:p>
-        </p:txBody>
-      </p:sp>
-      <p:sp>
-        <p:nvSpPr>
-          <p:cNvPr id="106" name="PlaceHolder 3"/>
+            <a:endParaRPr b="0" lang="en-GB" sz="3200" spc="-1" strike="noStrike">
+              <a:latin typeface="Arial"/>
+            </a:endParaRPr>
+          </a:p>
+        </p:txBody>
+      </p:sp>
+      <p:sp>
+        <p:nvSpPr>
+          <p:cNvPr id="97" name="PlaceHolder 3"/>
           <p:cNvSpPr>
             <a:spLocks noGrp="1"/>
           </p:cNvSpPr>
@@ -2761,18 +2597,15 @@
             <a:normAutofit/>
           </a:bodyPr>
           <a:p>
-            <a:endParaRPr b="0" lang="en-US" sz="2000" spc="-1" strike="noStrike">
-              <a:solidFill>
-                <a:srgbClr val="595959"/>
-              </a:solidFill>
-              <a:latin typeface="Corbel"/>
-            </a:endParaRPr>
-          </a:p>
-        </p:txBody>
-      </p:sp>
-      <p:sp>
-        <p:nvSpPr>
-          <p:cNvPr id="107" name="PlaceHolder 4"/>
+            <a:endParaRPr b="0" lang="en-GB" sz="3200" spc="-1" strike="noStrike">
+              <a:latin typeface="Arial"/>
+            </a:endParaRPr>
+          </a:p>
+        </p:txBody>
+      </p:sp>
+      <p:sp>
+        <p:nvSpPr>
+          <p:cNvPr id="98" name="PlaceHolder 4"/>
           <p:cNvSpPr>
             <a:spLocks noGrp="1"/>
           </p:cNvSpPr>
@@ -2794,11 +2627,8 @@
             <a:normAutofit/>
           </a:bodyPr>
           <a:p>
-            <a:endParaRPr b="0" lang="en-US" sz="2000" spc="-1" strike="noStrike">
-              <a:solidFill>
-                <a:srgbClr val="595959"/>
-              </a:solidFill>
-              <a:latin typeface="Corbel"/>
+            <a:endParaRPr b="0" lang="en-GB" sz="3200" spc="-1" strike="noStrike">
+              <a:latin typeface="Arial"/>
             </a:endParaRPr>
           </a:p>
         </p:txBody>
@@ -2827,7 +2657,7 @@
       </p:grpSpPr>
       <p:sp>
         <p:nvSpPr>
-          <p:cNvPr id="108" name="PlaceHolder 1"/>
+          <p:cNvPr id="99" name="PlaceHolder 1"/>
           <p:cNvSpPr>
             <a:spLocks noGrp="1"/>
           </p:cNvSpPr>
@@ -2838,7 +2668,7 @@
         <p:spPr>
           <a:xfrm>
             <a:off x="609480" y="273600"/>
-            <a:ext cx="10972440" cy="1144800"/>
+            <a:ext cx="10972080" cy="1144440"/>
           </a:xfrm>
           <a:prstGeom prst="rect">
             <a:avLst/>
@@ -2849,18 +2679,16 @@
             <a:noAutofit/>
           </a:bodyPr>
           <a:p>
-            <a:endParaRPr b="0" lang="en-US" sz="1800" spc="-1" strike="noStrike">
-              <a:solidFill>
-                <a:srgbClr val="000000"/>
-              </a:solidFill>
-              <a:latin typeface="Corbel"/>
-            </a:endParaRPr>
-          </a:p>
-        </p:txBody>
-      </p:sp>
-      <p:sp>
-        <p:nvSpPr>
-          <p:cNvPr id="109" name="PlaceHolder 2"/>
+            <a:pPr algn="ctr"/>
+            <a:endParaRPr b="0" lang="en-GB" sz="4400" spc="-1" strike="noStrike">
+              <a:latin typeface="Arial"/>
+            </a:endParaRPr>
+          </a:p>
+        </p:txBody>
+      </p:sp>
+      <p:sp>
+        <p:nvSpPr>
+          <p:cNvPr id="100" name="PlaceHolder 2"/>
           <p:cNvSpPr>
             <a:spLocks noGrp="1"/>
           </p:cNvSpPr>
@@ -2882,18 +2710,15 @@
             <a:normAutofit/>
           </a:bodyPr>
           <a:p>
-            <a:endParaRPr b="0" lang="en-US" sz="2000" spc="-1" strike="noStrike">
-              <a:solidFill>
-                <a:srgbClr val="595959"/>
-              </a:solidFill>
-              <a:latin typeface="Corbel"/>
-            </a:endParaRPr>
-          </a:p>
-        </p:txBody>
-      </p:sp>
-      <p:sp>
-        <p:nvSpPr>
-          <p:cNvPr id="110" name="PlaceHolder 3"/>
+            <a:endParaRPr b="0" lang="en-GB" sz="3200" spc="-1" strike="noStrike">
+              <a:latin typeface="Arial"/>
+            </a:endParaRPr>
+          </a:p>
+        </p:txBody>
+      </p:sp>
+      <p:sp>
+        <p:nvSpPr>
+          <p:cNvPr id="101" name="PlaceHolder 3"/>
           <p:cNvSpPr>
             <a:spLocks noGrp="1"/>
           </p:cNvSpPr>
@@ -2915,18 +2740,15 @@
             <a:normAutofit/>
           </a:bodyPr>
           <a:p>
-            <a:endParaRPr b="0" lang="en-US" sz="2000" spc="-1" strike="noStrike">
-              <a:solidFill>
-                <a:srgbClr val="595959"/>
-              </a:solidFill>
-              <a:latin typeface="Corbel"/>
-            </a:endParaRPr>
-          </a:p>
-        </p:txBody>
-      </p:sp>
-      <p:sp>
-        <p:nvSpPr>
-          <p:cNvPr id="111" name="PlaceHolder 4"/>
+            <a:endParaRPr b="0" lang="en-GB" sz="3200" spc="-1" strike="noStrike">
+              <a:latin typeface="Arial"/>
+            </a:endParaRPr>
+          </a:p>
+        </p:txBody>
+      </p:sp>
+      <p:sp>
+        <p:nvSpPr>
+          <p:cNvPr id="102" name="PlaceHolder 4"/>
           <p:cNvSpPr>
             <a:spLocks noGrp="1"/>
           </p:cNvSpPr>
@@ -2948,11 +2770,8 @@
             <a:normAutofit/>
           </a:bodyPr>
           <a:p>
-            <a:endParaRPr b="0" lang="en-US" sz="2000" spc="-1" strike="noStrike">
-              <a:solidFill>
-                <a:srgbClr val="595959"/>
-              </a:solidFill>
-              <a:latin typeface="Corbel"/>
+            <a:endParaRPr b="0" lang="en-GB" sz="3200" spc="-1" strike="noStrike">
+              <a:latin typeface="Arial"/>
             </a:endParaRPr>
           </a:p>
         </p:txBody>
@@ -2981,7 +2800,7 @@
       </p:grpSpPr>
       <p:sp>
         <p:nvSpPr>
-          <p:cNvPr id="112" name="PlaceHolder 1"/>
+          <p:cNvPr id="103" name="PlaceHolder 1"/>
           <p:cNvSpPr>
             <a:spLocks noGrp="1"/>
           </p:cNvSpPr>
@@ -2992,7 +2811,7 @@
         <p:spPr>
           <a:xfrm>
             <a:off x="609480" y="273600"/>
-            <a:ext cx="10972440" cy="1144800"/>
+            <a:ext cx="10972080" cy="1144440"/>
           </a:xfrm>
           <a:prstGeom prst="rect">
             <a:avLst/>
@@ -3003,18 +2822,16 @@
             <a:noAutofit/>
           </a:bodyPr>
           <a:p>
-            <a:endParaRPr b="0" lang="en-US" sz="1800" spc="-1" strike="noStrike">
-              <a:solidFill>
-                <a:srgbClr val="000000"/>
-              </a:solidFill>
-              <a:latin typeface="Corbel"/>
-            </a:endParaRPr>
-          </a:p>
-        </p:txBody>
-      </p:sp>
-      <p:sp>
-        <p:nvSpPr>
-          <p:cNvPr id="113" name="PlaceHolder 2"/>
+            <a:pPr algn="ctr"/>
+            <a:endParaRPr b="0" lang="en-GB" sz="4400" spc="-1" strike="noStrike">
+              <a:latin typeface="Arial"/>
+            </a:endParaRPr>
+          </a:p>
+        </p:txBody>
+      </p:sp>
+      <p:sp>
+        <p:nvSpPr>
+          <p:cNvPr id="104" name="PlaceHolder 2"/>
           <p:cNvSpPr>
             <a:spLocks noGrp="1"/>
           </p:cNvSpPr>
@@ -3036,18 +2853,15 @@
             <a:normAutofit/>
           </a:bodyPr>
           <a:p>
-            <a:endParaRPr b="0" lang="en-US" sz="2000" spc="-1" strike="noStrike">
-              <a:solidFill>
-                <a:srgbClr val="595959"/>
-              </a:solidFill>
-              <a:latin typeface="Corbel"/>
-            </a:endParaRPr>
-          </a:p>
-        </p:txBody>
-      </p:sp>
-      <p:sp>
-        <p:nvSpPr>
-          <p:cNvPr id="114" name="PlaceHolder 3"/>
+            <a:endParaRPr b="0" lang="en-GB" sz="3200" spc="-1" strike="noStrike">
+              <a:latin typeface="Arial"/>
+            </a:endParaRPr>
+          </a:p>
+        </p:txBody>
+      </p:sp>
+      <p:sp>
+        <p:nvSpPr>
+          <p:cNvPr id="105" name="PlaceHolder 3"/>
           <p:cNvSpPr>
             <a:spLocks noGrp="1"/>
           </p:cNvSpPr>
@@ -3069,18 +2883,15 @@
             <a:normAutofit/>
           </a:bodyPr>
           <a:p>
-            <a:endParaRPr b="0" lang="en-US" sz="2000" spc="-1" strike="noStrike">
-              <a:solidFill>
-                <a:srgbClr val="595959"/>
-              </a:solidFill>
-              <a:latin typeface="Corbel"/>
-            </a:endParaRPr>
-          </a:p>
-        </p:txBody>
-      </p:sp>
-      <p:sp>
-        <p:nvSpPr>
-          <p:cNvPr id="115" name="PlaceHolder 4"/>
+            <a:endParaRPr b="0" lang="en-GB" sz="3200" spc="-1" strike="noStrike">
+              <a:latin typeface="Arial"/>
+            </a:endParaRPr>
+          </a:p>
+        </p:txBody>
+      </p:sp>
+      <p:sp>
+        <p:nvSpPr>
+          <p:cNvPr id="106" name="PlaceHolder 4"/>
           <p:cNvSpPr>
             <a:spLocks noGrp="1"/>
           </p:cNvSpPr>
@@ -3102,11 +2913,8 @@
             <a:normAutofit/>
           </a:bodyPr>
           <a:p>
-            <a:endParaRPr b="0" lang="en-US" sz="2000" spc="-1" strike="noStrike">
-              <a:solidFill>
-                <a:srgbClr val="595959"/>
-              </a:solidFill>
-              <a:latin typeface="Corbel"/>
+            <a:endParaRPr b="0" lang="en-GB" sz="3200" spc="-1" strike="noStrike">
+              <a:latin typeface="Arial"/>
             </a:endParaRPr>
           </a:p>
         </p:txBody>
@@ -3135,7 +2943,7 @@
       </p:grpSpPr>
       <p:sp>
         <p:nvSpPr>
-          <p:cNvPr id="116" name="PlaceHolder 1"/>
+          <p:cNvPr id="107" name="PlaceHolder 1"/>
           <p:cNvSpPr>
             <a:spLocks noGrp="1"/>
           </p:cNvSpPr>
@@ -3146,7 +2954,7 @@
         <p:spPr>
           <a:xfrm>
             <a:off x="609480" y="273600"/>
-            <a:ext cx="10972440" cy="1144800"/>
+            <a:ext cx="10972080" cy="1144440"/>
           </a:xfrm>
           <a:prstGeom prst="rect">
             <a:avLst/>
@@ -3157,18 +2965,16 @@
             <a:noAutofit/>
           </a:bodyPr>
           <a:p>
-            <a:endParaRPr b="0" lang="en-US" sz="1800" spc="-1" strike="noStrike">
-              <a:solidFill>
-                <a:srgbClr val="000000"/>
-              </a:solidFill>
-              <a:latin typeface="Corbel"/>
-            </a:endParaRPr>
-          </a:p>
-        </p:txBody>
-      </p:sp>
-      <p:sp>
-        <p:nvSpPr>
-          <p:cNvPr id="117" name="PlaceHolder 2"/>
+            <a:pPr algn="ctr"/>
+            <a:endParaRPr b="0" lang="en-GB" sz="4400" spc="-1" strike="noStrike">
+              <a:latin typeface="Arial"/>
+            </a:endParaRPr>
+          </a:p>
+        </p:txBody>
+      </p:sp>
+      <p:sp>
+        <p:nvSpPr>
+          <p:cNvPr id="108" name="PlaceHolder 2"/>
           <p:cNvSpPr>
             <a:spLocks noGrp="1"/>
           </p:cNvSpPr>
@@ -3190,18 +2996,15 @@
             <a:normAutofit/>
           </a:bodyPr>
           <a:p>
-            <a:endParaRPr b="0" lang="en-US" sz="2000" spc="-1" strike="noStrike">
-              <a:solidFill>
-                <a:srgbClr val="595959"/>
-              </a:solidFill>
-              <a:latin typeface="Corbel"/>
-            </a:endParaRPr>
-          </a:p>
-        </p:txBody>
-      </p:sp>
-      <p:sp>
-        <p:nvSpPr>
-          <p:cNvPr id="118" name="PlaceHolder 3"/>
+            <a:endParaRPr b="0" lang="en-GB" sz="3200" spc="-1" strike="noStrike">
+              <a:latin typeface="Arial"/>
+            </a:endParaRPr>
+          </a:p>
+        </p:txBody>
+      </p:sp>
+      <p:sp>
+        <p:nvSpPr>
+          <p:cNvPr id="109" name="PlaceHolder 3"/>
           <p:cNvSpPr>
             <a:spLocks noGrp="1"/>
           </p:cNvSpPr>
@@ -3223,11 +3026,8 @@
             <a:normAutofit/>
           </a:bodyPr>
           <a:p>
-            <a:endParaRPr b="0" lang="en-US" sz="2000" spc="-1" strike="noStrike">
-              <a:solidFill>
-                <a:srgbClr val="595959"/>
-              </a:solidFill>
-              <a:latin typeface="Corbel"/>
+            <a:endParaRPr b="0" lang="en-GB" sz="3200" spc="-1" strike="noStrike">
+              <a:latin typeface="Arial"/>
             </a:endParaRPr>
           </a:p>
         </p:txBody>
@@ -3256,7 +3056,7 @@
       </p:grpSpPr>
       <p:sp>
         <p:nvSpPr>
-          <p:cNvPr id="119" name="PlaceHolder 1"/>
+          <p:cNvPr id="110" name="PlaceHolder 1"/>
           <p:cNvSpPr>
             <a:spLocks noGrp="1"/>
           </p:cNvSpPr>
@@ -3267,7 +3067,7 @@
         <p:spPr>
           <a:xfrm>
             <a:off x="609480" y="273600"/>
-            <a:ext cx="10972440" cy="1144800"/>
+            <a:ext cx="10972080" cy="1144440"/>
           </a:xfrm>
           <a:prstGeom prst="rect">
             <a:avLst/>
@@ -3278,18 +3078,16 @@
             <a:noAutofit/>
           </a:bodyPr>
           <a:p>
-            <a:endParaRPr b="0" lang="en-US" sz="1800" spc="-1" strike="noStrike">
-              <a:solidFill>
-                <a:srgbClr val="000000"/>
-              </a:solidFill>
-              <a:latin typeface="Corbel"/>
-            </a:endParaRPr>
-          </a:p>
-        </p:txBody>
-      </p:sp>
-      <p:sp>
-        <p:nvSpPr>
-          <p:cNvPr id="120" name="PlaceHolder 2"/>
+            <a:pPr algn="ctr"/>
+            <a:endParaRPr b="0" lang="en-GB" sz="4400" spc="-1" strike="noStrike">
+              <a:latin typeface="Arial"/>
+            </a:endParaRPr>
+          </a:p>
+        </p:txBody>
+      </p:sp>
+      <p:sp>
+        <p:nvSpPr>
+          <p:cNvPr id="111" name="PlaceHolder 2"/>
           <p:cNvSpPr>
             <a:spLocks noGrp="1"/>
           </p:cNvSpPr>
@@ -3311,18 +3109,15 @@
             <a:normAutofit/>
           </a:bodyPr>
           <a:p>
-            <a:endParaRPr b="0" lang="en-US" sz="2000" spc="-1" strike="noStrike">
-              <a:solidFill>
-                <a:srgbClr val="595959"/>
-              </a:solidFill>
-              <a:latin typeface="Corbel"/>
-            </a:endParaRPr>
-          </a:p>
-        </p:txBody>
-      </p:sp>
-      <p:sp>
-        <p:nvSpPr>
-          <p:cNvPr id="121" name="PlaceHolder 3"/>
+            <a:endParaRPr b="0" lang="en-GB" sz="3200" spc="-1" strike="noStrike">
+              <a:latin typeface="Arial"/>
+            </a:endParaRPr>
+          </a:p>
+        </p:txBody>
+      </p:sp>
+      <p:sp>
+        <p:nvSpPr>
+          <p:cNvPr id="112" name="PlaceHolder 3"/>
           <p:cNvSpPr>
             <a:spLocks noGrp="1"/>
           </p:cNvSpPr>
@@ -3344,18 +3139,15 @@
             <a:normAutofit/>
           </a:bodyPr>
           <a:p>
-            <a:endParaRPr b="0" lang="en-US" sz="2000" spc="-1" strike="noStrike">
-              <a:solidFill>
-                <a:srgbClr val="595959"/>
-              </a:solidFill>
-              <a:latin typeface="Corbel"/>
-            </a:endParaRPr>
-          </a:p>
-        </p:txBody>
-      </p:sp>
-      <p:sp>
-        <p:nvSpPr>
-          <p:cNvPr id="122" name="PlaceHolder 4"/>
+            <a:endParaRPr b="0" lang="en-GB" sz="3200" spc="-1" strike="noStrike">
+              <a:latin typeface="Arial"/>
+            </a:endParaRPr>
+          </a:p>
+        </p:txBody>
+      </p:sp>
+      <p:sp>
+        <p:nvSpPr>
+          <p:cNvPr id="113" name="PlaceHolder 4"/>
           <p:cNvSpPr>
             <a:spLocks noGrp="1"/>
           </p:cNvSpPr>
@@ -3377,18 +3169,15 @@
             <a:normAutofit/>
           </a:bodyPr>
           <a:p>
-            <a:endParaRPr b="0" lang="en-US" sz="2000" spc="-1" strike="noStrike">
-              <a:solidFill>
-                <a:srgbClr val="595959"/>
-              </a:solidFill>
-              <a:latin typeface="Corbel"/>
-            </a:endParaRPr>
-          </a:p>
-        </p:txBody>
-      </p:sp>
-      <p:sp>
-        <p:nvSpPr>
-          <p:cNvPr id="123" name="PlaceHolder 5"/>
+            <a:endParaRPr b="0" lang="en-GB" sz="3200" spc="-1" strike="noStrike">
+              <a:latin typeface="Arial"/>
+            </a:endParaRPr>
+          </a:p>
+        </p:txBody>
+      </p:sp>
+      <p:sp>
+        <p:nvSpPr>
+          <p:cNvPr id="114" name="PlaceHolder 5"/>
           <p:cNvSpPr>
             <a:spLocks noGrp="1"/>
           </p:cNvSpPr>
@@ -3410,11 +3199,8 @@
             <a:normAutofit/>
           </a:bodyPr>
           <a:p>
-            <a:endParaRPr b="0" lang="en-US" sz="2000" spc="-1" strike="noStrike">
-              <a:solidFill>
-                <a:srgbClr val="595959"/>
-              </a:solidFill>
-              <a:latin typeface="Corbel"/>
+            <a:endParaRPr b="0" lang="en-GB" sz="3200" spc="-1" strike="noStrike">
+              <a:latin typeface="Arial"/>
             </a:endParaRPr>
           </a:p>
         </p:txBody>
@@ -3443,7 +3229,7 @@
       </p:grpSpPr>
       <p:sp>
         <p:nvSpPr>
-          <p:cNvPr id="124" name="PlaceHolder 1"/>
+          <p:cNvPr id="115" name="PlaceHolder 1"/>
           <p:cNvSpPr>
             <a:spLocks noGrp="1"/>
           </p:cNvSpPr>
@@ -3454,7 +3240,7 @@
         <p:spPr>
           <a:xfrm>
             <a:off x="609480" y="273600"/>
-            <a:ext cx="10972440" cy="1144800"/>
+            <a:ext cx="10972080" cy="1144440"/>
           </a:xfrm>
           <a:prstGeom prst="rect">
             <a:avLst/>
@@ -3465,18 +3251,16 @@
             <a:noAutofit/>
           </a:bodyPr>
           <a:p>
-            <a:endParaRPr b="0" lang="en-US" sz="1800" spc="-1" strike="noStrike">
-              <a:solidFill>
-                <a:srgbClr val="000000"/>
-              </a:solidFill>
-              <a:latin typeface="Corbel"/>
-            </a:endParaRPr>
-          </a:p>
-        </p:txBody>
-      </p:sp>
-      <p:sp>
-        <p:nvSpPr>
-          <p:cNvPr id="125" name="PlaceHolder 2"/>
+            <a:pPr algn="ctr"/>
+            <a:endParaRPr b="0" lang="en-GB" sz="4400" spc="-1" strike="noStrike">
+              <a:latin typeface="Arial"/>
+            </a:endParaRPr>
+          </a:p>
+        </p:txBody>
+      </p:sp>
+      <p:sp>
+        <p:nvSpPr>
+          <p:cNvPr id="116" name="PlaceHolder 2"/>
           <p:cNvSpPr>
             <a:spLocks noGrp="1"/>
           </p:cNvSpPr>
@@ -3498,18 +3282,15 @@
             <a:normAutofit/>
           </a:bodyPr>
           <a:p>
-            <a:endParaRPr b="0" lang="en-US" sz="2000" spc="-1" strike="noStrike">
-              <a:solidFill>
-                <a:srgbClr val="595959"/>
-              </a:solidFill>
-              <a:latin typeface="Corbel"/>
-            </a:endParaRPr>
-          </a:p>
-        </p:txBody>
-      </p:sp>
-      <p:sp>
-        <p:nvSpPr>
-          <p:cNvPr id="126" name="PlaceHolder 3"/>
+            <a:endParaRPr b="0" lang="en-GB" sz="3200" spc="-1" strike="noStrike">
+              <a:latin typeface="Arial"/>
+            </a:endParaRPr>
+          </a:p>
+        </p:txBody>
+      </p:sp>
+      <p:sp>
+        <p:nvSpPr>
+          <p:cNvPr id="117" name="PlaceHolder 3"/>
           <p:cNvSpPr>
             <a:spLocks noGrp="1"/>
           </p:cNvSpPr>
@@ -3531,18 +3312,15 @@
             <a:normAutofit/>
           </a:bodyPr>
           <a:p>
-            <a:endParaRPr b="0" lang="en-US" sz="2000" spc="-1" strike="noStrike">
-              <a:solidFill>
-                <a:srgbClr val="595959"/>
-              </a:solidFill>
-              <a:latin typeface="Corbel"/>
-            </a:endParaRPr>
-          </a:p>
-        </p:txBody>
-      </p:sp>
-      <p:sp>
-        <p:nvSpPr>
-          <p:cNvPr id="127" name="PlaceHolder 4"/>
+            <a:endParaRPr b="0" lang="en-GB" sz="3200" spc="-1" strike="noStrike">
+              <a:latin typeface="Arial"/>
+            </a:endParaRPr>
+          </a:p>
+        </p:txBody>
+      </p:sp>
+      <p:sp>
+        <p:nvSpPr>
+          <p:cNvPr id="118" name="PlaceHolder 4"/>
           <p:cNvSpPr>
             <a:spLocks noGrp="1"/>
           </p:cNvSpPr>
@@ -3564,18 +3342,15 @@
             <a:normAutofit/>
           </a:bodyPr>
           <a:p>
-            <a:endParaRPr b="0" lang="en-US" sz="2000" spc="-1" strike="noStrike">
-              <a:solidFill>
-                <a:srgbClr val="595959"/>
-              </a:solidFill>
-              <a:latin typeface="Corbel"/>
-            </a:endParaRPr>
-          </a:p>
-        </p:txBody>
-      </p:sp>
-      <p:sp>
-        <p:nvSpPr>
-          <p:cNvPr id="128" name="PlaceHolder 5"/>
+            <a:endParaRPr b="0" lang="en-GB" sz="3200" spc="-1" strike="noStrike">
+              <a:latin typeface="Arial"/>
+            </a:endParaRPr>
+          </a:p>
+        </p:txBody>
+      </p:sp>
+      <p:sp>
+        <p:nvSpPr>
+          <p:cNvPr id="119" name="PlaceHolder 5"/>
           <p:cNvSpPr>
             <a:spLocks noGrp="1"/>
           </p:cNvSpPr>
@@ -3597,18 +3372,15 @@
             <a:normAutofit/>
           </a:bodyPr>
           <a:p>
-            <a:endParaRPr b="0" lang="en-US" sz="2000" spc="-1" strike="noStrike">
-              <a:solidFill>
-                <a:srgbClr val="595959"/>
-              </a:solidFill>
-              <a:latin typeface="Corbel"/>
-            </a:endParaRPr>
-          </a:p>
-        </p:txBody>
-      </p:sp>
-      <p:sp>
-        <p:nvSpPr>
-          <p:cNvPr id="129" name="PlaceHolder 6"/>
+            <a:endParaRPr b="0" lang="en-GB" sz="3200" spc="-1" strike="noStrike">
+              <a:latin typeface="Arial"/>
+            </a:endParaRPr>
+          </a:p>
+        </p:txBody>
+      </p:sp>
+      <p:sp>
+        <p:nvSpPr>
+          <p:cNvPr id="120" name="PlaceHolder 6"/>
           <p:cNvSpPr>
             <a:spLocks noGrp="1"/>
           </p:cNvSpPr>
@@ -3630,18 +3402,15 @@
             <a:normAutofit/>
           </a:bodyPr>
           <a:p>
-            <a:endParaRPr b="0" lang="en-US" sz="2000" spc="-1" strike="noStrike">
-              <a:solidFill>
-                <a:srgbClr val="595959"/>
-              </a:solidFill>
-              <a:latin typeface="Corbel"/>
-            </a:endParaRPr>
-          </a:p>
-        </p:txBody>
-      </p:sp>
-      <p:sp>
-        <p:nvSpPr>
-          <p:cNvPr id="130" name="PlaceHolder 7"/>
+            <a:endParaRPr b="0" lang="en-GB" sz="3200" spc="-1" strike="noStrike">
+              <a:latin typeface="Arial"/>
+            </a:endParaRPr>
+          </a:p>
+        </p:txBody>
+      </p:sp>
+      <p:sp>
+        <p:nvSpPr>
+          <p:cNvPr id="121" name="PlaceHolder 7"/>
           <p:cNvSpPr>
             <a:spLocks noGrp="1"/>
           </p:cNvSpPr>
@@ -3663,11 +3432,8 @@
             <a:normAutofit/>
           </a:bodyPr>
           <a:p>
-            <a:endParaRPr b="0" lang="en-US" sz="2000" spc="-1" strike="noStrike">
-              <a:solidFill>
-                <a:srgbClr val="595959"/>
-              </a:solidFill>
-              <a:latin typeface="Corbel"/>
+            <a:endParaRPr b="0" lang="en-GB" sz="3200" spc="-1" strike="noStrike">
+              <a:latin typeface="Arial"/>
             </a:endParaRPr>
           </a:p>
         </p:txBody>
@@ -3718,7 +3484,7 @@
       </p:grpSpPr>
       <p:sp>
         <p:nvSpPr>
-          <p:cNvPr id="138" name="PlaceHolder 1"/>
+          <p:cNvPr id="124" name="PlaceHolder 1"/>
           <p:cNvSpPr>
             <a:spLocks noGrp="1"/>
           </p:cNvSpPr>
@@ -3729,7 +3495,7 @@
         <p:spPr>
           <a:xfrm>
             <a:off x="609480" y="273600"/>
-            <a:ext cx="10972440" cy="1144800"/>
+            <a:ext cx="10972080" cy="1144440"/>
           </a:xfrm>
           <a:prstGeom prst="rect">
             <a:avLst/>
@@ -3740,18 +3506,16 @@
             <a:noAutofit/>
           </a:bodyPr>
           <a:p>
-            <a:endParaRPr b="0" lang="en-US" sz="1800" spc="-1" strike="noStrike">
-              <a:solidFill>
-                <a:srgbClr val="000000"/>
-              </a:solidFill>
-              <a:latin typeface="Corbel"/>
-            </a:endParaRPr>
-          </a:p>
-        </p:txBody>
-      </p:sp>
-      <p:sp>
-        <p:nvSpPr>
-          <p:cNvPr id="139" name="PlaceHolder 2"/>
+            <a:pPr algn="ctr"/>
+            <a:endParaRPr b="0" lang="en-GB" sz="4400" spc="-1" strike="noStrike">
+              <a:latin typeface="Arial"/>
+            </a:endParaRPr>
+          </a:p>
+        </p:txBody>
+      </p:sp>
+      <p:sp>
+        <p:nvSpPr>
+          <p:cNvPr id="125" name="PlaceHolder 2"/>
           <p:cNvSpPr>
             <a:spLocks noGrp="1"/>
           </p:cNvSpPr>
@@ -3804,7 +3568,7 @@
       </p:grpSpPr>
       <p:sp>
         <p:nvSpPr>
-          <p:cNvPr id="140" name="PlaceHolder 1"/>
+          <p:cNvPr id="126" name="PlaceHolder 1"/>
           <p:cNvSpPr>
             <a:spLocks noGrp="1"/>
           </p:cNvSpPr>
@@ -3815,7 +3579,7 @@
         <p:spPr>
           <a:xfrm>
             <a:off x="609480" y="273600"/>
-            <a:ext cx="10972440" cy="1144800"/>
+            <a:ext cx="10972080" cy="1144440"/>
           </a:xfrm>
           <a:prstGeom prst="rect">
             <a:avLst/>
@@ -3826,18 +3590,16 @@
             <a:noAutofit/>
           </a:bodyPr>
           <a:p>
-            <a:endParaRPr b="0" lang="en-US" sz="1800" spc="-1" strike="noStrike">
-              <a:solidFill>
-                <a:srgbClr val="000000"/>
-              </a:solidFill>
-              <a:latin typeface="Corbel"/>
-            </a:endParaRPr>
-          </a:p>
-        </p:txBody>
-      </p:sp>
-      <p:sp>
-        <p:nvSpPr>
-          <p:cNvPr id="141" name="PlaceHolder 2"/>
+            <a:pPr algn="ctr"/>
+            <a:endParaRPr b="0" lang="en-GB" sz="4400" spc="-1" strike="noStrike">
+              <a:latin typeface="Arial"/>
+            </a:endParaRPr>
+          </a:p>
+        </p:txBody>
+      </p:sp>
+      <p:sp>
+        <p:nvSpPr>
+          <p:cNvPr id="127" name="PlaceHolder 2"/>
           <p:cNvSpPr>
             <a:spLocks noGrp="1"/>
           </p:cNvSpPr>
@@ -3859,11 +3621,8 @@
             <a:normAutofit/>
           </a:bodyPr>
           <a:p>
-            <a:endParaRPr b="0" lang="en-US" sz="2000" spc="-1" strike="noStrike">
-              <a:solidFill>
-                <a:srgbClr val="595959"/>
-              </a:solidFill>
-              <a:latin typeface="Corbel"/>
+            <a:endParaRPr b="0" lang="en-GB" sz="3200" spc="-1" strike="noStrike">
+              <a:latin typeface="Arial"/>
             </a:endParaRPr>
           </a:p>
         </p:txBody>
@@ -3892,7 +3651,7 @@
       </p:grpSpPr>
       <p:sp>
         <p:nvSpPr>
-          <p:cNvPr id="13" name="PlaceHolder 1"/>
+          <p:cNvPr id="10" name="PlaceHolder 1"/>
           <p:cNvSpPr>
             <a:spLocks noGrp="1"/>
           </p:cNvSpPr>
@@ -3903,7 +3662,7 @@
         <p:spPr>
           <a:xfrm>
             <a:off x="609480" y="273600"/>
-            <a:ext cx="10972440" cy="1144800"/>
+            <a:ext cx="10972080" cy="1144440"/>
           </a:xfrm>
           <a:prstGeom prst="rect">
             <a:avLst/>
@@ -3914,18 +3673,16 @@
             <a:noAutofit/>
           </a:bodyPr>
           <a:p>
-            <a:endParaRPr b="0" lang="en-US" sz="1800" spc="-1" strike="noStrike">
-              <a:solidFill>
-                <a:srgbClr val="000000"/>
-              </a:solidFill>
-              <a:latin typeface="Corbel"/>
-            </a:endParaRPr>
-          </a:p>
-        </p:txBody>
-      </p:sp>
-      <p:sp>
-        <p:nvSpPr>
-          <p:cNvPr id="14" name="PlaceHolder 2"/>
+            <a:pPr algn="ctr"/>
+            <a:endParaRPr b="0" lang="en-GB" sz="4400" spc="-1" strike="noStrike">
+              <a:latin typeface="Arial"/>
+            </a:endParaRPr>
+          </a:p>
+        </p:txBody>
+      </p:sp>
+      <p:sp>
+        <p:nvSpPr>
+          <p:cNvPr id="11" name="PlaceHolder 2"/>
           <p:cNvSpPr>
             <a:spLocks noGrp="1"/>
           </p:cNvSpPr>
@@ -3947,18 +3704,15 @@
             <a:normAutofit/>
           </a:bodyPr>
           <a:p>
-            <a:endParaRPr b="0" lang="en-US" sz="2000" spc="-1" strike="noStrike">
-              <a:solidFill>
-                <a:srgbClr val="595959"/>
-              </a:solidFill>
-              <a:latin typeface="Corbel"/>
-            </a:endParaRPr>
-          </a:p>
-        </p:txBody>
-      </p:sp>
-      <p:sp>
-        <p:nvSpPr>
-          <p:cNvPr id="15" name="PlaceHolder 3"/>
+            <a:endParaRPr b="0" lang="en-GB" sz="3200" spc="-1" strike="noStrike">
+              <a:latin typeface="Arial"/>
+            </a:endParaRPr>
+          </a:p>
+        </p:txBody>
+      </p:sp>
+      <p:sp>
+        <p:nvSpPr>
+          <p:cNvPr id="12" name="PlaceHolder 3"/>
           <p:cNvSpPr>
             <a:spLocks noGrp="1"/>
           </p:cNvSpPr>
@@ -3980,11 +3734,8 @@
             <a:normAutofit/>
           </a:bodyPr>
           <a:p>
-            <a:endParaRPr b="0" lang="en-US" sz="2000" spc="-1" strike="noStrike">
-              <a:solidFill>
-                <a:srgbClr val="595959"/>
-              </a:solidFill>
-              <a:latin typeface="Corbel"/>
+            <a:endParaRPr b="0" lang="en-GB" sz="3200" spc="-1" strike="noStrike">
+              <a:latin typeface="Arial"/>
             </a:endParaRPr>
           </a:p>
         </p:txBody>
@@ -4013,7 +3764,7 @@
       </p:grpSpPr>
       <p:sp>
         <p:nvSpPr>
-          <p:cNvPr id="142" name="PlaceHolder 1"/>
+          <p:cNvPr id="128" name="PlaceHolder 1"/>
           <p:cNvSpPr>
             <a:spLocks noGrp="1"/>
           </p:cNvSpPr>
@@ -4024,7 +3775,7 @@
         <p:spPr>
           <a:xfrm>
             <a:off x="609480" y="273600"/>
-            <a:ext cx="10972440" cy="1144800"/>
+            <a:ext cx="10972080" cy="1144440"/>
           </a:xfrm>
           <a:prstGeom prst="rect">
             <a:avLst/>
@@ -4035,18 +3786,16 @@
             <a:noAutofit/>
           </a:bodyPr>
           <a:p>
-            <a:endParaRPr b="0" lang="en-US" sz="1800" spc="-1" strike="noStrike">
-              <a:solidFill>
-                <a:srgbClr val="000000"/>
-              </a:solidFill>
-              <a:latin typeface="Corbel"/>
-            </a:endParaRPr>
-          </a:p>
-        </p:txBody>
-      </p:sp>
-      <p:sp>
-        <p:nvSpPr>
-          <p:cNvPr id="143" name="PlaceHolder 2"/>
+            <a:pPr algn="ctr"/>
+            <a:endParaRPr b="0" lang="en-GB" sz="4400" spc="-1" strike="noStrike">
+              <a:latin typeface="Arial"/>
+            </a:endParaRPr>
+          </a:p>
+        </p:txBody>
+      </p:sp>
+      <p:sp>
+        <p:nvSpPr>
+          <p:cNvPr id="129" name="PlaceHolder 2"/>
           <p:cNvSpPr>
             <a:spLocks noGrp="1"/>
           </p:cNvSpPr>
@@ -4068,18 +3817,15 @@
             <a:normAutofit/>
           </a:bodyPr>
           <a:p>
-            <a:endParaRPr b="0" lang="en-US" sz="2000" spc="-1" strike="noStrike">
-              <a:solidFill>
-                <a:srgbClr val="595959"/>
-              </a:solidFill>
-              <a:latin typeface="Corbel"/>
-            </a:endParaRPr>
-          </a:p>
-        </p:txBody>
-      </p:sp>
-      <p:sp>
-        <p:nvSpPr>
-          <p:cNvPr id="144" name="PlaceHolder 3"/>
+            <a:endParaRPr b="0" lang="en-GB" sz="3200" spc="-1" strike="noStrike">
+              <a:latin typeface="Arial"/>
+            </a:endParaRPr>
+          </a:p>
+        </p:txBody>
+      </p:sp>
+      <p:sp>
+        <p:nvSpPr>
+          <p:cNvPr id="130" name="PlaceHolder 3"/>
           <p:cNvSpPr>
             <a:spLocks noGrp="1"/>
           </p:cNvSpPr>
@@ -4101,11 +3847,8 @@
             <a:normAutofit/>
           </a:bodyPr>
           <a:p>
-            <a:endParaRPr b="0" lang="en-US" sz="2000" spc="-1" strike="noStrike">
-              <a:solidFill>
-                <a:srgbClr val="595959"/>
-              </a:solidFill>
-              <a:latin typeface="Corbel"/>
+            <a:endParaRPr b="0" lang="en-GB" sz="3200" spc="-1" strike="noStrike">
+              <a:latin typeface="Arial"/>
             </a:endParaRPr>
           </a:p>
         </p:txBody>
@@ -4134,7 +3877,7 @@
       </p:grpSpPr>
       <p:sp>
         <p:nvSpPr>
-          <p:cNvPr id="145" name="PlaceHolder 1"/>
+          <p:cNvPr id="131" name="PlaceHolder 1"/>
           <p:cNvSpPr>
             <a:spLocks noGrp="1"/>
           </p:cNvSpPr>
@@ -4145,7 +3888,7 @@
         <p:spPr>
           <a:xfrm>
             <a:off x="609480" y="273600"/>
-            <a:ext cx="10972440" cy="1144800"/>
+            <a:ext cx="10972080" cy="1144440"/>
           </a:xfrm>
           <a:prstGeom prst="rect">
             <a:avLst/>
@@ -4156,11 +3899,9 @@
             <a:noAutofit/>
           </a:bodyPr>
           <a:p>
-            <a:endParaRPr b="0" lang="en-US" sz="1800" spc="-1" strike="noStrike">
-              <a:solidFill>
-                <a:srgbClr val="000000"/>
-              </a:solidFill>
-              <a:latin typeface="Corbel"/>
+            <a:pPr algn="ctr"/>
+            <a:endParaRPr b="0" lang="en-GB" sz="4400" spc="-1" strike="noStrike">
+              <a:latin typeface="Arial"/>
             </a:endParaRPr>
           </a:p>
         </p:txBody>
@@ -4189,7 +3930,7 @@
       </p:grpSpPr>
       <p:sp>
         <p:nvSpPr>
-          <p:cNvPr id="146" name="PlaceHolder 1"/>
+          <p:cNvPr id="132" name="PlaceHolder 1"/>
           <p:cNvSpPr>
             <a:spLocks noGrp="1"/>
           </p:cNvSpPr>
@@ -4200,7 +3941,7 @@
         <p:spPr>
           <a:xfrm>
             <a:off x="609480" y="273600"/>
-            <a:ext cx="10972440" cy="5307840"/>
+            <a:ext cx="10972080" cy="5306400"/>
           </a:xfrm>
           <a:prstGeom prst="rect">
             <a:avLst/>
@@ -4242,7 +3983,7 @@
       </p:grpSpPr>
       <p:sp>
         <p:nvSpPr>
-          <p:cNvPr id="147" name="PlaceHolder 1"/>
+          <p:cNvPr id="133" name="PlaceHolder 1"/>
           <p:cNvSpPr>
             <a:spLocks noGrp="1"/>
           </p:cNvSpPr>
@@ -4253,7 +3994,7 @@
         <p:spPr>
           <a:xfrm>
             <a:off x="609480" y="273600"/>
-            <a:ext cx="10972440" cy="1144800"/>
+            <a:ext cx="10972080" cy="1144440"/>
           </a:xfrm>
           <a:prstGeom prst="rect">
             <a:avLst/>
@@ -4264,18 +4005,16 @@
             <a:noAutofit/>
           </a:bodyPr>
           <a:p>
-            <a:endParaRPr b="0" lang="en-US" sz="1800" spc="-1" strike="noStrike">
-              <a:solidFill>
-                <a:srgbClr val="000000"/>
-              </a:solidFill>
-              <a:latin typeface="Corbel"/>
-            </a:endParaRPr>
-          </a:p>
-        </p:txBody>
-      </p:sp>
-      <p:sp>
-        <p:nvSpPr>
-          <p:cNvPr id="148" name="PlaceHolder 2"/>
+            <a:pPr algn="ctr"/>
+            <a:endParaRPr b="0" lang="en-GB" sz="4400" spc="-1" strike="noStrike">
+              <a:latin typeface="Arial"/>
+            </a:endParaRPr>
+          </a:p>
+        </p:txBody>
+      </p:sp>
+      <p:sp>
+        <p:nvSpPr>
+          <p:cNvPr id="134" name="PlaceHolder 2"/>
           <p:cNvSpPr>
             <a:spLocks noGrp="1"/>
           </p:cNvSpPr>
@@ -4297,18 +4036,15 @@
             <a:normAutofit/>
           </a:bodyPr>
           <a:p>
-            <a:endParaRPr b="0" lang="en-US" sz="2000" spc="-1" strike="noStrike">
-              <a:solidFill>
-                <a:srgbClr val="595959"/>
-              </a:solidFill>
-              <a:latin typeface="Corbel"/>
-            </a:endParaRPr>
-          </a:p>
-        </p:txBody>
-      </p:sp>
-      <p:sp>
-        <p:nvSpPr>
-          <p:cNvPr id="149" name="PlaceHolder 3"/>
+            <a:endParaRPr b="0" lang="en-GB" sz="3200" spc="-1" strike="noStrike">
+              <a:latin typeface="Arial"/>
+            </a:endParaRPr>
+          </a:p>
+        </p:txBody>
+      </p:sp>
+      <p:sp>
+        <p:nvSpPr>
+          <p:cNvPr id="135" name="PlaceHolder 3"/>
           <p:cNvSpPr>
             <a:spLocks noGrp="1"/>
           </p:cNvSpPr>
@@ -4330,18 +4066,15 @@
             <a:normAutofit/>
           </a:bodyPr>
           <a:p>
-            <a:endParaRPr b="0" lang="en-US" sz="2000" spc="-1" strike="noStrike">
-              <a:solidFill>
-                <a:srgbClr val="595959"/>
-              </a:solidFill>
-              <a:latin typeface="Corbel"/>
-            </a:endParaRPr>
-          </a:p>
-        </p:txBody>
-      </p:sp>
-      <p:sp>
-        <p:nvSpPr>
-          <p:cNvPr id="150" name="PlaceHolder 4"/>
+            <a:endParaRPr b="0" lang="en-GB" sz="3200" spc="-1" strike="noStrike">
+              <a:latin typeface="Arial"/>
+            </a:endParaRPr>
+          </a:p>
+        </p:txBody>
+      </p:sp>
+      <p:sp>
+        <p:nvSpPr>
+          <p:cNvPr id="136" name="PlaceHolder 4"/>
           <p:cNvSpPr>
             <a:spLocks noGrp="1"/>
           </p:cNvSpPr>
@@ -4363,11 +4096,8 @@
             <a:normAutofit/>
           </a:bodyPr>
           <a:p>
-            <a:endParaRPr b="0" lang="en-US" sz="2000" spc="-1" strike="noStrike">
-              <a:solidFill>
-                <a:srgbClr val="595959"/>
-              </a:solidFill>
-              <a:latin typeface="Corbel"/>
+            <a:endParaRPr b="0" lang="en-GB" sz="3200" spc="-1" strike="noStrike">
+              <a:latin typeface="Arial"/>
             </a:endParaRPr>
           </a:p>
         </p:txBody>
@@ -4396,7 +4126,7 @@
       </p:grpSpPr>
       <p:sp>
         <p:nvSpPr>
-          <p:cNvPr id="151" name="PlaceHolder 1"/>
+          <p:cNvPr id="137" name="PlaceHolder 1"/>
           <p:cNvSpPr>
             <a:spLocks noGrp="1"/>
           </p:cNvSpPr>
@@ -4407,7 +4137,7 @@
         <p:spPr>
           <a:xfrm>
             <a:off x="609480" y="273600"/>
-            <a:ext cx="10972440" cy="1144800"/>
+            <a:ext cx="10972080" cy="1144440"/>
           </a:xfrm>
           <a:prstGeom prst="rect">
             <a:avLst/>
@@ -4418,18 +4148,16 @@
             <a:noAutofit/>
           </a:bodyPr>
           <a:p>
-            <a:endParaRPr b="0" lang="en-US" sz="1800" spc="-1" strike="noStrike">
-              <a:solidFill>
-                <a:srgbClr val="000000"/>
-              </a:solidFill>
-              <a:latin typeface="Corbel"/>
-            </a:endParaRPr>
-          </a:p>
-        </p:txBody>
-      </p:sp>
-      <p:sp>
-        <p:nvSpPr>
-          <p:cNvPr id="152" name="PlaceHolder 2"/>
+            <a:pPr algn="ctr"/>
+            <a:endParaRPr b="0" lang="en-GB" sz="4400" spc="-1" strike="noStrike">
+              <a:latin typeface="Arial"/>
+            </a:endParaRPr>
+          </a:p>
+        </p:txBody>
+      </p:sp>
+      <p:sp>
+        <p:nvSpPr>
+          <p:cNvPr id="138" name="PlaceHolder 2"/>
           <p:cNvSpPr>
             <a:spLocks noGrp="1"/>
           </p:cNvSpPr>
@@ -4451,18 +4179,15 @@
             <a:normAutofit/>
           </a:bodyPr>
           <a:p>
-            <a:endParaRPr b="0" lang="en-US" sz="2000" spc="-1" strike="noStrike">
-              <a:solidFill>
-                <a:srgbClr val="595959"/>
-              </a:solidFill>
-              <a:latin typeface="Corbel"/>
-            </a:endParaRPr>
-          </a:p>
-        </p:txBody>
-      </p:sp>
-      <p:sp>
-        <p:nvSpPr>
-          <p:cNvPr id="153" name="PlaceHolder 3"/>
+            <a:endParaRPr b="0" lang="en-GB" sz="3200" spc="-1" strike="noStrike">
+              <a:latin typeface="Arial"/>
+            </a:endParaRPr>
+          </a:p>
+        </p:txBody>
+      </p:sp>
+      <p:sp>
+        <p:nvSpPr>
+          <p:cNvPr id="139" name="PlaceHolder 3"/>
           <p:cNvSpPr>
             <a:spLocks noGrp="1"/>
           </p:cNvSpPr>
@@ -4484,18 +4209,15 @@
             <a:normAutofit/>
           </a:bodyPr>
           <a:p>
-            <a:endParaRPr b="0" lang="en-US" sz="2000" spc="-1" strike="noStrike">
-              <a:solidFill>
-                <a:srgbClr val="595959"/>
-              </a:solidFill>
-              <a:latin typeface="Corbel"/>
-            </a:endParaRPr>
-          </a:p>
-        </p:txBody>
-      </p:sp>
-      <p:sp>
-        <p:nvSpPr>
-          <p:cNvPr id="154" name="PlaceHolder 4"/>
+            <a:endParaRPr b="0" lang="en-GB" sz="3200" spc="-1" strike="noStrike">
+              <a:latin typeface="Arial"/>
+            </a:endParaRPr>
+          </a:p>
+        </p:txBody>
+      </p:sp>
+      <p:sp>
+        <p:nvSpPr>
+          <p:cNvPr id="140" name="PlaceHolder 4"/>
           <p:cNvSpPr>
             <a:spLocks noGrp="1"/>
           </p:cNvSpPr>
@@ -4517,11 +4239,8 @@
             <a:normAutofit/>
           </a:bodyPr>
           <a:p>
-            <a:endParaRPr b="0" lang="en-US" sz="2000" spc="-1" strike="noStrike">
-              <a:solidFill>
-                <a:srgbClr val="595959"/>
-              </a:solidFill>
-              <a:latin typeface="Corbel"/>
+            <a:endParaRPr b="0" lang="en-GB" sz="3200" spc="-1" strike="noStrike">
+              <a:latin typeface="Arial"/>
             </a:endParaRPr>
           </a:p>
         </p:txBody>
@@ -4550,7 +4269,7 @@
       </p:grpSpPr>
       <p:sp>
         <p:nvSpPr>
-          <p:cNvPr id="155" name="PlaceHolder 1"/>
+          <p:cNvPr id="141" name="PlaceHolder 1"/>
           <p:cNvSpPr>
             <a:spLocks noGrp="1"/>
           </p:cNvSpPr>
@@ -4561,7 +4280,7 @@
         <p:spPr>
           <a:xfrm>
             <a:off x="609480" y="273600"/>
-            <a:ext cx="10972440" cy="1144800"/>
+            <a:ext cx="10972080" cy="1144440"/>
           </a:xfrm>
           <a:prstGeom prst="rect">
             <a:avLst/>
@@ -4572,18 +4291,16 @@
             <a:noAutofit/>
           </a:bodyPr>
           <a:p>
-            <a:endParaRPr b="0" lang="en-US" sz="1800" spc="-1" strike="noStrike">
-              <a:solidFill>
-                <a:srgbClr val="000000"/>
-              </a:solidFill>
-              <a:latin typeface="Corbel"/>
-            </a:endParaRPr>
-          </a:p>
-        </p:txBody>
-      </p:sp>
-      <p:sp>
-        <p:nvSpPr>
-          <p:cNvPr id="156" name="PlaceHolder 2"/>
+            <a:pPr algn="ctr"/>
+            <a:endParaRPr b="0" lang="en-GB" sz="4400" spc="-1" strike="noStrike">
+              <a:latin typeface="Arial"/>
+            </a:endParaRPr>
+          </a:p>
+        </p:txBody>
+      </p:sp>
+      <p:sp>
+        <p:nvSpPr>
+          <p:cNvPr id="142" name="PlaceHolder 2"/>
           <p:cNvSpPr>
             <a:spLocks noGrp="1"/>
           </p:cNvSpPr>
@@ -4605,18 +4322,15 @@
             <a:normAutofit/>
           </a:bodyPr>
           <a:p>
-            <a:endParaRPr b="0" lang="en-US" sz="2000" spc="-1" strike="noStrike">
-              <a:solidFill>
-                <a:srgbClr val="595959"/>
-              </a:solidFill>
-              <a:latin typeface="Corbel"/>
-            </a:endParaRPr>
-          </a:p>
-        </p:txBody>
-      </p:sp>
-      <p:sp>
-        <p:nvSpPr>
-          <p:cNvPr id="157" name="PlaceHolder 3"/>
+            <a:endParaRPr b="0" lang="en-GB" sz="3200" spc="-1" strike="noStrike">
+              <a:latin typeface="Arial"/>
+            </a:endParaRPr>
+          </a:p>
+        </p:txBody>
+      </p:sp>
+      <p:sp>
+        <p:nvSpPr>
+          <p:cNvPr id="143" name="PlaceHolder 3"/>
           <p:cNvSpPr>
             <a:spLocks noGrp="1"/>
           </p:cNvSpPr>
@@ -4638,18 +4352,15 @@
             <a:normAutofit/>
           </a:bodyPr>
           <a:p>
-            <a:endParaRPr b="0" lang="en-US" sz="2000" spc="-1" strike="noStrike">
-              <a:solidFill>
-                <a:srgbClr val="595959"/>
-              </a:solidFill>
-              <a:latin typeface="Corbel"/>
-            </a:endParaRPr>
-          </a:p>
-        </p:txBody>
-      </p:sp>
-      <p:sp>
-        <p:nvSpPr>
-          <p:cNvPr id="158" name="PlaceHolder 4"/>
+            <a:endParaRPr b="0" lang="en-GB" sz="3200" spc="-1" strike="noStrike">
+              <a:latin typeface="Arial"/>
+            </a:endParaRPr>
+          </a:p>
+        </p:txBody>
+      </p:sp>
+      <p:sp>
+        <p:nvSpPr>
+          <p:cNvPr id="144" name="PlaceHolder 4"/>
           <p:cNvSpPr>
             <a:spLocks noGrp="1"/>
           </p:cNvSpPr>
@@ -4671,11 +4382,8 @@
             <a:normAutofit/>
           </a:bodyPr>
           <a:p>
-            <a:endParaRPr b="0" lang="en-US" sz="2000" spc="-1" strike="noStrike">
-              <a:solidFill>
-                <a:srgbClr val="595959"/>
-              </a:solidFill>
-              <a:latin typeface="Corbel"/>
+            <a:endParaRPr b="0" lang="en-GB" sz="3200" spc="-1" strike="noStrike">
+              <a:latin typeface="Arial"/>
             </a:endParaRPr>
           </a:p>
         </p:txBody>
@@ -4704,7 +4412,7 @@
       </p:grpSpPr>
       <p:sp>
         <p:nvSpPr>
-          <p:cNvPr id="159" name="PlaceHolder 1"/>
+          <p:cNvPr id="145" name="PlaceHolder 1"/>
           <p:cNvSpPr>
             <a:spLocks noGrp="1"/>
           </p:cNvSpPr>
@@ -4715,7 +4423,7 @@
         <p:spPr>
           <a:xfrm>
             <a:off x="609480" y="273600"/>
-            <a:ext cx="10972440" cy="1144800"/>
+            <a:ext cx="10972080" cy="1144440"/>
           </a:xfrm>
           <a:prstGeom prst="rect">
             <a:avLst/>
@@ -4726,18 +4434,16 @@
             <a:noAutofit/>
           </a:bodyPr>
           <a:p>
-            <a:endParaRPr b="0" lang="en-US" sz="1800" spc="-1" strike="noStrike">
-              <a:solidFill>
-                <a:srgbClr val="000000"/>
-              </a:solidFill>
-              <a:latin typeface="Corbel"/>
-            </a:endParaRPr>
-          </a:p>
-        </p:txBody>
-      </p:sp>
-      <p:sp>
-        <p:nvSpPr>
-          <p:cNvPr id="160" name="PlaceHolder 2"/>
+            <a:pPr algn="ctr"/>
+            <a:endParaRPr b="0" lang="en-GB" sz="4400" spc="-1" strike="noStrike">
+              <a:latin typeface="Arial"/>
+            </a:endParaRPr>
+          </a:p>
+        </p:txBody>
+      </p:sp>
+      <p:sp>
+        <p:nvSpPr>
+          <p:cNvPr id="146" name="PlaceHolder 2"/>
           <p:cNvSpPr>
             <a:spLocks noGrp="1"/>
           </p:cNvSpPr>
@@ -4759,18 +4465,15 @@
             <a:normAutofit/>
           </a:bodyPr>
           <a:p>
-            <a:endParaRPr b="0" lang="en-US" sz="2000" spc="-1" strike="noStrike">
-              <a:solidFill>
-                <a:srgbClr val="595959"/>
-              </a:solidFill>
-              <a:latin typeface="Corbel"/>
-            </a:endParaRPr>
-          </a:p>
-        </p:txBody>
-      </p:sp>
-      <p:sp>
-        <p:nvSpPr>
-          <p:cNvPr id="161" name="PlaceHolder 3"/>
+            <a:endParaRPr b="0" lang="en-GB" sz="3200" spc="-1" strike="noStrike">
+              <a:latin typeface="Arial"/>
+            </a:endParaRPr>
+          </a:p>
+        </p:txBody>
+      </p:sp>
+      <p:sp>
+        <p:nvSpPr>
+          <p:cNvPr id="147" name="PlaceHolder 3"/>
           <p:cNvSpPr>
             <a:spLocks noGrp="1"/>
           </p:cNvSpPr>
@@ -4792,11 +4495,8 @@
             <a:normAutofit/>
           </a:bodyPr>
           <a:p>
-            <a:endParaRPr b="0" lang="en-US" sz="2000" spc="-1" strike="noStrike">
-              <a:solidFill>
-                <a:srgbClr val="595959"/>
-              </a:solidFill>
-              <a:latin typeface="Corbel"/>
+            <a:endParaRPr b="0" lang="en-GB" sz="3200" spc="-1" strike="noStrike">
+              <a:latin typeface="Arial"/>
             </a:endParaRPr>
           </a:p>
         </p:txBody>
@@ -4825,7 +4525,7 @@
       </p:grpSpPr>
       <p:sp>
         <p:nvSpPr>
-          <p:cNvPr id="162" name="PlaceHolder 1"/>
+          <p:cNvPr id="148" name="PlaceHolder 1"/>
           <p:cNvSpPr>
             <a:spLocks noGrp="1"/>
           </p:cNvSpPr>
@@ -4836,7 +4536,7 @@
         <p:spPr>
           <a:xfrm>
             <a:off x="609480" y="273600"/>
-            <a:ext cx="10972440" cy="1144800"/>
+            <a:ext cx="10972080" cy="1144440"/>
           </a:xfrm>
           <a:prstGeom prst="rect">
             <a:avLst/>
@@ -4847,18 +4547,16 @@
             <a:noAutofit/>
           </a:bodyPr>
           <a:p>
-            <a:endParaRPr b="0" lang="en-US" sz="1800" spc="-1" strike="noStrike">
-              <a:solidFill>
-                <a:srgbClr val="000000"/>
-              </a:solidFill>
-              <a:latin typeface="Corbel"/>
-            </a:endParaRPr>
-          </a:p>
-        </p:txBody>
-      </p:sp>
-      <p:sp>
-        <p:nvSpPr>
-          <p:cNvPr id="163" name="PlaceHolder 2"/>
+            <a:pPr algn="ctr"/>
+            <a:endParaRPr b="0" lang="en-GB" sz="4400" spc="-1" strike="noStrike">
+              <a:latin typeface="Arial"/>
+            </a:endParaRPr>
+          </a:p>
+        </p:txBody>
+      </p:sp>
+      <p:sp>
+        <p:nvSpPr>
+          <p:cNvPr id="149" name="PlaceHolder 2"/>
           <p:cNvSpPr>
             <a:spLocks noGrp="1"/>
           </p:cNvSpPr>
@@ -4880,18 +4578,15 @@
             <a:normAutofit/>
           </a:bodyPr>
           <a:p>
-            <a:endParaRPr b="0" lang="en-US" sz="2000" spc="-1" strike="noStrike">
-              <a:solidFill>
-                <a:srgbClr val="595959"/>
-              </a:solidFill>
-              <a:latin typeface="Corbel"/>
-            </a:endParaRPr>
-          </a:p>
-        </p:txBody>
-      </p:sp>
-      <p:sp>
-        <p:nvSpPr>
-          <p:cNvPr id="164" name="PlaceHolder 3"/>
+            <a:endParaRPr b="0" lang="en-GB" sz="3200" spc="-1" strike="noStrike">
+              <a:latin typeface="Arial"/>
+            </a:endParaRPr>
+          </a:p>
+        </p:txBody>
+      </p:sp>
+      <p:sp>
+        <p:nvSpPr>
+          <p:cNvPr id="150" name="PlaceHolder 3"/>
           <p:cNvSpPr>
             <a:spLocks noGrp="1"/>
           </p:cNvSpPr>
@@ -4913,18 +4608,15 @@
             <a:normAutofit/>
           </a:bodyPr>
           <a:p>
-            <a:endParaRPr b="0" lang="en-US" sz="2000" spc="-1" strike="noStrike">
-              <a:solidFill>
-                <a:srgbClr val="595959"/>
-              </a:solidFill>
-              <a:latin typeface="Corbel"/>
-            </a:endParaRPr>
-          </a:p>
-        </p:txBody>
-      </p:sp>
-      <p:sp>
-        <p:nvSpPr>
-          <p:cNvPr id="165" name="PlaceHolder 4"/>
+            <a:endParaRPr b="0" lang="en-GB" sz="3200" spc="-1" strike="noStrike">
+              <a:latin typeface="Arial"/>
+            </a:endParaRPr>
+          </a:p>
+        </p:txBody>
+      </p:sp>
+      <p:sp>
+        <p:nvSpPr>
+          <p:cNvPr id="151" name="PlaceHolder 4"/>
           <p:cNvSpPr>
             <a:spLocks noGrp="1"/>
           </p:cNvSpPr>
@@ -4946,18 +4638,15 @@
             <a:normAutofit/>
           </a:bodyPr>
           <a:p>
-            <a:endParaRPr b="0" lang="en-US" sz="2000" spc="-1" strike="noStrike">
-              <a:solidFill>
-                <a:srgbClr val="595959"/>
-              </a:solidFill>
-              <a:latin typeface="Corbel"/>
-            </a:endParaRPr>
-          </a:p>
-        </p:txBody>
-      </p:sp>
-      <p:sp>
-        <p:nvSpPr>
-          <p:cNvPr id="166" name="PlaceHolder 5"/>
+            <a:endParaRPr b="0" lang="en-GB" sz="3200" spc="-1" strike="noStrike">
+              <a:latin typeface="Arial"/>
+            </a:endParaRPr>
+          </a:p>
+        </p:txBody>
+      </p:sp>
+      <p:sp>
+        <p:nvSpPr>
+          <p:cNvPr id="152" name="PlaceHolder 5"/>
           <p:cNvSpPr>
             <a:spLocks noGrp="1"/>
           </p:cNvSpPr>
@@ -4979,11 +4668,8 @@
             <a:normAutofit/>
           </a:bodyPr>
           <a:p>
-            <a:endParaRPr b="0" lang="en-US" sz="2000" spc="-1" strike="noStrike">
-              <a:solidFill>
-                <a:srgbClr val="595959"/>
-              </a:solidFill>
-              <a:latin typeface="Corbel"/>
+            <a:endParaRPr b="0" lang="en-GB" sz="3200" spc="-1" strike="noStrike">
+              <a:latin typeface="Arial"/>
             </a:endParaRPr>
           </a:p>
         </p:txBody>
@@ -5012,7 +4698,7 @@
       </p:grpSpPr>
       <p:sp>
         <p:nvSpPr>
-          <p:cNvPr id="167" name="PlaceHolder 1"/>
+          <p:cNvPr id="153" name="PlaceHolder 1"/>
           <p:cNvSpPr>
             <a:spLocks noGrp="1"/>
           </p:cNvSpPr>
@@ -5023,7 +4709,7 @@
         <p:spPr>
           <a:xfrm>
             <a:off x="609480" y="273600"/>
-            <a:ext cx="10972440" cy="1144800"/>
+            <a:ext cx="10972080" cy="1144440"/>
           </a:xfrm>
           <a:prstGeom prst="rect">
             <a:avLst/>
@@ -5034,18 +4720,16 @@
             <a:noAutofit/>
           </a:bodyPr>
           <a:p>
-            <a:endParaRPr b="0" lang="en-US" sz="1800" spc="-1" strike="noStrike">
-              <a:solidFill>
-                <a:srgbClr val="000000"/>
-              </a:solidFill>
-              <a:latin typeface="Corbel"/>
-            </a:endParaRPr>
-          </a:p>
-        </p:txBody>
-      </p:sp>
-      <p:sp>
-        <p:nvSpPr>
-          <p:cNvPr id="168" name="PlaceHolder 2"/>
+            <a:pPr algn="ctr"/>
+            <a:endParaRPr b="0" lang="en-GB" sz="4400" spc="-1" strike="noStrike">
+              <a:latin typeface="Arial"/>
+            </a:endParaRPr>
+          </a:p>
+        </p:txBody>
+      </p:sp>
+      <p:sp>
+        <p:nvSpPr>
+          <p:cNvPr id="154" name="PlaceHolder 2"/>
           <p:cNvSpPr>
             <a:spLocks noGrp="1"/>
           </p:cNvSpPr>
@@ -5067,18 +4751,15 @@
             <a:normAutofit/>
           </a:bodyPr>
           <a:p>
-            <a:endParaRPr b="0" lang="en-US" sz="2000" spc="-1" strike="noStrike">
-              <a:solidFill>
-                <a:srgbClr val="595959"/>
-              </a:solidFill>
-              <a:latin typeface="Corbel"/>
-            </a:endParaRPr>
-          </a:p>
-        </p:txBody>
-      </p:sp>
-      <p:sp>
-        <p:nvSpPr>
-          <p:cNvPr id="169" name="PlaceHolder 3"/>
+            <a:endParaRPr b="0" lang="en-GB" sz="3200" spc="-1" strike="noStrike">
+              <a:latin typeface="Arial"/>
+            </a:endParaRPr>
+          </a:p>
+        </p:txBody>
+      </p:sp>
+      <p:sp>
+        <p:nvSpPr>
+          <p:cNvPr id="155" name="PlaceHolder 3"/>
           <p:cNvSpPr>
             <a:spLocks noGrp="1"/>
           </p:cNvSpPr>
@@ -5100,18 +4781,15 @@
             <a:normAutofit/>
           </a:bodyPr>
           <a:p>
-            <a:endParaRPr b="0" lang="en-US" sz="2000" spc="-1" strike="noStrike">
-              <a:solidFill>
-                <a:srgbClr val="595959"/>
-              </a:solidFill>
-              <a:latin typeface="Corbel"/>
-            </a:endParaRPr>
-          </a:p>
-        </p:txBody>
-      </p:sp>
-      <p:sp>
-        <p:nvSpPr>
-          <p:cNvPr id="170" name="PlaceHolder 4"/>
+            <a:endParaRPr b="0" lang="en-GB" sz="3200" spc="-1" strike="noStrike">
+              <a:latin typeface="Arial"/>
+            </a:endParaRPr>
+          </a:p>
+        </p:txBody>
+      </p:sp>
+      <p:sp>
+        <p:nvSpPr>
+          <p:cNvPr id="156" name="PlaceHolder 4"/>
           <p:cNvSpPr>
             <a:spLocks noGrp="1"/>
           </p:cNvSpPr>
@@ -5133,18 +4811,15 @@
             <a:normAutofit/>
           </a:bodyPr>
           <a:p>
-            <a:endParaRPr b="0" lang="en-US" sz="2000" spc="-1" strike="noStrike">
-              <a:solidFill>
-                <a:srgbClr val="595959"/>
-              </a:solidFill>
-              <a:latin typeface="Corbel"/>
-            </a:endParaRPr>
-          </a:p>
-        </p:txBody>
-      </p:sp>
-      <p:sp>
-        <p:nvSpPr>
-          <p:cNvPr id="171" name="PlaceHolder 5"/>
+            <a:endParaRPr b="0" lang="en-GB" sz="3200" spc="-1" strike="noStrike">
+              <a:latin typeface="Arial"/>
+            </a:endParaRPr>
+          </a:p>
+        </p:txBody>
+      </p:sp>
+      <p:sp>
+        <p:nvSpPr>
+          <p:cNvPr id="157" name="PlaceHolder 5"/>
           <p:cNvSpPr>
             <a:spLocks noGrp="1"/>
           </p:cNvSpPr>
@@ -5166,18 +4841,15 @@
             <a:normAutofit/>
           </a:bodyPr>
           <a:p>
-            <a:endParaRPr b="0" lang="en-US" sz="2000" spc="-1" strike="noStrike">
-              <a:solidFill>
-                <a:srgbClr val="595959"/>
-              </a:solidFill>
-              <a:latin typeface="Corbel"/>
-            </a:endParaRPr>
-          </a:p>
-        </p:txBody>
-      </p:sp>
-      <p:sp>
-        <p:nvSpPr>
-          <p:cNvPr id="172" name="PlaceHolder 6"/>
+            <a:endParaRPr b="0" lang="en-GB" sz="3200" spc="-1" strike="noStrike">
+              <a:latin typeface="Arial"/>
+            </a:endParaRPr>
+          </a:p>
+        </p:txBody>
+      </p:sp>
+      <p:sp>
+        <p:nvSpPr>
+          <p:cNvPr id="158" name="PlaceHolder 6"/>
           <p:cNvSpPr>
             <a:spLocks noGrp="1"/>
           </p:cNvSpPr>
@@ -5199,18 +4871,15 @@
             <a:normAutofit/>
           </a:bodyPr>
           <a:p>
-            <a:endParaRPr b="0" lang="en-US" sz="2000" spc="-1" strike="noStrike">
-              <a:solidFill>
-                <a:srgbClr val="595959"/>
-              </a:solidFill>
-              <a:latin typeface="Corbel"/>
-            </a:endParaRPr>
-          </a:p>
-        </p:txBody>
-      </p:sp>
-      <p:sp>
-        <p:nvSpPr>
-          <p:cNvPr id="173" name="PlaceHolder 7"/>
+            <a:endParaRPr b="0" lang="en-GB" sz="3200" spc="-1" strike="noStrike">
+              <a:latin typeface="Arial"/>
+            </a:endParaRPr>
+          </a:p>
+        </p:txBody>
+      </p:sp>
+      <p:sp>
+        <p:nvSpPr>
+          <p:cNvPr id="159" name="PlaceHolder 7"/>
           <p:cNvSpPr>
             <a:spLocks noGrp="1"/>
           </p:cNvSpPr>
@@ -5232,11 +4901,8 @@
             <a:normAutofit/>
           </a:bodyPr>
           <a:p>
-            <a:endParaRPr b="0" lang="en-US" sz="2000" spc="-1" strike="noStrike">
-              <a:solidFill>
-                <a:srgbClr val="595959"/>
-              </a:solidFill>
-              <a:latin typeface="Corbel"/>
+            <a:endParaRPr b="0" lang="en-GB" sz="3200" spc="-1" strike="noStrike">
+              <a:latin typeface="Arial"/>
             </a:endParaRPr>
           </a:p>
         </p:txBody>
@@ -5265,7 +4931,7 @@
       </p:grpSpPr>
       <p:sp>
         <p:nvSpPr>
-          <p:cNvPr id="16" name="PlaceHolder 1"/>
+          <p:cNvPr id="13" name="PlaceHolder 1"/>
           <p:cNvSpPr>
             <a:spLocks noGrp="1"/>
           </p:cNvSpPr>
@@ -5276,7 +4942,7 @@
         <p:spPr>
           <a:xfrm>
             <a:off x="609480" y="273600"/>
-            <a:ext cx="10972440" cy="1144800"/>
+            <a:ext cx="10972080" cy="1144440"/>
           </a:xfrm>
           <a:prstGeom prst="rect">
             <a:avLst/>
@@ -5287,11 +4953,9 @@
             <a:noAutofit/>
           </a:bodyPr>
           <a:p>
-            <a:endParaRPr b="0" lang="en-US" sz="1800" spc="-1" strike="noStrike">
-              <a:solidFill>
-                <a:srgbClr val="000000"/>
-              </a:solidFill>
-              <a:latin typeface="Corbel"/>
+            <a:pPr algn="ctr"/>
+            <a:endParaRPr b="0" lang="en-GB" sz="4400" spc="-1" strike="noStrike">
+              <a:latin typeface="Arial"/>
             </a:endParaRPr>
           </a:p>
         </p:txBody>
@@ -5320,7 +4984,7 @@
       </p:grpSpPr>
       <p:sp>
         <p:nvSpPr>
-          <p:cNvPr id="17" name="PlaceHolder 1"/>
+          <p:cNvPr id="14" name="PlaceHolder 1"/>
           <p:cNvSpPr>
             <a:spLocks noGrp="1"/>
           </p:cNvSpPr>
@@ -5331,7 +4995,7 @@
         <p:spPr>
           <a:xfrm>
             <a:off x="609480" y="273600"/>
-            <a:ext cx="10972440" cy="5307840"/>
+            <a:ext cx="10972080" cy="5306400"/>
           </a:xfrm>
           <a:prstGeom prst="rect">
             <a:avLst/>
@@ -5373,7 +5037,7 @@
       </p:grpSpPr>
       <p:sp>
         <p:nvSpPr>
-          <p:cNvPr id="18" name="PlaceHolder 1"/>
+          <p:cNvPr id="15" name="PlaceHolder 1"/>
           <p:cNvSpPr>
             <a:spLocks noGrp="1"/>
           </p:cNvSpPr>
@@ -5384,7 +5048,7 @@
         <p:spPr>
           <a:xfrm>
             <a:off x="609480" y="273600"/>
-            <a:ext cx="10972440" cy="1144800"/>
+            <a:ext cx="10972080" cy="1144440"/>
           </a:xfrm>
           <a:prstGeom prst="rect">
             <a:avLst/>
@@ -5395,18 +5059,16 @@
             <a:noAutofit/>
           </a:bodyPr>
           <a:p>
-            <a:endParaRPr b="0" lang="en-US" sz="1800" spc="-1" strike="noStrike">
-              <a:solidFill>
-                <a:srgbClr val="000000"/>
-              </a:solidFill>
-              <a:latin typeface="Corbel"/>
-            </a:endParaRPr>
-          </a:p>
-        </p:txBody>
-      </p:sp>
-      <p:sp>
-        <p:nvSpPr>
-          <p:cNvPr id="19" name="PlaceHolder 2"/>
+            <a:pPr algn="ctr"/>
+            <a:endParaRPr b="0" lang="en-GB" sz="4400" spc="-1" strike="noStrike">
+              <a:latin typeface="Arial"/>
+            </a:endParaRPr>
+          </a:p>
+        </p:txBody>
+      </p:sp>
+      <p:sp>
+        <p:nvSpPr>
+          <p:cNvPr id="16" name="PlaceHolder 2"/>
           <p:cNvSpPr>
             <a:spLocks noGrp="1"/>
           </p:cNvSpPr>
@@ -5428,18 +5090,15 @@
             <a:normAutofit/>
           </a:bodyPr>
           <a:p>
-            <a:endParaRPr b="0" lang="en-US" sz="2000" spc="-1" strike="noStrike">
-              <a:solidFill>
-                <a:srgbClr val="595959"/>
-              </a:solidFill>
-              <a:latin typeface="Corbel"/>
-            </a:endParaRPr>
-          </a:p>
-        </p:txBody>
-      </p:sp>
-      <p:sp>
-        <p:nvSpPr>
-          <p:cNvPr id="20" name="PlaceHolder 3"/>
+            <a:endParaRPr b="0" lang="en-GB" sz="3200" spc="-1" strike="noStrike">
+              <a:latin typeface="Arial"/>
+            </a:endParaRPr>
+          </a:p>
+        </p:txBody>
+      </p:sp>
+      <p:sp>
+        <p:nvSpPr>
+          <p:cNvPr id="17" name="PlaceHolder 3"/>
           <p:cNvSpPr>
             <a:spLocks noGrp="1"/>
           </p:cNvSpPr>
@@ -5461,18 +5120,15 @@
             <a:normAutofit/>
           </a:bodyPr>
           <a:p>
-            <a:endParaRPr b="0" lang="en-US" sz="2000" spc="-1" strike="noStrike">
-              <a:solidFill>
-                <a:srgbClr val="595959"/>
-              </a:solidFill>
-              <a:latin typeface="Corbel"/>
-            </a:endParaRPr>
-          </a:p>
-        </p:txBody>
-      </p:sp>
-      <p:sp>
-        <p:nvSpPr>
-          <p:cNvPr id="21" name="PlaceHolder 4"/>
+            <a:endParaRPr b="0" lang="en-GB" sz="3200" spc="-1" strike="noStrike">
+              <a:latin typeface="Arial"/>
+            </a:endParaRPr>
+          </a:p>
+        </p:txBody>
+      </p:sp>
+      <p:sp>
+        <p:nvSpPr>
+          <p:cNvPr id="18" name="PlaceHolder 4"/>
           <p:cNvSpPr>
             <a:spLocks noGrp="1"/>
           </p:cNvSpPr>
@@ -5494,11 +5150,8 @@
             <a:normAutofit/>
           </a:bodyPr>
           <a:p>
-            <a:endParaRPr b="0" lang="en-US" sz="2000" spc="-1" strike="noStrike">
-              <a:solidFill>
-                <a:srgbClr val="595959"/>
-              </a:solidFill>
-              <a:latin typeface="Corbel"/>
+            <a:endParaRPr b="0" lang="en-GB" sz="3200" spc="-1" strike="noStrike">
+              <a:latin typeface="Arial"/>
             </a:endParaRPr>
           </a:p>
         </p:txBody>
@@ -5527,7 +5180,7 @@
       </p:grpSpPr>
       <p:sp>
         <p:nvSpPr>
-          <p:cNvPr id="22" name="PlaceHolder 1"/>
+          <p:cNvPr id="19" name="PlaceHolder 1"/>
           <p:cNvSpPr>
             <a:spLocks noGrp="1"/>
           </p:cNvSpPr>
@@ -5538,7 +5191,7 @@
         <p:spPr>
           <a:xfrm>
             <a:off x="609480" y="273600"/>
-            <a:ext cx="10972440" cy="1144800"/>
+            <a:ext cx="10972080" cy="1144440"/>
           </a:xfrm>
           <a:prstGeom prst="rect">
             <a:avLst/>
@@ -5549,18 +5202,16 @@
             <a:noAutofit/>
           </a:bodyPr>
           <a:p>
-            <a:endParaRPr b="0" lang="en-US" sz="1800" spc="-1" strike="noStrike">
-              <a:solidFill>
-                <a:srgbClr val="000000"/>
-              </a:solidFill>
-              <a:latin typeface="Corbel"/>
-            </a:endParaRPr>
-          </a:p>
-        </p:txBody>
-      </p:sp>
-      <p:sp>
-        <p:nvSpPr>
-          <p:cNvPr id="23" name="PlaceHolder 2"/>
+            <a:pPr algn="ctr"/>
+            <a:endParaRPr b="0" lang="en-GB" sz="4400" spc="-1" strike="noStrike">
+              <a:latin typeface="Arial"/>
+            </a:endParaRPr>
+          </a:p>
+        </p:txBody>
+      </p:sp>
+      <p:sp>
+        <p:nvSpPr>
+          <p:cNvPr id="20" name="PlaceHolder 2"/>
           <p:cNvSpPr>
             <a:spLocks noGrp="1"/>
           </p:cNvSpPr>
@@ -5582,18 +5233,15 @@
             <a:normAutofit/>
           </a:bodyPr>
           <a:p>
-            <a:endParaRPr b="0" lang="en-US" sz="2000" spc="-1" strike="noStrike">
-              <a:solidFill>
-                <a:srgbClr val="595959"/>
-              </a:solidFill>
-              <a:latin typeface="Corbel"/>
-            </a:endParaRPr>
-          </a:p>
-        </p:txBody>
-      </p:sp>
-      <p:sp>
-        <p:nvSpPr>
-          <p:cNvPr id="24" name="PlaceHolder 3"/>
+            <a:endParaRPr b="0" lang="en-GB" sz="3200" spc="-1" strike="noStrike">
+              <a:latin typeface="Arial"/>
+            </a:endParaRPr>
+          </a:p>
+        </p:txBody>
+      </p:sp>
+      <p:sp>
+        <p:nvSpPr>
+          <p:cNvPr id="21" name="PlaceHolder 3"/>
           <p:cNvSpPr>
             <a:spLocks noGrp="1"/>
           </p:cNvSpPr>
@@ -5615,18 +5263,15 @@
             <a:normAutofit/>
           </a:bodyPr>
           <a:p>
-            <a:endParaRPr b="0" lang="en-US" sz="2000" spc="-1" strike="noStrike">
-              <a:solidFill>
-                <a:srgbClr val="595959"/>
-              </a:solidFill>
-              <a:latin typeface="Corbel"/>
-            </a:endParaRPr>
-          </a:p>
-        </p:txBody>
-      </p:sp>
-      <p:sp>
-        <p:nvSpPr>
-          <p:cNvPr id="25" name="PlaceHolder 4"/>
+            <a:endParaRPr b="0" lang="en-GB" sz="3200" spc="-1" strike="noStrike">
+              <a:latin typeface="Arial"/>
+            </a:endParaRPr>
+          </a:p>
+        </p:txBody>
+      </p:sp>
+      <p:sp>
+        <p:nvSpPr>
+          <p:cNvPr id="22" name="PlaceHolder 4"/>
           <p:cNvSpPr>
             <a:spLocks noGrp="1"/>
           </p:cNvSpPr>
@@ -5648,11 +5293,8 @@
             <a:normAutofit/>
           </a:bodyPr>
           <a:p>
-            <a:endParaRPr b="0" lang="en-US" sz="2000" spc="-1" strike="noStrike">
-              <a:solidFill>
-                <a:srgbClr val="595959"/>
-              </a:solidFill>
-              <a:latin typeface="Corbel"/>
+            <a:endParaRPr b="0" lang="en-GB" sz="3200" spc="-1" strike="noStrike">
+              <a:latin typeface="Arial"/>
             </a:endParaRPr>
           </a:p>
         </p:txBody>
@@ -5681,7 +5323,7 @@
       </p:grpSpPr>
       <p:sp>
         <p:nvSpPr>
-          <p:cNvPr id="26" name="PlaceHolder 1"/>
+          <p:cNvPr id="23" name="PlaceHolder 1"/>
           <p:cNvSpPr>
             <a:spLocks noGrp="1"/>
           </p:cNvSpPr>
@@ -5692,7 +5334,7 @@
         <p:spPr>
           <a:xfrm>
             <a:off x="609480" y="273600"/>
-            <a:ext cx="10972440" cy="1144800"/>
+            <a:ext cx="10972080" cy="1144440"/>
           </a:xfrm>
           <a:prstGeom prst="rect">
             <a:avLst/>
@@ -5703,18 +5345,16 @@
             <a:noAutofit/>
           </a:bodyPr>
           <a:p>
-            <a:endParaRPr b="0" lang="en-US" sz="1800" spc="-1" strike="noStrike">
-              <a:solidFill>
-                <a:srgbClr val="000000"/>
-              </a:solidFill>
-              <a:latin typeface="Corbel"/>
-            </a:endParaRPr>
-          </a:p>
-        </p:txBody>
-      </p:sp>
-      <p:sp>
-        <p:nvSpPr>
-          <p:cNvPr id="27" name="PlaceHolder 2"/>
+            <a:pPr algn="ctr"/>
+            <a:endParaRPr b="0" lang="en-GB" sz="4400" spc="-1" strike="noStrike">
+              <a:latin typeface="Arial"/>
+            </a:endParaRPr>
+          </a:p>
+        </p:txBody>
+      </p:sp>
+      <p:sp>
+        <p:nvSpPr>
+          <p:cNvPr id="24" name="PlaceHolder 2"/>
           <p:cNvSpPr>
             <a:spLocks noGrp="1"/>
           </p:cNvSpPr>
@@ -5736,18 +5376,15 @@
             <a:normAutofit/>
           </a:bodyPr>
           <a:p>
-            <a:endParaRPr b="0" lang="en-US" sz="2000" spc="-1" strike="noStrike">
-              <a:solidFill>
-                <a:srgbClr val="595959"/>
-              </a:solidFill>
-              <a:latin typeface="Corbel"/>
-            </a:endParaRPr>
-          </a:p>
-        </p:txBody>
-      </p:sp>
-      <p:sp>
-        <p:nvSpPr>
-          <p:cNvPr id="28" name="PlaceHolder 3"/>
+            <a:endParaRPr b="0" lang="en-GB" sz="3200" spc="-1" strike="noStrike">
+              <a:latin typeface="Arial"/>
+            </a:endParaRPr>
+          </a:p>
+        </p:txBody>
+      </p:sp>
+      <p:sp>
+        <p:nvSpPr>
+          <p:cNvPr id="25" name="PlaceHolder 3"/>
           <p:cNvSpPr>
             <a:spLocks noGrp="1"/>
           </p:cNvSpPr>
@@ -5769,18 +5406,15 @@
             <a:normAutofit/>
           </a:bodyPr>
           <a:p>
-            <a:endParaRPr b="0" lang="en-US" sz="2000" spc="-1" strike="noStrike">
-              <a:solidFill>
-                <a:srgbClr val="595959"/>
-              </a:solidFill>
-              <a:latin typeface="Corbel"/>
-            </a:endParaRPr>
-          </a:p>
-        </p:txBody>
-      </p:sp>
-      <p:sp>
-        <p:nvSpPr>
-          <p:cNvPr id="29" name="PlaceHolder 4"/>
+            <a:endParaRPr b="0" lang="en-GB" sz="3200" spc="-1" strike="noStrike">
+              <a:latin typeface="Arial"/>
+            </a:endParaRPr>
+          </a:p>
+        </p:txBody>
+      </p:sp>
+      <p:sp>
+        <p:nvSpPr>
+          <p:cNvPr id="26" name="PlaceHolder 4"/>
           <p:cNvSpPr>
             <a:spLocks noGrp="1"/>
           </p:cNvSpPr>
@@ -5802,11 +5436,8 @@
             <a:normAutofit/>
           </a:bodyPr>
           <a:p>
-            <a:endParaRPr b="0" lang="en-US" sz="2000" spc="-1" strike="noStrike">
-              <a:solidFill>
-                <a:srgbClr val="595959"/>
-              </a:solidFill>
-              <a:latin typeface="Corbel"/>
+            <a:endParaRPr b="0" lang="en-GB" sz="3200" spc="-1" strike="noStrike">
+              <a:latin typeface="Arial"/>
             </a:endParaRPr>
           </a:p>
         </p:txBody>
@@ -5849,7 +5480,7 @@
         <p:spPr>
           <a:xfrm>
             <a:off x="0" y="758880"/>
-            <a:ext cx="3443400" cy="5330520"/>
+            <a:ext cx="3443040" cy="5330160"/>
           </a:xfrm>
           <a:prstGeom prst="rect">
             <a:avLst/>
@@ -5885,7 +5516,7 @@
         <p:spPr>
           <a:xfrm>
             <a:off x="11815920" y="758880"/>
-            <a:ext cx="383760" cy="5330520"/>
+            <a:ext cx="383400" cy="5330160"/>
           </a:xfrm>
           <a:prstGeom prst="rect">
             <a:avLst/>
@@ -5923,7 +5554,7 @@
         <p:spPr>
           <a:xfrm>
             <a:off x="0" y="762120"/>
-            <a:ext cx="9141120" cy="5333760"/>
+            <a:ext cx="9140760" cy="5333400"/>
           </a:xfrm>
           <a:prstGeom prst="rect">
             <a:avLst/>
@@ -5959,7 +5590,7 @@
         <p:spPr>
           <a:xfrm>
             <a:off x="9270360" y="762120"/>
-            <a:ext cx="2925000" cy="5333760"/>
+            <a:ext cx="2924640" cy="5333400"/>
           </a:xfrm>
           <a:prstGeom prst="rect">
             <a:avLst/>
@@ -6000,37 +5631,27 @@
         </p:nvSpPr>
         <p:spPr>
           <a:xfrm>
-            <a:off x="1069920" y="1298520"/>
-            <a:ext cx="7314840" cy="3254760"/>
-          </a:xfrm>
-          <a:prstGeom prst="rect">
-            <a:avLst/>
-          </a:prstGeom>
-        </p:spPr>
-        <p:txBody>
-          <a:bodyPr anchor="b">
-            <a:normAutofit/>
-          </a:bodyPr>
-          <a:p>
-            <a:pPr>
-              <a:lnSpc>
-                <a:spcPct val="90000"/>
-              </a:lnSpc>
-            </a:pPr>
+            <a:off x="609480" y="273600"/>
+            <a:ext cx="10972080" cy="1144440"/>
+          </a:xfrm>
+          <a:prstGeom prst="rect">
+            <a:avLst/>
+          </a:prstGeom>
+        </p:spPr>
+        <p:txBody>
+          <a:bodyPr lIns="0" rIns="0" tIns="0" bIns="0" anchor="ctr">
+            <a:noAutofit/>
+          </a:bodyPr>
+          <a:p>
+            <a:pPr algn="ctr"/>
             <a:r>
-              <a:rPr b="0" lang="en-US" sz="5900" spc="-100" strike="noStrike">
-                <a:solidFill>
-                  <a:srgbClr val="ffffff"/>
-                </a:solidFill>
-                <a:latin typeface="Corbel"/>
+              <a:rPr b="0" lang="en-GB" sz="1800" spc="-1" strike="noStrike">
+                <a:latin typeface="Arial"/>
               </a:rPr>
-              <a:t>Click to edit Master title style</a:t>
+              <a:t>Click to edit the title text format</a:t>
             </a:r>
-            <a:endParaRPr b="0" lang="en-US" sz="5900" spc="-1" strike="noStrike">
-              <a:solidFill>
-                <a:srgbClr val="000000"/>
-              </a:solidFill>
-              <a:latin typeface="Corbel"/>
+            <a:endParaRPr b="0" lang="en-GB" sz="1800" spc="-1" strike="noStrike">
+              <a:latin typeface="Arial"/>
             </a:endParaRPr>
           </a:p>
         </p:txBody>
@@ -6038,124 +5659,6 @@
       <p:sp>
         <p:nvSpPr>
           <p:cNvPr id="5" name="PlaceHolder 6"/>
-          <p:cNvSpPr>
-            <a:spLocks noGrp="1"/>
-          </p:cNvSpPr>
-          <p:nvPr>
-            <p:ph type="dt"/>
-          </p:nvPr>
-        </p:nvSpPr>
-        <p:spPr>
-          <a:xfrm>
-            <a:off x="262440" y="6356520"/>
-            <a:ext cx="2742840" cy="364680"/>
-          </a:xfrm>
-          <a:prstGeom prst="rect">
-            <a:avLst/>
-          </a:prstGeom>
-        </p:spPr>
-        <p:txBody>
-          <a:bodyPr anchor="ctr">
-            <a:noAutofit/>
-          </a:bodyPr>
-          <a:p>
-            <a:pPr>
-              <a:lnSpc>
-                <a:spcPct val="100000"/>
-              </a:lnSpc>
-            </a:pPr>
-            <a:fld id="{2880ED1A-369B-48BB-A648-CD4A29074D4F}" type="datetime">
-              <a:rPr b="0" lang="en-US" sz="1100" spc="-1" strike="noStrike">
-                <a:solidFill>
-                  <a:srgbClr val="808080"/>
-                </a:solidFill>
-                <a:latin typeface="Corbel"/>
-              </a:rPr>
-              <a:t>7/8/20</a:t>
-            </a:fld>
-            <a:endParaRPr b="0" lang="en-GB" sz="1100" spc="-1" strike="noStrike">
-              <a:latin typeface="Times New Roman"/>
-            </a:endParaRPr>
-          </a:p>
-        </p:txBody>
-      </p:sp>
-      <p:sp>
-        <p:nvSpPr>
-          <p:cNvPr id="6" name="PlaceHolder 7"/>
-          <p:cNvSpPr>
-            <a:spLocks noGrp="1"/>
-          </p:cNvSpPr>
-          <p:nvPr>
-            <p:ph type="ftr"/>
-          </p:nvPr>
-        </p:nvSpPr>
-        <p:spPr>
-          <a:xfrm>
-            <a:off x="3869280" y="6356520"/>
-            <a:ext cx="5911200" cy="364680"/>
-          </a:xfrm>
-          <a:prstGeom prst="rect">
-            <a:avLst/>
-          </a:prstGeom>
-        </p:spPr>
-        <p:txBody>
-          <a:bodyPr anchor="ctr">
-            <a:noAutofit/>
-          </a:bodyPr>
-          <a:p>
-            <a:endParaRPr b="0" lang="en-GB" sz="2400" spc="-1" strike="noStrike">
-              <a:latin typeface="Times New Roman"/>
-            </a:endParaRPr>
-          </a:p>
-        </p:txBody>
-      </p:sp>
-      <p:sp>
-        <p:nvSpPr>
-          <p:cNvPr id="7" name="PlaceHolder 8"/>
-          <p:cNvSpPr>
-            <a:spLocks noGrp="1"/>
-          </p:cNvSpPr>
-          <p:nvPr>
-            <p:ph type="sldNum"/>
-          </p:nvPr>
-        </p:nvSpPr>
-        <p:spPr>
-          <a:xfrm>
-            <a:off x="10634040" y="6356520"/>
-            <a:ext cx="1530720" cy="364680"/>
-          </a:xfrm>
-          <a:prstGeom prst="rect">
-            <a:avLst/>
-          </a:prstGeom>
-        </p:spPr>
-        <p:txBody>
-          <a:bodyPr anchor="ctr">
-            <a:noAutofit/>
-          </a:bodyPr>
-          <a:p>
-            <a:pPr algn="r">
-              <a:lnSpc>
-                <a:spcPct val="100000"/>
-              </a:lnSpc>
-            </a:pPr>
-            <a:fld id="{2F1F3EF8-B342-4C0C-87C4-FE03E5BF8BA9}" type="slidenum">
-              <a:rPr b="1" lang="en-US" sz="1200" spc="-1" strike="noStrike">
-                <a:solidFill>
-                  <a:srgbClr val="40bad2"/>
-                </a:solidFill>
-                <a:latin typeface="Corbel"/>
-              </a:rPr>
-              <a:t>&lt;number&gt;</a:t>
-            </a:fld>
-            <a:endParaRPr b="0" lang="en-GB" sz="1200" spc="-1" strike="noStrike">
-              <a:latin typeface="Times New Roman"/>
-            </a:endParaRPr>
-          </a:p>
-        </p:txBody>
-      </p:sp>
-      <p:sp>
-        <p:nvSpPr>
-          <p:cNvPr id="8" name="PlaceHolder 9"/>
           <p:cNvSpPr>
             <a:spLocks noGrp="1"/>
           </p:cNvSpPr>
@@ -6189,19 +5692,13 @@
               <a:buChar char=""/>
             </a:pPr>
             <a:r>
-              <a:rPr b="0" lang="en-US" sz="2000" spc="-1" strike="noStrike">
-                <a:solidFill>
-                  <a:srgbClr val="595959"/>
-                </a:solidFill>
-                <a:latin typeface="Corbel"/>
+              <a:rPr b="0" lang="en-GB" sz="3200" spc="-1" strike="noStrike">
+                <a:latin typeface="Arial"/>
               </a:rPr>
               <a:t>Click to edit the outline text format</a:t>
             </a:r>
-            <a:endParaRPr b="0" lang="en-US" sz="2000" spc="-1" strike="noStrike">
-              <a:solidFill>
-                <a:srgbClr val="595959"/>
-              </a:solidFill>
-              <a:latin typeface="Corbel"/>
+            <a:endParaRPr b="0" lang="en-GB" sz="3200" spc="-1" strike="noStrike">
+              <a:latin typeface="Arial"/>
             </a:endParaRPr>
           </a:p>
           <a:p>
@@ -6217,19 +5714,13 @@
               <a:buChar char=""/>
             </a:pPr>
             <a:r>
-              <a:rPr b="0" lang="en-US" sz="1600" spc="-1" strike="noStrike">
-                <a:solidFill>
-                  <a:srgbClr val="595959"/>
-                </a:solidFill>
-                <a:latin typeface="Corbel"/>
+              <a:rPr b="0" lang="en-GB" sz="2800" spc="-1" strike="noStrike">
+                <a:latin typeface="Arial"/>
               </a:rPr>
               <a:t>Second Outline Level</a:t>
             </a:r>
-            <a:endParaRPr b="0" lang="en-US" sz="1600" spc="-1" strike="noStrike">
-              <a:solidFill>
-                <a:srgbClr val="595959"/>
-              </a:solidFill>
-              <a:latin typeface="Corbel"/>
+            <a:endParaRPr b="0" lang="en-GB" sz="2800" spc="-1" strike="noStrike">
+              <a:latin typeface="Arial"/>
             </a:endParaRPr>
           </a:p>
           <a:p>
@@ -6245,19 +5736,13 @@
               <a:buChar char=""/>
             </a:pPr>
             <a:r>
-              <a:rPr b="0" lang="en-US" sz="1400" spc="-1" strike="noStrike">
-                <a:solidFill>
-                  <a:srgbClr val="595959"/>
-                </a:solidFill>
-                <a:latin typeface="Corbel"/>
+              <a:rPr b="0" lang="en-GB" sz="2400" spc="-1" strike="noStrike">
+                <a:latin typeface="Arial"/>
               </a:rPr>
               <a:t>Third Outline Level</a:t>
             </a:r>
-            <a:endParaRPr b="0" lang="en-US" sz="1400" spc="-1" strike="noStrike">
-              <a:solidFill>
-                <a:srgbClr val="595959"/>
-              </a:solidFill>
-              <a:latin typeface="Corbel"/>
+            <a:endParaRPr b="0" lang="en-GB" sz="2400" spc="-1" strike="noStrike">
+              <a:latin typeface="Arial"/>
             </a:endParaRPr>
           </a:p>
           <a:p>
@@ -6273,19 +5758,13 @@
               <a:buChar char=""/>
             </a:pPr>
             <a:r>
-              <a:rPr b="0" lang="en-US" sz="1400" spc="-1" strike="noStrike">
-                <a:solidFill>
-                  <a:srgbClr val="595959"/>
-                </a:solidFill>
-                <a:latin typeface="Corbel"/>
+              <a:rPr b="0" lang="en-GB" sz="2000" spc="-1" strike="noStrike">
+                <a:latin typeface="Arial"/>
               </a:rPr>
               <a:t>Fourth Outline Level</a:t>
             </a:r>
-            <a:endParaRPr b="0" lang="en-US" sz="1400" spc="-1" strike="noStrike">
-              <a:solidFill>
-                <a:srgbClr val="595959"/>
-              </a:solidFill>
-              <a:latin typeface="Corbel"/>
+            <a:endParaRPr b="0" lang="en-GB" sz="2000" spc="-1" strike="noStrike">
+              <a:latin typeface="Arial"/>
             </a:endParaRPr>
           </a:p>
           <a:p>
@@ -6301,19 +5780,13 @@
               <a:buChar char=""/>
             </a:pPr>
             <a:r>
-              <a:rPr b="0" lang="en-US" sz="2000" spc="-1" strike="noStrike">
-                <a:solidFill>
-                  <a:srgbClr val="595959"/>
-                </a:solidFill>
-                <a:latin typeface="Corbel"/>
+              <a:rPr b="0" lang="en-GB" sz="2000" spc="-1" strike="noStrike">
+                <a:latin typeface="Arial"/>
               </a:rPr>
               <a:t>Fifth Outline Level</a:t>
             </a:r>
-            <a:endParaRPr b="0" lang="en-US" sz="2000" spc="-1" strike="noStrike">
-              <a:solidFill>
-                <a:srgbClr val="595959"/>
-              </a:solidFill>
-              <a:latin typeface="Corbel"/>
+            <a:endParaRPr b="0" lang="en-GB" sz="2000" spc="-1" strike="noStrike">
+              <a:latin typeface="Arial"/>
             </a:endParaRPr>
           </a:p>
           <a:p>
@@ -6329,19 +5802,13 @@
               <a:buChar char=""/>
             </a:pPr>
             <a:r>
-              <a:rPr b="0" lang="en-US" sz="2000" spc="-1" strike="noStrike">
-                <a:solidFill>
-                  <a:srgbClr val="595959"/>
-                </a:solidFill>
-                <a:latin typeface="Corbel"/>
+              <a:rPr b="0" lang="en-GB" sz="2000" spc="-1" strike="noStrike">
+                <a:latin typeface="Arial"/>
               </a:rPr>
               <a:t>Sixth Outline Level</a:t>
             </a:r>
-            <a:endParaRPr b="0" lang="en-US" sz="2000" spc="-1" strike="noStrike">
-              <a:solidFill>
-                <a:srgbClr val="595959"/>
-              </a:solidFill>
-              <a:latin typeface="Corbel"/>
+            <a:endParaRPr b="0" lang="en-GB" sz="2000" spc="-1" strike="noStrike">
+              <a:latin typeface="Arial"/>
             </a:endParaRPr>
           </a:p>
           <a:p>
@@ -6357,19 +5824,13 @@
               <a:buChar char=""/>
             </a:pPr>
             <a:r>
-              <a:rPr b="0" lang="en-US" sz="2000" spc="-1" strike="noStrike">
-                <a:solidFill>
-                  <a:srgbClr val="595959"/>
-                </a:solidFill>
-                <a:latin typeface="Corbel"/>
+              <a:rPr b="0" lang="en-GB" sz="2000" spc="-1" strike="noStrike">
+                <a:latin typeface="Arial"/>
               </a:rPr>
               <a:t>Seventh Outline Level</a:t>
             </a:r>
-            <a:endParaRPr b="0" lang="en-US" sz="2000" spc="-1" strike="noStrike">
-              <a:solidFill>
-                <a:srgbClr val="595959"/>
-              </a:solidFill>
-              <a:latin typeface="Corbel"/>
+            <a:endParaRPr b="0" lang="en-GB" sz="2000" spc="-1" strike="noStrike">
+              <a:latin typeface="Arial"/>
             </a:endParaRPr>
           </a:p>
         </p:txBody>
@@ -6420,14 +5881,14 @@
       </p:grpSpPr>
       <p:sp>
         <p:nvSpPr>
-          <p:cNvPr id="45" name="CustomShape 1"/>
+          <p:cNvPr id="42" name="CustomShape 1"/>
           <p:cNvSpPr/>
           <p:nvPr/>
         </p:nvSpPr>
         <p:spPr>
           <a:xfrm>
             <a:off x="0" y="758880"/>
-            <a:ext cx="3443400" cy="5330520"/>
+            <a:ext cx="3443040" cy="5330160"/>
           </a:xfrm>
           <a:prstGeom prst="rect">
             <a:avLst/>
@@ -6456,14 +5917,14 @@
       </p:sp>
       <p:sp>
         <p:nvSpPr>
-          <p:cNvPr id="46" name="CustomShape 2"/>
+          <p:cNvPr id="43" name="CustomShape 2"/>
           <p:cNvSpPr/>
           <p:nvPr/>
         </p:nvSpPr>
         <p:spPr>
           <a:xfrm>
             <a:off x="11815920" y="758880"/>
-            <a:ext cx="383760" cy="5330520"/>
+            <a:ext cx="383400" cy="5330160"/>
           </a:xfrm>
           <a:prstGeom prst="rect">
             <a:avLst/>
@@ -6494,7 +5955,7 @@
       </p:sp>
       <p:sp>
         <p:nvSpPr>
-          <p:cNvPr id="47" name="PlaceHolder 3"/>
+          <p:cNvPr id="44" name="PlaceHolder 3"/>
           <p:cNvSpPr>
             <a:spLocks noGrp="1"/>
           </p:cNvSpPr>
@@ -6504,342 +5965,206 @@
         </p:nvSpPr>
         <p:spPr>
           <a:xfrm>
-            <a:off x="253080" y="1123920"/>
-            <a:ext cx="2946960" cy="4600800"/>
-          </a:xfrm>
-          <a:prstGeom prst="rect">
-            <a:avLst/>
-          </a:prstGeom>
-        </p:spPr>
-        <p:txBody>
-          <a:bodyPr anchor="ctr">
+            <a:off x="609480" y="273600"/>
+            <a:ext cx="10972440" cy="1144800"/>
+          </a:xfrm>
+          <a:prstGeom prst="rect">
+            <a:avLst/>
+          </a:prstGeom>
+        </p:spPr>
+        <p:txBody>
+          <a:bodyPr lIns="0" rIns="0" tIns="0" bIns="0" anchor="ctr">
             <a:noAutofit/>
           </a:bodyPr>
           <a:p>
-            <a:pPr>
-              <a:lnSpc>
-                <a:spcPct val="90000"/>
-              </a:lnSpc>
+            <a:pPr algn="ctr"/>
+            <a:r>
+              <a:rPr b="0" lang="en-GB" sz="4400" spc="-1" strike="noStrike">
+                <a:latin typeface="Arial"/>
+              </a:rPr>
+              <a:t>Click to edit the title text format</a:t>
+            </a:r>
+            <a:endParaRPr b="0" lang="en-GB" sz="4400" spc="-1" strike="noStrike">
+              <a:latin typeface="Arial"/>
+            </a:endParaRPr>
+          </a:p>
+        </p:txBody>
+      </p:sp>
+      <p:sp>
+        <p:nvSpPr>
+          <p:cNvPr id="45" name="PlaceHolder 4"/>
+          <p:cNvSpPr>
+            <a:spLocks noGrp="1"/>
+          </p:cNvSpPr>
+          <p:nvPr>
+            <p:ph type="body"/>
+          </p:nvPr>
+        </p:nvSpPr>
+        <p:spPr>
+          <a:xfrm>
+            <a:off x="609480" y="1604520"/>
+            <a:ext cx="10972440" cy="3977280"/>
+          </a:xfrm>
+          <a:prstGeom prst="rect">
+            <a:avLst/>
+          </a:prstGeom>
+        </p:spPr>
+        <p:txBody>
+          <a:bodyPr lIns="0" rIns="0" tIns="0" bIns="0">
+            <a:normAutofit/>
+          </a:bodyPr>
+          <a:p>
+            <a:pPr marL="432000" indent="-324000">
+              <a:spcBef>
+                <a:spcPts val="1417"/>
+              </a:spcBef>
+              <a:buClr>
+                <a:srgbClr val="000000"/>
+              </a:buClr>
+              <a:buSzPct val="45000"/>
+              <a:buFont typeface="Wingdings" charset="2"/>
+              <a:buChar char=""/>
             </a:pPr>
             <a:r>
-              <a:rPr b="0" lang="en-US" sz="3600" spc="-60" strike="noStrike">
-                <a:solidFill>
-                  <a:srgbClr val="ffffff"/>
-                </a:solidFill>
-                <a:latin typeface="Corbel"/>
+              <a:rPr b="0" lang="en-GB" sz="3200" spc="-1" strike="noStrike">
+                <a:latin typeface="Arial"/>
               </a:rPr>
-              <a:t>Click to edit Master title style</a:t>
+              <a:t>Click to edit the outline text format</a:t>
             </a:r>
-            <a:endParaRPr b="0" lang="en-US" sz="3600" spc="-1" strike="noStrike">
-              <a:solidFill>
-                <a:srgbClr val="000000"/>
-              </a:solidFill>
-              <a:latin typeface="Corbel"/>
-            </a:endParaRPr>
-          </a:p>
-        </p:txBody>
-      </p:sp>
-      <p:sp>
-        <p:nvSpPr>
-          <p:cNvPr id="48" name="PlaceHolder 4"/>
-          <p:cNvSpPr>
-            <a:spLocks noGrp="1"/>
-          </p:cNvSpPr>
-          <p:nvPr>
-            <p:ph type="body"/>
-          </p:nvPr>
-        </p:nvSpPr>
-        <p:spPr>
-          <a:xfrm>
-            <a:off x="3869280" y="864000"/>
-            <a:ext cx="7314840" cy="5120280"/>
-          </a:xfrm>
-          <a:prstGeom prst="rect">
-            <a:avLst/>
-          </a:prstGeom>
-        </p:spPr>
-        <p:txBody>
-          <a:bodyPr anchor="ctr">
-            <a:noAutofit/>
-          </a:bodyPr>
-          <a:p>
-            <a:pPr marL="182880" indent="-182520">
-              <a:lnSpc>
-                <a:spcPct val="90000"/>
-              </a:lnSpc>
+            <a:endParaRPr b="0" lang="en-GB" sz="3200" spc="-1" strike="noStrike">
+              <a:latin typeface="Arial"/>
+            </a:endParaRPr>
+          </a:p>
+          <a:p>
+            <a:pPr lvl="1" marL="864000" indent="-324000">
               <a:spcBef>
-                <a:spcPts val="1199"/>
+                <a:spcPts val="1134"/>
               </a:spcBef>
               <a:buClr>
-                <a:srgbClr val="40bad2"/>
+                <a:srgbClr val="000000"/>
               </a:buClr>
-              <a:buFont typeface="Wingdings 2" charset="2"/>
-              <a:buChar char=""/>
+              <a:buSzPct val="75000"/>
+              <a:buFont typeface="Symbol" charset="2"/>
+              <a:buChar char=""/>
             </a:pPr>
             <a:r>
-              <a:rPr b="0" lang="en-US" sz="2000" spc="-1" strike="noStrike">
-                <a:solidFill>
-                  <a:srgbClr val="595959"/>
-                </a:solidFill>
-                <a:latin typeface="Corbel"/>
+              <a:rPr b="0" lang="en-GB" sz="2800" spc="-1" strike="noStrike">
+                <a:latin typeface="Arial"/>
               </a:rPr>
-              <a:t>Click to edit Master text styles</a:t>
+              <a:t>Second Outline Level</a:t>
             </a:r>
-            <a:endParaRPr b="0" lang="en-US" sz="2000" spc="-1" strike="noStrike">
-              <a:solidFill>
-                <a:srgbClr val="595959"/>
-              </a:solidFill>
-              <a:latin typeface="Corbel"/>
-            </a:endParaRPr>
-          </a:p>
-          <a:p>
-            <a:pPr lvl="1" marL="685800" indent="-182520">
-              <a:lnSpc>
-                <a:spcPct val="90000"/>
-              </a:lnSpc>
+            <a:endParaRPr b="0" lang="en-GB" sz="2800" spc="-1" strike="noStrike">
+              <a:latin typeface="Arial"/>
+            </a:endParaRPr>
+          </a:p>
+          <a:p>
+            <a:pPr lvl="2" marL="1296000" indent="-288000">
               <a:spcBef>
-                <a:spcPts val="249"/>
+                <a:spcPts val="850"/>
               </a:spcBef>
-              <a:spcAft>
-                <a:spcPts val="249"/>
-              </a:spcAft>
               <a:buClr>
-                <a:srgbClr val="40bad2"/>
+                <a:srgbClr val="000000"/>
               </a:buClr>
-              <a:buFont typeface="Wingdings 2" charset="2"/>
-              <a:buChar char=""/>
+              <a:buSzPct val="45000"/>
+              <a:buFont typeface="Wingdings" charset="2"/>
+              <a:buChar char=""/>
             </a:pPr>
             <a:r>
-              <a:rPr b="0" lang="en-US" sz="1800" spc="-1" strike="noStrike">
-                <a:solidFill>
-                  <a:srgbClr val="595959"/>
-                </a:solidFill>
-                <a:latin typeface="Corbel"/>
+              <a:rPr b="0" lang="en-GB" sz="2400" spc="-1" strike="noStrike">
+                <a:latin typeface="Arial"/>
               </a:rPr>
-              <a:t>Second level</a:t>
+              <a:t>Third Outline Level</a:t>
             </a:r>
-            <a:endParaRPr b="0" lang="en-US" sz="1800" spc="-1" strike="noStrike">
-              <a:solidFill>
-                <a:srgbClr val="595959"/>
-              </a:solidFill>
-              <a:latin typeface="Corbel"/>
-            </a:endParaRPr>
-          </a:p>
-          <a:p>
-            <a:pPr lvl="2" marL="1143000" indent="-182520">
-              <a:lnSpc>
-                <a:spcPct val="90000"/>
-              </a:lnSpc>
+            <a:endParaRPr b="0" lang="en-GB" sz="2400" spc="-1" strike="noStrike">
+              <a:latin typeface="Arial"/>
+            </a:endParaRPr>
+          </a:p>
+          <a:p>
+            <a:pPr lvl="3" marL="1728000" indent="-216000">
               <a:spcBef>
-                <a:spcPts val="249"/>
+                <a:spcPts val="567"/>
               </a:spcBef>
-              <a:spcAft>
-                <a:spcPts val="249"/>
-              </a:spcAft>
               <a:buClr>
-                <a:srgbClr val="40bad2"/>
+                <a:srgbClr val="000000"/>
               </a:buClr>
-              <a:buFont typeface="Wingdings 2" charset="2"/>
-              <a:buChar char=""/>
+              <a:buSzPct val="75000"/>
+              <a:buFont typeface="Symbol" charset="2"/>
+              <a:buChar char=""/>
             </a:pPr>
             <a:r>
-              <a:rPr b="0" lang="en-US" sz="1600" spc="-1" strike="noStrike">
-                <a:solidFill>
-                  <a:srgbClr val="595959"/>
-                </a:solidFill>
-                <a:latin typeface="Corbel"/>
+              <a:rPr b="0" lang="en-GB" sz="2000" spc="-1" strike="noStrike">
+                <a:latin typeface="Arial"/>
               </a:rPr>
-              <a:t>Third level</a:t>
+              <a:t>Fourth Outline Level</a:t>
             </a:r>
-            <a:endParaRPr b="0" lang="en-US" sz="1600" spc="-1" strike="noStrike">
-              <a:solidFill>
-                <a:srgbClr val="595959"/>
-              </a:solidFill>
-              <a:latin typeface="Corbel"/>
-            </a:endParaRPr>
-          </a:p>
-          <a:p>
-            <a:pPr lvl="3" marL="1600200" indent="-182520">
-              <a:lnSpc>
-                <a:spcPct val="90000"/>
-              </a:lnSpc>
+            <a:endParaRPr b="0" lang="en-GB" sz="2000" spc="-1" strike="noStrike">
+              <a:latin typeface="Arial"/>
+            </a:endParaRPr>
+          </a:p>
+          <a:p>
+            <a:pPr lvl="4" marL="2160000" indent="-216000">
               <a:spcBef>
-                <a:spcPts val="249"/>
+                <a:spcPts val="283"/>
               </a:spcBef>
-              <a:spcAft>
-                <a:spcPts val="249"/>
-              </a:spcAft>
               <a:buClr>
-                <a:srgbClr val="40bad2"/>
+                <a:srgbClr val="000000"/>
               </a:buClr>
-              <a:buFont typeface="Wingdings 2" charset="2"/>
-              <a:buChar char=""/>
+              <a:buSzPct val="45000"/>
+              <a:buFont typeface="Wingdings" charset="2"/>
+              <a:buChar char=""/>
             </a:pPr>
             <a:r>
-              <a:rPr b="0" lang="en-US" sz="1400" spc="-1" strike="noStrike">
-                <a:solidFill>
-                  <a:srgbClr val="595959"/>
-                </a:solidFill>
-                <a:latin typeface="Corbel"/>
+              <a:rPr b="0" lang="en-GB" sz="2000" spc="-1" strike="noStrike">
+                <a:latin typeface="Arial"/>
               </a:rPr>
-              <a:t>Fourth level</a:t>
+              <a:t>Fifth Outline Level</a:t>
             </a:r>
-            <a:endParaRPr b="0" lang="en-US" sz="1400" spc="-1" strike="noStrike">
-              <a:solidFill>
-                <a:srgbClr val="595959"/>
-              </a:solidFill>
-              <a:latin typeface="Corbel"/>
-            </a:endParaRPr>
-          </a:p>
-          <a:p>
-            <a:pPr lvl="4" marL="2057400" indent="-182520">
-              <a:lnSpc>
-                <a:spcPct val="90000"/>
-              </a:lnSpc>
+            <a:endParaRPr b="0" lang="en-GB" sz="2000" spc="-1" strike="noStrike">
+              <a:latin typeface="Arial"/>
+            </a:endParaRPr>
+          </a:p>
+          <a:p>
+            <a:pPr lvl="5" marL="2592000" indent="-216000">
               <a:spcBef>
-                <a:spcPts val="249"/>
+                <a:spcPts val="283"/>
               </a:spcBef>
-              <a:spcAft>
-                <a:spcPts val="249"/>
-              </a:spcAft>
               <a:buClr>
-                <a:srgbClr val="40bad2"/>
+                <a:srgbClr val="000000"/>
               </a:buClr>
-              <a:buFont typeface="Wingdings 2" charset="2"/>
-              <a:buChar char=""/>
+              <a:buSzPct val="45000"/>
+              <a:buFont typeface="Wingdings" charset="2"/>
+              <a:buChar char=""/>
             </a:pPr>
             <a:r>
-              <a:rPr b="0" lang="en-US" sz="1400" spc="-1" strike="noStrike">
-                <a:solidFill>
-                  <a:srgbClr val="595959"/>
-                </a:solidFill>
-                <a:latin typeface="Corbel"/>
+              <a:rPr b="0" lang="en-GB" sz="2000" spc="-1" strike="noStrike">
+                <a:latin typeface="Arial"/>
               </a:rPr>
-              <a:t>Fifth level</a:t>
+              <a:t>Sixth Outline Level</a:t>
             </a:r>
-            <a:endParaRPr b="0" lang="en-US" sz="1400" spc="-1" strike="noStrike">
-              <a:solidFill>
-                <a:srgbClr val="595959"/>
-              </a:solidFill>
-              <a:latin typeface="Corbel"/>
-            </a:endParaRPr>
-          </a:p>
-        </p:txBody>
-      </p:sp>
-      <p:sp>
-        <p:nvSpPr>
-          <p:cNvPr id="49" name="PlaceHolder 5"/>
-          <p:cNvSpPr>
-            <a:spLocks noGrp="1"/>
-          </p:cNvSpPr>
-          <p:nvPr>
-            <p:ph type="dt"/>
-          </p:nvPr>
-        </p:nvSpPr>
-        <p:spPr>
-          <a:xfrm>
-            <a:off x="262440" y="6356520"/>
-            <a:ext cx="2742840" cy="364680"/>
-          </a:xfrm>
-          <a:prstGeom prst="rect">
-            <a:avLst/>
-          </a:prstGeom>
-        </p:spPr>
-        <p:txBody>
-          <a:bodyPr anchor="ctr">
-            <a:noAutofit/>
-          </a:bodyPr>
-          <a:p>
-            <a:pPr>
-              <a:lnSpc>
-                <a:spcPct val="100000"/>
-              </a:lnSpc>
+            <a:endParaRPr b="0" lang="en-GB" sz="2000" spc="-1" strike="noStrike">
+              <a:latin typeface="Arial"/>
+            </a:endParaRPr>
+          </a:p>
+          <a:p>
+            <a:pPr lvl="6" marL="3024000" indent="-216000">
+              <a:spcBef>
+                <a:spcPts val="283"/>
+              </a:spcBef>
+              <a:buClr>
+                <a:srgbClr val="000000"/>
+              </a:buClr>
+              <a:buSzPct val="45000"/>
+              <a:buFont typeface="Wingdings" charset="2"/>
+              <a:buChar char=""/>
             </a:pPr>
-            <a:fld id="{F73EF6CA-761F-4B98-B780-3436F48CC933}" type="datetime">
-              <a:rPr b="0" lang="en-US" sz="1100" spc="-1" strike="noStrike">
-                <a:solidFill>
-                  <a:srgbClr val="808080"/>
-                </a:solidFill>
-                <a:latin typeface="Corbel"/>
+            <a:r>
+              <a:rPr b="0" lang="en-GB" sz="2000" spc="-1" strike="noStrike">
+                <a:latin typeface="Arial"/>
               </a:rPr>
-              <a:t>7/8/20</a:t>
-            </a:fld>
-            <a:endParaRPr b="0" lang="en-GB" sz="1100" spc="-1" strike="noStrike">
-              <a:latin typeface="Times New Roman"/>
-            </a:endParaRPr>
-          </a:p>
-        </p:txBody>
-      </p:sp>
-      <p:sp>
-        <p:nvSpPr>
-          <p:cNvPr id="50" name="PlaceHolder 6"/>
-          <p:cNvSpPr>
-            <a:spLocks noGrp="1"/>
-          </p:cNvSpPr>
-          <p:nvPr>
-            <p:ph type="ftr"/>
-          </p:nvPr>
-        </p:nvSpPr>
-        <p:spPr>
-          <a:xfrm>
-            <a:off x="3869280" y="6356520"/>
-            <a:ext cx="5911200" cy="364680"/>
-          </a:xfrm>
-          <a:prstGeom prst="rect">
-            <a:avLst/>
-          </a:prstGeom>
-        </p:spPr>
-        <p:txBody>
-          <a:bodyPr anchor="ctr">
-            <a:noAutofit/>
-          </a:bodyPr>
-          <a:p>
-            <a:endParaRPr b="0" lang="en-GB" sz="2400" spc="-1" strike="noStrike">
-              <a:latin typeface="Times New Roman"/>
-            </a:endParaRPr>
-          </a:p>
-        </p:txBody>
-      </p:sp>
-      <p:sp>
-        <p:nvSpPr>
-          <p:cNvPr id="51" name="PlaceHolder 7"/>
-          <p:cNvSpPr>
-            <a:spLocks noGrp="1"/>
-          </p:cNvSpPr>
-          <p:nvPr>
-            <p:ph type="sldNum"/>
-          </p:nvPr>
-        </p:nvSpPr>
-        <p:spPr>
-          <a:xfrm>
-            <a:off x="10634040" y="6356520"/>
-            <a:ext cx="1530720" cy="364680"/>
-          </a:xfrm>
-          <a:prstGeom prst="rect">
-            <a:avLst/>
-          </a:prstGeom>
-        </p:spPr>
-        <p:txBody>
-          <a:bodyPr anchor="ctr">
-            <a:noAutofit/>
-          </a:bodyPr>
-          <a:p>
-            <a:pPr algn="r">
-              <a:lnSpc>
-                <a:spcPct val="100000"/>
-              </a:lnSpc>
-            </a:pPr>
-            <a:fld id="{8629A7AD-12AE-4D04-B908-221EA8D473DE}" type="slidenum">
-              <a:rPr b="1" lang="en-US" sz="1200" spc="-1" strike="noStrike">
-                <a:solidFill>
-                  <a:srgbClr val="40bad2"/>
-                </a:solidFill>
-                <a:latin typeface="Corbel"/>
-              </a:rPr>
-              <a:t>&lt;number&gt;</a:t>
-            </a:fld>
-            <a:endParaRPr b="0" lang="en-GB" sz="1200" spc="-1" strike="noStrike">
-              <a:latin typeface="Times New Roman"/>
+              <a:t>Seventh Outline Level</a:t>
+            </a:r>
+            <a:endParaRPr b="0" lang="en-GB" sz="2000" spc="-1" strike="noStrike">
+              <a:latin typeface="Arial"/>
             </a:endParaRPr>
           </a:p>
         </p:txBody>
@@ -6890,14 +6215,14 @@
       </p:grpSpPr>
       <p:sp>
         <p:nvSpPr>
-          <p:cNvPr id="88" name="CustomShape 1"/>
+          <p:cNvPr id="82" name="CustomShape 1"/>
           <p:cNvSpPr/>
           <p:nvPr/>
         </p:nvSpPr>
         <p:spPr>
           <a:xfrm>
             <a:off x="0" y="758880"/>
-            <a:ext cx="3443400" cy="5330520"/>
+            <a:ext cx="3443040" cy="5330160"/>
           </a:xfrm>
           <a:prstGeom prst="rect">
             <a:avLst/>
@@ -6926,14 +6251,14 @@
       </p:sp>
       <p:sp>
         <p:nvSpPr>
-          <p:cNvPr id="89" name="CustomShape 2"/>
+          <p:cNvPr id="83" name="CustomShape 2"/>
           <p:cNvSpPr/>
           <p:nvPr/>
         </p:nvSpPr>
         <p:spPr>
           <a:xfrm>
             <a:off x="11815920" y="758880"/>
-            <a:ext cx="383760" cy="5330520"/>
+            <a:ext cx="383400" cy="5330160"/>
           </a:xfrm>
           <a:prstGeom prst="rect">
             <a:avLst/>
@@ -6964,7 +6289,7 @@
       </p:sp>
       <p:sp>
         <p:nvSpPr>
-          <p:cNvPr id="90" name="PlaceHolder 3"/>
+          <p:cNvPr id="84" name="PlaceHolder 3"/>
           <p:cNvSpPr>
             <a:spLocks noGrp="1"/>
           </p:cNvSpPr>
@@ -6974,162 +6299,34 @@
         </p:nvSpPr>
         <p:spPr>
           <a:xfrm>
-            <a:off x="253080" y="1123920"/>
-            <a:ext cx="2946960" cy="4600800"/>
-          </a:xfrm>
-          <a:prstGeom prst="rect">
-            <a:avLst/>
-          </a:prstGeom>
-        </p:spPr>
-        <p:txBody>
-          <a:bodyPr anchor="ctr">
+            <a:off x="609480" y="273600"/>
+            <a:ext cx="10972080" cy="1144440"/>
+          </a:xfrm>
+          <a:prstGeom prst="rect">
+            <a:avLst/>
+          </a:prstGeom>
+        </p:spPr>
+        <p:txBody>
+          <a:bodyPr lIns="0" rIns="0" tIns="0" bIns="0" anchor="ctr">
             <a:noAutofit/>
           </a:bodyPr>
           <a:p>
-            <a:pPr>
-              <a:lnSpc>
-                <a:spcPct val="90000"/>
-              </a:lnSpc>
-            </a:pPr>
+            <a:pPr algn="ctr"/>
             <a:r>
-              <a:rPr b="0" lang="en-US" sz="3600" spc="-60" strike="noStrike">
-                <a:solidFill>
-                  <a:srgbClr val="ffffff"/>
-                </a:solidFill>
-                <a:latin typeface="Corbel"/>
+              <a:rPr b="0" lang="en-GB" sz="1800" spc="-1" strike="noStrike">
+                <a:latin typeface="Arial"/>
               </a:rPr>
-              <a:t>Click to edit Master title style</a:t>
+              <a:t>Click to edit the title text format</a:t>
             </a:r>
-            <a:endParaRPr b="0" lang="en-US" sz="3600" spc="-1" strike="noStrike">
-              <a:solidFill>
-                <a:srgbClr val="000000"/>
-              </a:solidFill>
-              <a:latin typeface="Corbel"/>
-            </a:endParaRPr>
-          </a:p>
-        </p:txBody>
-      </p:sp>
-      <p:sp>
-        <p:nvSpPr>
-          <p:cNvPr id="91" name="PlaceHolder 4"/>
-          <p:cNvSpPr>
-            <a:spLocks noGrp="1"/>
-          </p:cNvSpPr>
-          <p:nvPr>
-            <p:ph type="dt"/>
-          </p:nvPr>
-        </p:nvSpPr>
-        <p:spPr>
-          <a:xfrm>
-            <a:off x="262440" y="6356520"/>
-            <a:ext cx="2742840" cy="364680"/>
-          </a:xfrm>
-          <a:prstGeom prst="rect">
-            <a:avLst/>
-          </a:prstGeom>
-        </p:spPr>
-        <p:txBody>
-          <a:bodyPr anchor="ctr">
-            <a:noAutofit/>
-          </a:bodyPr>
-          <a:p>
-            <a:pPr>
-              <a:lnSpc>
-                <a:spcPct val="100000"/>
-              </a:lnSpc>
-            </a:pPr>
-            <a:fld id="{901EC56C-7936-4246-8DF3-78251881864B}" type="datetime">
-              <a:rPr b="0" lang="en-US" sz="1100" spc="-1" strike="noStrike">
-                <a:solidFill>
-                  <a:srgbClr val="808080"/>
-                </a:solidFill>
-                <a:latin typeface="Corbel"/>
-              </a:rPr>
-              <a:t>7/8/20</a:t>
-            </a:fld>
-            <a:endParaRPr b="0" lang="en-GB" sz="1100" spc="-1" strike="noStrike">
-              <a:latin typeface="Times New Roman"/>
-            </a:endParaRPr>
-          </a:p>
-        </p:txBody>
-      </p:sp>
-      <p:sp>
-        <p:nvSpPr>
-          <p:cNvPr id="92" name="PlaceHolder 5"/>
-          <p:cNvSpPr>
-            <a:spLocks noGrp="1"/>
-          </p:cNvSpPr>
-          <p:nvPr>
-            <p:ph type="ftr"/>
-          </p:nvPr>
-        </p:nvSpPr>
-        <p:spPr>
-          <a:xfrm>
-            <a:off x="3869280" y="6356520"/>
-            <a:ext cx="5911200" cy="364680"/>
-          </a:xfrm>
-          <a:prstGeom prst="rect">
-            <a:avLst/>
-          </a:prstGeom>
-        </p:spPr>
-        <p:txBody>
-          <a:bodyPr anchor="ctr">
-            <a:noAutofit/>
-          </a:bodyPr>
-          <a:p>
-            <a:endParaRPr b="0" lang="en-GB" sz="2400" spc="-1" strike="noStrike">
-              <a:latin typeface="Times New Roman"/>
-            </a:endParaRPr>
-          </a:p>
-        </p:txBody>
-      </p:sp>
-      <p:sp>
-        <p:nvSpPr>
-          <p:cNvPr id="93" name="PlaceHolder 6"/>
-          <p:cNvSpPr>
-            <a:spLocks noGrp="1"/>
-          </p:cNvSpPr>
-          <p:nvPr>
-            <p:ph type="sldNum"/>
-          </p:nvPr>
-        </p:nvSpPr>
-        <p:spPr>
-          <a:xfrm>
-            <a:off x="10634040" y="6356520"/>
-            <a:ext cx="1530720" cy="364680"/>
-          </a:xfrm>
-          <a:prstGeom prst="rect">
-            <a:avLst/>
-          </a:prstGeom>
-        </p:spPr>
-        <p:txBody>
-          <a:bodyPr anchor="ctr">
-            <a:noAutofit/>
-          </a:bodyPr>
-          <a:p>
-            <a:pPr algn="r">
-              <a:lnSpc>
-                <a:spcPct val="100000"/>
-              </a:lnSpc>
-            </a:pPr>
-            <a:fld id="{BB68D43D-CBA9-4B27-BD2C-08698BE99D77}" type="slidenum">
-              <a:rPr b="1" lang="en-US" sz="1200" spc="-1" strike="noStrike">
-                <a:solidFill>
-                  <a:srgbClr val="40bad2"/>
-                </a:solidFill>
-                <a:latin typeface="Corbel"/>
-              </a:rPr>
-              <a:t>&lt;number&gt;</a:t>
-            </a:fld>
-            <a:endParaRPr b="0" lang="en-GB" sz="1200" spc="-1" strike="noStrike">
-              <a:latin typeface="Times New Roman"/>
-            </a:endParaRPr>
-          </a:p>
-        </p:txBody>
-      </p:sp>
-      <p:sp>
-        <p:nvSpPr>
-          <p:cNvPr id="94" name="PlaceHolder 7"/>
+            <a:endParaRPr b="0" lang="en-GB" sz="1800" spc="-1" strike="noStrike">
+              <a:latin typeface="Arial"/>
+            </a:endParaRPr>
+          </a:p>
+        </p:txBody>
+      </p:sp>
+      <p:sp>
+        <p:nvSpPr>
+          <p:cNvPr id="85" name="PlaceHolder 4"/>
           <p:cNvSpPr>
             <a:spLocks noGrp="1"/>
           </p:cNvSpPr>
@@ -7163,19 +6360,13 @@
               <a:buChar char=""/>
             </a:pPr>
             <a:r>
-              <a:rPr b="0" lang="en-US" sz="2000" spc="-1" strike="noStrike">
-                <a:solidFill>
-                  <a:srgbClr val="595959"/>
-                </a:solidFill>
-                <a:latin typeface="Corbel"/>
+              <a:rPr b="0" lang="en-GB" sz="3200" spc="-1" strike="noStrike">
+                <a:latin typeface="Arial"/>
               </a:rPr>
               <a:t>Click to edit the outline text format</a:t>
             </a:r>
-            <a:endParaRPr b="0" lang="en-US" sz="2000" spc="-1" strike="noStrike">
-              <a:solidFill>
-                <a:srgbClr val="595959"/>
-              </a:solidFill>
-              <a:latin typeface="Corbel"/>
+            <a:endParaRPr b="0" lang="en-GB" sz="3200" spc="-1" strike="noStrike">
+              <a:latin typeface="Arial"/>
             </a:endParaRPr>
           </a:p>
           <a:p>
@@ -7191,19 +6382,13 @@
               <a:buChar char=""/>
             </a:pPr>
             <a:r>
-              <a:rPr b="0" lang="en-US" sz="1600" spc="-1" strike="noStrike">
-                <a:solidFill>
-                  <a:srgbClr val="595959"/>
-                </a:solidFill>
-                <a:latin typeface="Corbel"/>
+              <a:rPr b="0" lang="en-GB" sz="2800" spc="-1" strike="noStrike">
+                <a:latin typeface="Arial"/>
               </a:rPr>
               <a:t>Second Outline Level</a:t>
             </a:r>
-            <a:endParaRPr b="0" lang="en-US" sz="1600" spc="-1" strike="noStrike">
-              <a:solidFill>
-                <a:srgbClr val="595959"/>
-              </a:solidFill>
-              <a:latin typeface="Corbel"/>
+            <a:endParaRPr b="0" lang="en-GB" sz="2800" spc="-1" strike="noStrike">
+              <a:latin typeface="Arial"/>
             </a:endParaRPr>
           </a:p>
           <a:p>
@@ -7219,19 +6404,13 @@
               <a:buChar char=""/>
             </a:pPr>
             <a:r>
-              <a:rPr b="0" lang="en-US" sz="1400" spc="-1" strike="noStrike">
-                <a:solidFill>
-                  <a:srgbClr val="595959"/>
-                </a:solidFill>
-                <a:latin typeface="Corbel"/>
+              <a:rPr b="0" lang="en-GB" sz="2400" spc="-1" strike="noStrike">
+                <a:latin typeface="Arial"/>
               </a:rPr>
               <a:t>Third Outline Level</a:t>
             </a:r>
-            <a:endParaRPr b="0" lang="en-US" sz="1400" spc="-1" strike="noStrike">
-              <a:solidFill>
-                <a:srgbClr val="595959"/>
-              </a:solidFill>
-              <a:latin typeface="Corbel"/>
+            <a:endParaRPr b="0" lang="en-GB" sz="2400" spc="-1" strike="noStrike">
+              <a:latin typeface="Arial"/>
             </a:endParaRPr>
           </a:p>
           <a:p>
@@ -7247,19 +6426,13 @@
               <a:buChar char=""/>
             </a:pPr>
             <a:r>
-              <a:rPr b="0" lang="en-US" sz="1400" spc="-1" strike="noStrike">
-                <a:solidFill>
-                  <a:srgbClr val="595959"/>
-                </a:solidFill>
-                <a:latin typeface="Corbel"/>
+              <a:rPr b="0" lang="en-GB" sz="2000" spc="-1" strike="noStrike">
+                <a:latin typeface="Arial"/>
               </a:rPr>
               <a:t>Fourth Outline Level</a:t>
             </a:r>
-            <a:endParaRPr b="0" lang="en-US" sz="1400" spc="-1" strike="noStrike">
-              <a:solidFill>
-                <a:srgbClr val="595959"/>
-              </a:solidFill>
-              <a:latin typeface="Corbel"/>
+            <a:endParaRPr b="0" lang="en-GB" sz="2000" spc="-1" strike="noStrike">
+              <a:latin typeface="Arial"/>
             </a:endParaRPr>
           </a:p>
           <a:p>
@@ -7275,19 +6448,13 @@
               <a:buChar char=""/>
             </a:pPr>
             <a:r>
-              <a:rPr b="0" lang="en-US" sz="2000" spc="-1" strike="noStrike">
-                <a:solidFill>
-                  <a:srgbClr val="595959"/>
-                </a:solidFill>
-                <a:latin typeface="Corbel"/>
+              <a:rPr b="0" lang="en-GB" sz="2000" spc="-1" strike="noStrike">
+                <a:latin typeface="Arial"/>
               </a:rPr>
               <a:t>Fifth Outline Level</a:t>
             </a:r>
-            <a:endParaRPr b="0" lang="en-US" sz="2000" spc="-1" strike="noStrike">
-              <a:solidFill>
-                <a:srgbClr val="595959"/>
-              </a:solidFill>
-              <a:latin typeface="Corbel"/>
+            <a:endParaRPr b="0" lang="en-GB" sz="2000" spc="-1" strike="noStrike">
+              <a:latin typeface="Arial"/>
             </a:endParaRPr>
           </a:p>
           <a:p>
@@ -7303,19 +6470,13 @@
               <a:buChar char=""/>
             </a:pPr>
             <a:r>
-              <a:rPr b="0" lang="en-US" sz="2000" spc="-1" strike="noStrike">
-                <a:solidFill>
-                  <a:srgbClr val="595959"/>
-                </a:solidFill>
-                <a:latin typeface="Corbel"/>
+              <a:rPr b="0" lang="en-GB" sz="2000" spc="-1" strike="noStrike">
+                <a:latin typeface="Arial"/>
               </a:rPr>
               <a:t>Sixth Outline Level</a:t>
             </a:r>
-            <a:endParaRPr b="0" lang="en-US" sz="2000" spc="-1" strike="noStrike">
-              <a:solidFill>
-                <a:srgbClr val="595959"/>
-              </a:solidFill>
-              <a:latin typeface="Corbel"/>
+            <a:endParaRPr b="0" lang="en-GB" sz="2000" spc="-1" strike="noStrike">
+              <a:latin typeface="Arial"/>
             </a:endParaRPr>
           </a:p>
           <a:p>
@@ -7331,19 +6492,13 @@
               <a:buChar char=""/>
             </a:pPr>
             <a:r>
-              <a:rPr b="0" lang="en-US" sz="2000" spc="-1" strike="noStrike">
-                <a:solidFill>
-                  <a:srgbClr val="595959"/>
-                </a:solidFill>
-                <a:latin typeface="Corbel"/>
+              <a:rPr b="0" lang="en-GB" sz="2000" spc="-1" strike="noStrike">
+                <a:latin typeface="Arial"/>
               </a:rPr>
               <a:t>Seventh Outline Level</a:t>
             </a:r>
-            <a:endParaRPr b="0" lang="en-US" sz="2000" spc="-1" strike="noStrike">
-              <a:solidFill>
-                <a:srgbClr val="595959"/>
-              </a:solidFill>
-              <a:latin typeface="Corbel"/>
+            <a:endParaRPr b="0" lang="en-GB" sz="2000" spc="-1" strike="noStrike">
+              <a:latin typeface="Arial"/>
             </a:endParaRPr>
           </a:p>
         </p:txBody>
@@ -7394,14 +6549,14 @@
       </p:grpSpPr>
       <p:sp>
         <p:nvSpPr>
-          <p:cNvPr id="131" name="CustomShape 1" hidden="1"/>
+          <p:cNvPr id="122" name="CustomShape 1" hidden="1"/>
           <p:cNvSpPr/>
           <p:nvPr/>
         </p:nvSpPr>
         <p:spPr>
           <a:xfrm>
             <a:off x="0" y="758880"/>
-            <a:ext cx="3443400" cy="5330520"/>
+            <a:ext cx="3443040" cy="5330160"/>
           </a:xfrm>
           <a:prstGeom prst="rect">
             <a:avLst/>
@@ -7430,14 +6585,14 @@
       </p:sp>
       <p:sp>
         <p:nvSpPr>
-          <p:cNvPr id="132" name="CustomShape 2" hidden="1"/>
+          <p:cNvPr id="123" name="CustomShape 2" hidden="1"/>
           <p:cNvSpPr/>
           <p:nvPr/>
         </p:nvSpPr>
         <p:spPr>
           <a:xfrm>
             <a:off x="11815920" y="758880"/>
-            <a:ext cx="383760" cy="5330520"/>
+            <a:ext cx="383400" cy="5330160"/>
           </a:xfrm>
           <a:prstGeom prst="rect">
             <a:avLst/>
@@ -7465,387 +6620,6 @@
           </a:effectRef>
           <a:fontRef idx="minor"/>
         </p:style>
-      </p:sp>
-      <p:sp>
-        <p:nvSpPr>
-          <p:cNvPr id="133" name="PlaceHolder 3"/>
-          <p:cNvSpPr>
-            <a:spLocks noGrp="1"/>
-          </p:cNvSpPr>
-          <p:nvPr>
-            <p:ph type="dt"/>
-          </p:nvPr>
-        </p:nvSpPr>
-        <p:spPr>
-          <a:xfrm>
-            <a:off x="262440" y="6356520"/>
-            <a:ext cx="2742840" cy="364680"/>
-          </a:xfrm>
-          <a:prstGeom prst="rect">
-            <a:avLst/>
-          </a:prstGeom>
-        </p:spPr>
-        <p:txBody>
-          <a:bodyPr anchor="ctr">
-            <a:noAutofit/>
-          </a:bodyPr>
-          <a:p>
-            <a:pPr>
-              <a:lnSpc>
-                <a:spcPct val="100000"/>
-              </a:lnSpc>
-            </a:pPr>
-            <a:fld id="{630BD445-196C-4067-8671-87618558AD01}" type="datetime">
-              <a:rPr b="0" lang="en-US" sz="1100" spc="-1" strike="noStrike">
-                <a:solidFill>
-                  <a:srgbClr val="808080"/>
-                </a:solidFill>
-                <a:latin typeface="Corbel"/>
-              </a:rPr>
-              <a:t>7/8/20</a:t>
-            </a:fld>
-            <a:endParaRPr b="0" lang="en-GB" sz="1100" spc="-1" strike="noStrike">
-              <a:latin typeface="Times New Roman"/>
-            </a:endParaRPr>
-          </a:p>
-        </p:txBody>
-      </p:sp>
-      <p:sp>
-        <p:nvSpPr>
-          <p:cNvPr id="134" name="PlaceHolder 4"/>
-          <p:cNvSpPr>
-            <a:spLocks noGrp="1"/>
-          </p:cNvSpPr>
-          <p:nvPr>
-            <p:ph type="ftr"/>
-          </p:nvPr>
-        </p:nvSpPr>
-        <p:spPr>
-          <a:xfrm>
-            <a:off x="3869280" y="6356520"/>
-            <a:ext cx="5911200" cy="364680"/>
-          </a:xfrm>
-          <a:prstGeom prst="rect">
-            <a:avLst/>
-          </a:prstGeom>
-        </p:spPr>
-        <p:txBody>
-          <a:bodyPr anchor="ctr">
-            <a:noAutofit/>
-          </a:bodyPr>
-          <a:p>
-            <a:endParaRPr b="0" lang="en-GB" sz="2400" spc="-1" strike="noStrike">
-              <a:latin typeface="Times New Roman"/>
-            </a:endParaRPr>
-          </a:p>
-        </p:txBody>
-      </p:sp>
-      <p:sp>
-        <p:nvSpPr>
-          <p:cNvPr id="135" name="PlaceHolder 5"/>
-          <p:cNvSpPr>
-            <a:spLocks noGrp="1"/>
-          </p:cNvSpPr>
-          <p:nvPr>
-            <p:ph type="sldNum"/>
-          </p:nvPr>
-        </p:nvSpPr>
-        <p:spPr>
-          <a:xfrm>
-            <a:off x="10634040" y="6356520"/>
-            <a:ext cx="1530720" cy="364680"/>
-          </a:xfrm>
-          <a:prstGeom prst="rect">
-            <a:avLst/>
-          </a:prstGeom>
-        </p:spPr>
-        <p:txBody>
-          <a:bodyPr anchor="ctr">
-            <a:noAutofit/>
-          </a:bodyPr>
-          <a:p>
-            <a:pPr algn="r">
-              <a:lnSpc>
-                <a:spcPct val="100000"/>
-              </a:lnSpc>
-            </a:pPr>
-            <a:fld id="{0E6E06B9-9B52-4F99-A071-6430E65B9796}" type="slidenum">
-              <a:rPr b="1" lang="en-US" sz="1200" spc="-1" strike="noStrike">
-                <a:solidFill>
-                  <a:srgbClr val="40bad2"/>
-                </a:solidFill>
-                <a:latin typeface="Corbel"/>
-              </a:rPr>
-              <a:t>&lt;number&gt;</a:t>
-            </a:fld>
-            <a:endParaRPr b="0" lang="en-GB" sz="1200" spc="-1" strike="noStrike">
-              <a:latin typeface="Times New Roman"/>
-            </a:endParaRPr>
-          </a:p>
-        </p:txBody>
-      </p:sp>
-      <p:sp>
-        <p:nvSpPr>
-          <p:cNvPr id="136" name="PlaceHolder 6"/>
-          <p:cNvSpPr>
-            <a:spLocks noGrp="1"/>
-          </p:cNvSpPr>
-          <p:nvPr>
-            <p:ph type="title"/>
-          </p:nvPr>
-        </p:nvSpPr>
-        <p:spPr>
-          <a:xfrm>
-            <a:off x="609480" y="273600"/>
-            <a:ext cx="10972440" cy="1144800"/>
-          </a:xfrm>
-          <a:prstGeom prst="rect">
-            <a:avLst/>
-          </a:prstGeom>
-        </p:spPr>
-        <p:txBody>
-          <a:bodyPr lIns="0" rIns="0" tIns="0" bIns="0" anchor="ctr">
-            <a:noAutofit/>
-          </a:bodyPr>
-          <a:p>
-            <a:r>
-              <a:rPr b="0" lang="en-US" sz="1800" spc="-1" strike="noStrike">
-                <a:solidFill>
-                  <a:srgbClr val="000000"/>
-                </a:solidFill>
-                <a:latin typeface="Corbel"/>
-              </a:rPr>
-              <a:t>Click to edit the title text format</a:t>
-            </a:r>
-            <a:endParaRPr b="0" lang="en-US" sz="1800" spc="-1" strike="noStrike">
-              <a:solidFill>
-                <a:srgbClr val="000000"/>
-              </a:solidFill>
-              <a:latin typeface="Corbel"/>
-            </a:endParaRPr>
-          </a:p>
-        </p:txBody>
-      </p:sp>
-      <p:sp>
-        <p:nvSpPr>
-          <p:cNvPr id="137" name="PlaceHolder 7"/>
-          <p:cNvSpPr>
-            <a:spLocks noGrp="1"/>
-          </p:cNvSpPr>
-          <p:nvPr>
-            <p:ph type="body"/>
-          </p:nvPr>
-        </p:nvSpPr>
-        <p:spPr>
-          <a:xfrm>
-            <a:off x="609480" y="1604520"/>
-            <a:ext cx="10972440" cy="3977280"/>
-          </a:xfrm>
-          <a:prstGeom prst="rect">
-            <a:avLst/>
-          </a:prstGeom>
-        </p:spPr>
-        <p:txBody>
-          <a:bodyPr lIns="0" rIns="0" tIns="0" bIns="0">
-            <a:normAutofit/>
-          </a:bodyPr>
-          <a:p>
-            <a:pPr marL="432000" indent="-324000">
-              <a:spcBef>
-                <a:spcPts val="1417"/>
-              </a:spcBef>
-              <a:buClr>
-                <a:srgbClr val="000000"/>
-              </a:buClr>
-              <a:buSzPct val="45000"/>
-              <a:buFont typeface="Wingdings" charset="2"/>
-              <a:buChar char=""/>
-            </a:pPr>
-            <a:r>
-              <a:rPr b="0" lang="en-US" sz="2000" spc="-1" strike="noStrike">
-                <a:solidFill>
-                  <a:srgbClr val="595959"/>
-                </a:solidFill>
-                <a:latin typeface="Corbel"/>
-              </a:rPr>
-              <a:t>Click to edit the outline text format</a:t>
-            </a:r>
-            <a:endParaRPr b="0" lang="en-US" sz="2000" spc="-1" strike="noStrike">
-              <a:solidFill>
-                <a:srgbClr val="595959"/>
-              </a:solidFill>
-              <a:latin typeface="Corbel"/>
-            </a:endParaRPr>
-          </a:p>
-          <a:p>
-            <a:pPr lvl="1" marL="864000" indent="-324000">
-              <a:spcBef>
-                <a:spcPts val="1134"/>
-              </a:spcBef>
-              <a:buClr>
-                <a:srgbClr val="000000"/>
-              </a:buClr>
-              <a:buSzPct val="75000"/>
-              <a:buFont typeface="Symbol" charset="2"/>
-              <a:buChar char=""/>
-            </a:pPr>
-            <a:r>
-              <a:rPr b="0" lang="en-US" sz="1600" spc="-1" strike="noStrike">
-                <a:solidFill>
-                  <a:srgbClr val="595959"/>
-                </a:solidFill>
-                <a:latin typeface="Corbel"/>
-              </a:rPr>
-              <a:t>Second Outline Level</a:t>
-            </a:r>
-            <a:endParaRPr b="0" lang="en-US" sz="1600" spc="-1" strike="noStrike">
-              <a:solidFill>
-                <a:srgbClr val="595959"/>
-              </a:solidFill>
-              <a:latin typeface="Corbel"/>
-            </a:endParaRPr>
-          </a:p>
-          <a:p>
-            <a:pPr lvl="2" marL="1296000" indent="-288000">
-              <a:spcBef>
-                <a:spcPts val="850"/>
-              </a:spcBef>
-              <a:buClr>
-                <a:srgbClr val="000000"/>
-              </a:buClr>
-              <a:buSzPct val="45000"/>
-              <a:buFont typeface="Wingdings" charset="2"/>
-              <a:buChar char=""/>
-            </a:pPr>
-            <a:r>
-              <a:rPr b="0" lang="en-US" sz="1400" spc="-1" strike="noStrike">
-                <a:solidFill>
-                  <a:srgbClr val="595959"/>
-                </a:solidFill>
-                <a:latin typeface="Corbel"/>
-              </a:rPr>
-              <a:t>Third Outline Level</a:t>
-            </a:r>
-            <a:endParaRPr b="0" lang="en-US" sz="1400" spc="-1" strike="noStrike">
-              <a:solidFill>
-                <a:srgbClr val="595959"/>
-              </a:solidFill>
-              <a:latin typeface="Corbel"/>
-            </a:endParaRPr>
-          </a:p>
-          <a:p>
-            <a:pPr lvl="3" marL="1728000" indent="-216000">
-              <a:spcBef>
-                <a:spcPts val="567"/>
-              </a:spcBef>
-              <a:buClr>
-                <a:srgbClr val="000000"/>
-              </a:buClr>
-              <a:buSzPct val="75000"/>
-              <a:buFont typeface="Symbol" charset="2"/>
-              <a:buChar char=""/>
-            </a:pPr>
-            <a:r>
-              <a:rPr b="0" lang="en-US" sz="1400" spc="-1" strike="noStrike">
-                <a:solidFill>
-                  <a:srgbClr val="595959"/>
-                </a:solidFill>
-                <a:latin typeface="Corbel"/>
-              </a:rPr>
-              <a:t>Fourth Outline Level</a:t>
-            </a:r>
-            <a:endParaRPr b="0" lang="en-US" sz="1400" spc="-1" strike="noStrike">
-              <a:solidFill>
-                <a:srgbClr val="595959"/>
-              </a:solidFill>
-              <a:latin typeface="Corbel"/>
-            </a:endParaRPr>
-          </a:p>
-          <a:p>
-            <a:pPr lvl="4" marL="2160000" indent="-216000">
-              <a:spcBef>
-                <a:spcPts val="283"/>
-              </a:spcBef>
-              <a:buClr>
-                <a:srgbClr val="000000"/>
-              </a:buClr>
-              <a:buSzPct val="45000"/>
-              <a:buFont typeface="Wingdings" charset="2"/>
-              <a:buChar char=""/>
-            </a:pPr>
-            <a:r>
-              <a:rPr b="0" lang="en-US" sz="2000" spc="-1" strike="noStrike">
-                <a:solidFill>
-                  <a:srgbClr val="595959"/>
-                </a:solidFill>
-                <a:latin typeface="Corbel"/>
-              </a:rPr>
-              <a:t>Fifth Outline Level</a:t>
-            </a:r>
-            <a:endParaRPr b="0" lang="en-US" sz="2000" spc="-1" strike="noStrike">
-              <a:solidFill>
-                <a:srgbClr val="595959"/>
-              </a:solidFill>
-              <a:latin typeface="Corbel"/>
-            </a:endParaRPr>
-          </a:p>
-          <a:p>
-            <a:pPr lvl="5" marL="2592000" indent="-216000">
-              <a:spcBef>
-                <a:spcPts val="283"/>
-              </a:spcBef>
-              <a:buClr>
-                <a:srgbClr val="000000"/>
-              </a:buClr>
-              <a:buSzPct val="45000"/>
-              <a:buFont typeface="Wingdings" charset="2"/>
-              <a:buChar char=""/>
-            </a:pPr>
-            <a:r>
-              <a:rPr b="0" lang="en-US" sz="2000" spc="-1" strike="noStrike">
-                <a:solidFill>
-                  <a:srgbClr val="595959"/>
-                </a:solidFill>
-                <a:latin typeface="Corbel"/>
-              </a:rPr>
-              <a:t>Sixth Outline Level</a:t>
-            </a:r>
-            <a:endParaRPr b="0" lang="en-US" sz="2000" spc="-1" strike="noStrike">
-              <a:solidFill>
-                <a:srgbClr val="595959"/>
-              </a:solidFill>
-              <a:latin typeface="Corbel"/>
-            </a:endParaRPr>
-          </a:p>
-          <a:p>
-            <a:pPr lvl="6" marL="3024000" indent="-216000">
-              <a:spcBef>
-                <a:spcPts val="283"/>
-              </a:spcBef>
-              <a:buClr>
-                <a:srgbClr val="000000"/>
-              </a:buClr>
-              <a:buSzPct val="45000"/>
-              <a:buFont typeface="Wingdings" charset="2"/>
-              <a:buChar char=""/>
-            </a:pPr>
-            <a:r>
-              <a:rPr b="0" lang="en-US" sz="2000" spc="-1" strike="noStrike">
-                <a:solidFill>
-                  <a:srgbClr val="595959"/>
-                </a:solidFill>
-                <a:latin typeface="Corbel"/>
-              </a:rPr>
-              <a:t>Seventh Outline Level</a:t>
-            </a:r>
-            <a:endParaRPr b="0" lang="en-US" sz="2000" spc="-1" strike="noStrike">
-              <a:solidFill>
-                <a:srgbClr val="595959"/>
-              </a:solidFill>
-              <a:latin typeface="Corbel"/>
-            </a:endParaRPr>
-          </a:p>
-        </p:txBody>
       </p:sp>
     </p:spTree>
   </p:cSld>
@@ -7886,14 +6660,14 @@
       </p:grpSpPr>
       <p:sp>
         <p:nvSpPr>
-          <p:cNvPr id="174" name="TextShape 1"/>
-          <p:cNvSpPr txBox="1"/>
+          <p:cNvPr id="160" name="CustomShape 1"/>
+          <p:cNvSpPr/>
           <p:nvPr/>
         </p:nvSpPr>
         <p:spPr>
           <a:xfrm>
             <a:off x="1069920" y="1298520"/>
-            <a:ext cx="7314840" cy="3254760"/>
+            <a:ext cx="7314480" cy="3254400"/>
           </a:xfrm>
           <a:prstGeom prst="rect">
             <a:avLst/>
@@ -7903,8 +6677,14 @@
             <a:noFill/>
           </a:ln>
         </p:spPr>
-        <p:txBody>
-          <a:bodyPr anchor="b">
+        <p:style>
+          <a:lnRef idx="0"/>
+          <a:fillRef idx="0"/>
+          <a:effectRef idx="0"/>
+          <a:fontRef idx="minor"/>
+        </p:style>
+        <p:txBody>
+          <a:bodyPr lIns="90000" rIns="90000" tIns="45000" bIns="45000" anchor="b">
             <a:normAutofit/>
           </a:bodyPr>
           <a:p>
@@ -7922,25 +6702,22 @@
               </a:rPr>
               <a:t>Into the Tidyverse</a:t>
             </a:r>
-            <a:endParaRPr b="0" lang="en-US" sz="4000" spc="-1" strike="noStrike">
-              <a:solidFill>
-                <a:srgbClr val="000000"/>
-              </a:solidFill>
-              <a:latin typeface="Corbel"/>
-            </a:endParaRPr>
-          </a:p>
-        </p:txBody>
-      </p:sp>
-      <p:sp>
-        <p:nvSpPr>
-          <p:cNvPr id="175" name="TextShape 2"/>
-          <p:cNvSpPr txBox="1"/>
+            <a:endParaRPr b="0" lang="en-GB" sz="4000" spc="-1" strike="noStrike">
+              <a:latin typeface="Arial"/>
+            </a:endParaRPr>
+          </a:p>
+        </p:txBody>
+      </p:sp>
+      <p:sp>
+        <p:nvSpPr>
+          <p:cNvPr id="161" name="CustomShape 2"/>
+          <p:cNvSpPr/>
           <p:nvPr/>
         </p:nvSpPr>
         <p:spPr>
           <a:xfrm>
             <a:off x="1100160" y="4670280"/>
-            <a:ext cx="7314840" cy="914040"/>
+            <a:ext cx="7314480" cy="913680"/>
           </a:xfrm>
           <a:prstGeom prst="rect">
             <a:avLst/>
@@ -7950,8 +6727,14 @@
             <a:noFill/>
           </a:ln>
         </p:spPr>
-        <p:txBody>
-          <a:bodyPr>
+        <p:style>
+          <a:lnRef idx="0"/>
+          <a:fillRef idx="0"/>
+          <a:effectRef idx="0"/>
+          <a:fontRef idx="minor"/>
+        </p:style>
+        <p:txBody>
+          <a:bodyPr lIns="90000" rIns="90000" tIns="45000" bIns="45000">
             <a:noAutofit/>
           </a:bodyPr>
           <a:p>
@@ -7980,14 +6763,14 @@
       </p:sp>
       <p:sp>
         <p:nvSpPr>
-          <p:cNvPr id="176" name="CustomShape 3"/>
+          <p:cNvPr id="162" name="CustomShape 3"/>
           <p:cNvSpPr/>
           <p:nvPr/>
         </p:nvSpPr>
         <p:spPr>
           <a:xfrm>
             <a:off x="9281880" y="4556880"/>
-            <a:ext cx="2827080" cy="1369080"/>
+            <a:ext cx="2826720" cy="1368720"/>
           </a:xfrm>
           <a:prstGeom prst="rect">
             <a:avLst/>
@@ -8019,147 +6802,11 @@
                   <a:srgbClr val="000000"/>
                 </a:solidFill>
                 <a:latin typeface="Consolas"/>
+                <a:ea typeface="DejaVu Sans"/>
               </a:rPr>
               <a:t>* All graphics shown in this presentation can be made using skills taught in this course with just a few lines of code and a spare ten minutes</a:t>
             </a:r>
             <a:endParaRPr b="0" lang="en-GB" sz="1400" spc="-1" strike="noStrike">
-              <a:latin typeface="Arial"/>
-            </a:endParaRPr>
-          </a:p>
-        </p:txBody>
-      </p:sp>
-    </p:spTree>
-  </p:cSld>
-  <mc:AlternateContent>
-    <mc:Choice Requires="p14">
-      <p:transition spd="slow" p14:dur="2000"/>
-    </mc:Choice>
-    <mc:Fallback>
-      <p:transition spd="slow"/>
-    </mc:Fallback>
-  </mc:AlternateContent>
-</p:sld>
-</file>
-
-<file path=ppt/slides/slide10.xml><?xml version="1.0" encoding="utf-8"?>
-<p:sld xmlns:a="http://schemas.openxmlformats.org/drawingml/2006/main" xmlns:p="http://schemas.openxmlformats.org/presentationml/2006/main" xmlns:r="http://schemas.openxmlformats.org/officeDocument/2006/relationships" xmlns:p14="http://schemas.microsoft.com/office/powerpoint/2010/main" xmlns:p15="http://schemas.microsoft.com/office/powerpoint/2012/main" xmlns:mc="http://schemas.openxmlformats.org/markup-compatibility/2006">
-  <p:cSld>
-    <p:spTree>
-      <p:nvGrpSpPr>
-        <p:cNvPr id="1" name=""/>
-        <p:cNvGrpSpPr/>
-        <p:nvPr/>
-      </p:nvGrpSpPr>
-      <p:grpSpPr>
-        <a:xfrm>
-          <a:off x="0" y="0"/>
-          <a:ext cx="0" cy="0"/>
-          <a:chOff x="0" y="0"/>
-          <a:chExt cx="0" cy="0"/>
-        </a:xfrm>
-      </p:grpSpPr>
-      <p:sp>
-        <p:nvSpPr>
-          <p:cNvPr id="213" name="CustomShape 1"/>
-          <p:cNvSpPr/>
-          <p:nvPr/>
-        </p:nvSpPr>
-        <p:spPr>
-          <a:xfrm>
-            <a:off x="0" y="2266920"/>
-            <a:ext cx="12191760" cy="2323800"/>
-          </a:xfrm>
-          <a:prstGeom prst="rect">
-            <a:avLst/>
-          </a:prstGeom>
-          <a:ln>
-            <a:noFill/>
-          </a:ln>
-        </p:spPr>
-        <p:style>
-          <a:lnRef idx="2">
-            <a:schemeClr val="accent1">
-              <a:shade val="50000"/>
-            </a:schemeClr>
-          </a:lnRef>
-          <a:fillRef idx="1">
-            <a:schemeClr val="accent1"/>
-          </a:fillRef>
-          <a:effectRef idx="0">
-            <a:schemeClr val="accent1"/>
-          </a:effectRef>
-          <a:fontRef idx="minor"/>
-        </p:style>
-        <p:txBody>
-          <a:bodyPr lIns="90000" rIns="90000" tIns="45000" bIns="45000" anchor="ctr">
-            <a:noAutofit/>
-          </a:bodyPr>
-          <a:p>
-            <a:pPr algn="ctr">
-              <a:lnSpc>
-                <a:spcPct val="100000"/>
-              </a:lnSpc>
-            </a:pPr>
-            <a:r>
-              <a:rPr b="0" lang="en-GB" sz="7200" spc="-1" strike="noStrike">
-                <a:solidFill>
-                  <a:srgbClr val="ffffff"/>
-                </a:solidFill>
-                <a:latin typeface="Consolas"/>
-              </a:rPr>
-              <a:t>Thank You</a:t>
-            </a:r>
-            <a:endParaRPr b="0" lang="en-GB" sz="7200" spc="-1" strike="noStrike">
-              <a:latin typeface="Arial"/>
-            </a:endParaRPr>
-          </a:p>
-        </p:txBody>
-      </p:sp>
-      <p:sp>
-        <p:nvSpPr>
-          <p:cNvPr id="214" name="CustomShape 2"/>
-          <p:cNvSpPr/>
-          <p:nvPr/>
-        </p:nvSpPr>
-        <p:spPr>
-          <a:xfrm>
-            <a:off x="3581280" y="4643640"/>
-            <a:ext cx="5028840" cy="637920"/>
-          </a:xfrm>
-          <a:prstGeom prst="rect">
-            <a:avLst/>
-          </a:prstGeom>
-          <a:noFill/>
-          <a:ln>
-            <a:noFill/>
-          </a:ln>
-        </p:spPr>
-        <p:style>
-          <a:lnRef idx="0"/>
-          <a:fillRef idx="0"/>
-          <a:effectRef idx="0"/>
-          <a:fontRef idx="minor"/>
-        </p:style>
-        <p:txBody>
-          <a:bodyPr lIns="90000" rIns="90000" tIns="45000" bIns="45000" anchor="ctr">
-            <a:spAutoFit/>
-          </a:bodyPr>
-          <a:p>
-            <a:pPr algn="ctr">
-              <a:lnSpc>
-                <a:spcPct val="100000"/>
-              </a:lnSpc>
-            </a:pPr>
-            <a:r>
-              <a:rPr b="0" lang="en-GB" sz="1800" spc="-1" strike="noStrike">
-                <a:solidFill>
-                  <a:srgbClr val="000000"/>
-                </a:solidFill>
-                <a:latin typeface="Consolas"/>
-              </a:rPr>
-              <a:t>Questions: tim.Hargreaves@icloud.com</a:t>
-            </a:r>
-            <a:endParaRPr b="0" lang="en-GB" sz="1800" spc="-1" strike="noStrike">
               <a:latin typeface="Arial"/>
             </a:endParaRPr>
           </a:p>
@@ -8197,14 +6844,14 @@
       </p:grpSpPr>
       <p:sp>
         <p:nvSpPr>
-          <p:cNvPr id="177" name="CustomShape 1"/>
+          <p:cNvPr id="163" name="CustomShape 1"/>
           <p:cNvSpPr/>
           <p:nvPr/>
         </p:nvSpPr>
         <p:spPr>
           <a:xfrm>
             <a:off x="3637800" y="835920"/>
-            <a:ext cx="7977240" cy="5179680"/>
+            <a:ext cx="7976880" cy="5179320"/>
           </a:xfrm>
           <a:prstGeom prst="rect">
             <a:avLst/>
@@ -8240,14 +6887,14 @@
       </p:sp>
       <p:sp>
         <p:nvSpPr>
-          <p:cNvPr id="178" name="TextShape 2"/>
-          <p:cNvSpPr txBox="1"/>
+          <p:cNvPr id="164" name="CustomShape 2"/>
+          <p:cNvSpPr/>
           <p:nvPr/>
         </p:nvSpPr>
         <p:spPr>
           <a:xfrm>
             <a:off x="253080" y="1123920"/>
-            <a:ext cx="2946960" cy="1476000"/>
+            <a:ext cx="2946600" cy="1475640"/>
           </a:xfrm>
           <a:prstGeom prst="rect">
             <a:avLst/>
@@ -8257,8 +6904,14 @@
             <a:noFill/>
           </a:ln>
         </p:spPr>
-        <p:txBody>
-          <a:bodyPr anchor="ctr">
+        <p:style>
+          <a:lnRef idx="0"/>
+          <a:fillRef idx="0"/>
+          <a:effectRef idx="0"/>
+          <a:fontRef idx="minor"/>
+        </p:style>
+        <p:txBody>
+          <a:bodyPr lIns="90000" rIns="90000" tIns="45000" bIns="45000" anchor="ctr">
             <a:normAutofit fontScale="69000"/>
           </a:bodyPr>
           <a:p>
@@ -8277,44 +6930,41 @@
               <a:t>Data skills are in high demand…</a:t>
             </a:r>
             <a:br/>
-            <a:endParaRPr b="0" lang="en-US" sz="3200" spc="-1" strike="noStrike">
-              <a:solidFill>
-                <a:srgbClr val="000000"/>
-              </a:solidFill>
-              <a:latin typeface="Corbel"/>
+            <a:endParaRPr b="0" lang="en-GB" sz="3200" spc="-1" strike="noStrike">
+              <a:latin typeface="Arial"/>
             </a:endParaRPr>
           </a:p>
         </p:txBody>
       </p:sp>
       <p:grpSp>
         <p:nvGrpSpPr>
-          <p:cNvPr id="179" name="Group 3"/>
+          <p:cNvPr id="165" name="Group 3"/>
           <p:cNvGrpSpPr/>
           <p:nvPr/>
         </p:nvGrpSpPr>
         <p:grpSpPr>
           <a:xfrm>
             <a:off x="3637800" y="835920"/>
-            <a:ext cx="7977600" cy="5185800"/>
+            <a:ext cx="7977240" cy="5185440"/>
             <a:chOff x="3637800" y="835920"/>
-            <a:chExt cx="7977600" cy="5185800"/>
+            <a:chExt cx="7977240" cy="5185440"/>
           </a:xfrm>
         </p:grpSpPr>
         <p:pic>
           <p:nvPicPr>
-            <p:cNvPr id="180" name="Picture 3" descr=""/>
+            <p:cNvPr id="166" name="Picture 3" descr=""/>
             <p:cNvPicPr/>
             <p:nvPr/>
           </p:nvPicPr>
           <p:blipFill>
             <a:blip r:embed="rId1"/>
-            <a:srcRect l="0" t="0" r="73137" b="89430"/>
+            <a:srcRect l="0" t="0" r="73129" b="89414"/>
             <a:stretch/>
           </p:blipFill>
           <p:spPr>
             <a:xfrm>
               <a:off x="3637800" y="835920"/>
-              <a:ext cx="2577960" cy="509040"/>
+              <a:ext cx="2577600" cy="508680"/>
             </a:xfrm>
             <a:prstGeom prst="rect">
               <a:avLst/>
@@ -8326,19 +6976,19 @@
         </p:pic>
         <p:pic>
           <p:nvPicPr>
-            <p:cNvPr id="181" name="Picture 4" descr=""/>
+            <p:cNvPr id="167" name="Picture 4" descr=""/>
             <p:cNvPicPr/>
             <p:nvPr/>
           </p:nvPicPr>
           <p:blipFill>
             <a:blip r:embed="rId2"/>
-            <a:srcRect l="35907" t="12148" r="0" b="0"/>
+            <a:srcRect l="35903" t="12148" r="0" b="0"/>
             <a:stretch/>
           </p:blipFill>
           <p:spPr>
             <a:xfrm>
               <a:off x="4322520" y="1552680"/>
-              <a:ext cx="6485760" cy="4469040"/>
+              <a:ext cx="6485400" cy="4468680"/>
             </a:xfrm>
             <a:prstGeom prst="rect">
               <a:avLst/>
@@ -8350,19 +7000,19 @@
         </p:pic>
         <p:pic>
           <p:nvPicPr>
-            <p:cNvPr id="182" name="Picture 5" descr=""/>
+            <p:cNvPr id="168" name="Picture 5" descr=""/>
             <p:cNvPicPr/>
             <p:nvPr/>
           </p:nvPicPr>
           <p:blipFill>
             <a:blip r:embed="rId3"/>
-            <a:srcRect l="12795" t="0" r="73137" b="89430"/>
+            <a:srcRect l="12795" t="0" r="73129" b="89414"/>
             <a:stretch/>
           </p:blipFill>
           <p:spPr>
             <a:xfrm>
               <a:off x="5837040" y="835920"/>
-              <a:ext cx="5778360" cy="509040"/>
+              <a:ext cx="5778000" cy="508680"/>
             </a:xfrm>
             <a:prstGeom prst="rect">
               <a:avLst/>
@@ -8375,14 +7025,14 @@
       </p:grpSp>
       <p:sp>
         <p:nvSpPr>
-          <p:cNvPr id="183" name="CustomShape 4"/>
+          <p:cNvPr id="169" name="CustomShape 4"/>
           <p:cNvSpPr/>
           <p:nvPr/>
         </p:nvSpPr>
         <p:spPr>
           <a:xfrm>
             <a:off x="253080" y="2257560"/>
-            <a:ext cx="2946960" cy="3381120"/>
+            <a:ext cx="2946600" cy="3380760"/>
           </a:xfrm>
           <a:prstGeom prst="rect">
             <a:avLst/>
@@ -8399,7 +7049,7 @@
           <a:fontRef idx="minor"/>
         </p:style>
         <p:txBody>
-          <a:bodyPr anchor="ctr">
+          <a:bodyPr lIns="90000" rIns="90000" tIns="45000" bIns="45000" anchor="ctr">
             <a:normAutofit fontScale="89000"/>
           </a:bodyPr>
           <a:p>
@@ -8414,6 +7064,7 @@
                   <a:srgbClr val="ffffff"/>
                 </a:solidFill>
                 <a:latin typeface="Corbel"/>
+                <a:ea typeface="DejaVu Sans"/>
               </a:rPr>
               <a:t>Data is everywhere:</a:t>
             </a:r>
@@ -8422,7 +7073,7 @@
             </a:endParaRPr>
           </a:p>
           <a:p>
-            <a:pPr marL="343080" indent="-342720">
+            <a:pPr marL="343080" indent="-342360">
               <a:lnSpc>
                 <a:spcPct val="90000"/>
               </a:lnSpc>
@@ -8438,6 +7089,7 @@
                   <a:srgbClr val="ffffff"/>
                 </a:solidFill>
                 <a:latin typeface="Corbel"/>
+                <a:ea typeface="DejaVu Sans"/>
               </a:rPr>
               <a:t>Biology</a:t>
             </a:r>
@@ -8446,7 +7098,7 @@
             </a:endParaRPr>
           </a:p>
           <a:p>
-            <a:pPr marL="343080" indent="-342720">
+            <a:pPr marL="343080" indent="-342360">
               <a:lnSpc>
                 <a:spcPct val="90000"/>
               </a:lnSpc>
@@ -8462,6 +7114,7 @@
                   <a:srgbClr val="ffffff"/>
                 </a:solidFill>
                 <a:latin typeface="Corbel"/>
+                <a:ea typeface="DejaVu Sans"/>
               </a:rPr>
               <a:t>Chemistry</a:t>
             </a:r>
@@ -8470,7 +7123,7 @@
             </a:endParaRPr>
           </a:p>
           <a:p>
-            <a:pPr marL="343080" indent="-342720">
+            <a:pPr marL="343080" indent="-342360">
               <a:lnSpc>
                 <a:spcPct val="90000"/>
               </a:lnSpc>
@@ -8486,6 +7139,7 @@
                   <a:srgbClr val="ffffff"/>
                 </a:solidFill>
                 <a:latin typeface="Corbel"/>
+                <a:ea typeface="DejaVu Sans"/>
               </a:rPr>
               <a:t>Economics</a:t>
             </a:r>
@@ -8494,7 +7148,7 @@
             </a:endParaRPr>
           </a:p>
           <a:p>
-            <a:pPr marL="343080" indent="-342720">
+            <a:pPr marL="343080" indent="-342360">
               <a:lnSpc>
                 <a:spcPct val="90000"/>
               </a:lnSpc>
@@ -8510,6 +7164,7 @@
                   <a:srgbClr val="ffffff"/>
                 </a:solidFill>
                 <a:latin typeface="Corbel"/>
+                <a:ea typeface="DejaVu Sans"/>
               </a:rPr>
               <a:t>Finance</a:t>
             </a:r>
@@ -8518,7 +7173,7 @@
             </a:endParaRPr>
           </a:p>
           <a:p>
-            <a:pPr marL="343080" indent="-342720">
+            <a:pPr marL="343080" indent="-342360">
               <a:lnSpc>
                 <a:spcPct val="90000"/>
               </a:lnSpc>
@@ -8534,6 +7189,7 @@
                   <a:srgbClr val="ffffff"/>
                 </a:solidFill>
                 <a:latin typeface="Corbel"/>
+                <a:ea typeface="DejaVu Sans"/>
               </a:rPr>
               <a:t>Journalism</a:t>
             </a:r>
@@ -8542,7 +7198,7 @@
             </a:endParaRPr>
           </a:p>
           <a:p>
-            <a:pPr marL="343080" indent="-342720">
+            <a:pPr marL="343080" indent="-342360">
               <a:lnSpc>
                 <a:spcPct val="90000"/>
               </a:lnSpc>
@@ -8558,6 +7214,7 @@
                   <a:srgbClr val="ffffff"/>
                 </a:solidFill>
                 <a:latin typeface="Corbel"/>
+                <a:ea typeface="DejaVu Sans"/>
               </a:rPr>
               <a:t>Law</a:t>
             </a:r>
@@ -8566,7 +7223,7 @@
             </a:endParaRPr>
           </a:p>
           <a:p>
-            <a:pPr marL="343080" indent="-342720">
+            <a:pPr marL="343080" indent="-342360">
               <a:lnSpc>
                 <a:spcPct val="90000"/>
               </a:lnSpc>
@@ -8582,6 +7239,7 @@
                   <a:srgbClr val="ffffff"/>
                 </a:solidFill>
                 <a:latin typeface="Corbel"/>
+                <a:ea typeface="DejaVu Sans"/>
               </a:rPr>
               <a:t>Management</a:t>
             </a:r>
@@ -8590,7 +7248,7 @@
             </a:endParaRPr>
           </a:p>
           <a:p>
-            <a:pPr marL="343080" indent="-342720">
+            <a:pPr marL="343080" indent="-342360">
               <a:lnSpc>
                 <a:spcPct val="90000"/>
               </a:lnSpc>
@@ -8606,6 +7264,7 @@
                   <a:srgbClr val="ffffff"/>
                 </a:solidFill>
                 <a:latin typeface="Corbel"/>
+                <a:ea typeface="DejaVu Sans"/>
               </a:rPr>
               <a:t>Marketing</a:t>
             </a:r>
@@ -8614,7 +7273,7 @@
             </a:endParaRPr>
           </a:p>
           <a:p>
-            <a:pPr marL="343080" indent="-342720">
+            <a:pPr marL="343080" indent="-342360">
               <a:lnSpc>
                 <a:spcPct val="90000"/>
               </a:lnSpc>
@@ -8630,6 +7289,7 @@
                   <a:srgbClr val="ffffff"/>
                 </a:solidFill>
                 <a:latin typeface="Corbel"/>
+                <a:ea typeface="DejaVu Sans"/>
               </a:rPr>
               <a:t>Engineering</a:t>
             </a:r>
@@ -8671,14 +7331,14 @@
       </p:grpSpPr>
       <p:sp>
         <p:nvSpPr>
-          <p:cNvPr id="184" name="TextShape 1"/>
-          <p:cNvSpPr txBox="1"/>
+          <p:cNvPr id="170" name="CustomShape 1"/>
+          <p:cNvSpPr/>
           <p:nvPr/>
         </p:nvSpPr>
         <p:spPr>
           <a:xfrm>
             <a:off x="253080" y="1123920"/>
-            <a:ext cx="2946960" cy="1266480"/>
+            <a:ext cx="2946600" cy="1266120"/>
           </a:xfrm>
           <a:prstGeom prst="rect">
             <a:avLst/>
@@ -8688,8 +7348,14 @@
             <a:noFill/>
           </a:ln>
         </p:spPr>
-        <p:txBody>
-          <a:bodyPr anchor="ctr">
+        <p:style>
+          <a:lnRef idx="0"/>
+          <a:fillRef idx="0"/>
+          <a:effectRef idx="0"/>
+          <a:fontRef idx="minor"/>
+        </p:style>
+        <p:txBody>
+          <a:bodyPr lIns="90000" rIns="90000" tIns="45000" bIns="45000" anchor="ctr">
             <a:noAutofit/>
           </a:bodyPr>
           <a:p>
@@ -8707,25 +7373,22 @@
               </a:rPr>
               <a:t>The Pareto principle:</a:t>
             </a:r>
-            <a:endParaRPr b="0" lang="en-US" sz="3600" spc="-1" strike="noStrike">
-              <a:solidFill>
-                <a:srgbClr val="000000"/>
-              </a:solidFill>
-              <a:latin typeface="Corbel"/>
-            </a:endParaRPr>
-          </a:p>
-        </p:txBody>
-      </p:sp>
-      <p:sp>
-        <p:nvSpPr>
-          <p:cNvPr id="185" name="CustomShape 2"/>
+            <a:endParaRPr b="0" lang="en-GB" sz="3600" spc="-1" strike="noStrike">
+              <a:latin typeface="Arial"/>
+            </a:endParaRPr>
+          </a:p>
+        </p:txBody>
+      </p:sp>
+      <p:sp>
+        <p:nvSpPr>
+          <p:cNvPr id="171" name="CustomShape 2"/>
           <p:cNvSpPr/>
           <p:nvPr/>
         </p:nvSpPr>
         <p:spPr>
           <a:xfrm>
             <a:off x="253080" y="2705040"/>
-            <a:ext cx="2946960" cy="1447560"/>
+            <a:ext cx="2946600" cy="1447200"/>
           </a:xfrm>
           <a:prstGeom prst="rect">
             <a:avLst/>
@@ -8742,7 +7405,7 @@
           <a:fontRef idx="minor"/>
         </p:style>
         <p:txBody>
-          <a:bodyPr anchor="ctr">
+          <a:bodyPr lIns="90000" rIns="90000" tIns="45000" bIns="45000" anchor="ctr">
             <a:normAutofit/>
           </a:bodyPr>
           <a:p>
@@ -8757,6 +7420,7 @@
                   <a:srgbClr val="ffffff"/>
                 </a:solidFill>
                 <a:latin typeface="Corbel"/>
+                <a:ea typeface="DejaVu Sans"/>
               </a:rPr>
               <a:t>80% of all problems can be solved by knowing 20% of a topic</a:t>
             </a:r>
@@ -8768,14 +7432,14 @@
       </p:sp>
       <p:sp>
         <p:nvSpPr>
-          <p:cNvPr id="186" name="CustomShape 3"/>
+          <p:cNvPr id="172" name="CustomShape 3"/>
           <p:cNvSpPr/>
           <p:nvPr/>
         </p:nvSpPr>
         <p:spPr>
           <a:xfrm>
             <a:off x="253080" y="4286520"/>
-            <a:ext cx="2946960" cy="1447560"/>
+            <a:ext cx="2946600" cy="1447200"/>
           </a:xfrm>
           <a:prstGeom prst="rect">
             <a:avLst/>
@@ -8792,7 +7456,7 @@
           <a:fontRef idx="minor"/>
         </p:style>
         <p:txBody>
-          <a:bodyPr anchor="ctr">
+          <a:bodyPr lIns="90000" rIns="90000" tIns="45000" bIns="45000" anchor="ctr">
             <a:normAutofit/>
           </a:bodyPr>
           <a:p>
@@ -8807,6 +7471,7 @@
                   <a:srgbClr val="ffffff"/>
                 </a:solidFill>
                 <a:latin typeface="Corbel"/>
+                <a:ea typeface="DejaVu Sans"/>
               </a:rPr>
               <a:t>This course teaches you that 20%</a:t>
             </a:r>
@@ -8818,19 +7483,19 @@
       </p:sp>
       <p:pic>
         <p:nvPicPr>
-          <p:cNvPr id="187" name="Picture 2" descr=""/>
+          <p:cNvPr id="173" name="Picture 2" descr=""/>
           <p:cNvPicPr/>
           <p:nvPr/>
         </p:nvPicPr>
         <p:blipFill>
           <a:blip r:embed="rId1"/>
-          <a:srcRect l="7075" t="27495" r="10198" b="16384"/>
+          <a:srcRect l="7075" t="27490" r="10198" b="16380"/>
           <a:stretch/>
         </p:blipFill>
         <p:spPr>
           <a:xfrm>
             <a:off x="3809880" y="857520"/>
-            <a:ext cx="7581600" cy="5142600"/>
+            <a:ext cx="7581240" cy="5142240"/>
           </a:xfrm>
           <a:prstGeom prst="rect">
             <a:avLst/>
@@ -8879,14 +7544,14 @@
       </p:grpSpPr>
       <p:sp>
         <p:nvSpPr>
-          <p:cNvPr id="188" name="TextShape 1"/>
-          <p:cNvSpPr txBox="1"/>
+          <p:cNvPr id="174" name="CustomShape 1"/>
+          <p:cNvSpPr/>
           <p:nvPr/>
         </p:nvSpPr>
         <p:spPr>
           <a:xfrm>
             <a:off x="253080" y="1123920"/>
-            <a:ext cx="2946960" cy="1266480"/>
+            <a:ext cx="2946600" cy="1266120"/>
           </a:xfrm>
           <a:prstGeom prst="rect">
             <a:avLst/>
@@ -8896,8 +7561,14 @@
             <a:noFill/>
           </a:ln>
         </p:spPr>
-        <p:txBody>
-          <a:bodyPr anchor="ctr">
+        <p:style>
+          <a:lnRef idx="0"/>
+          <a:fillRef idx="0"/>
+          <a:effectRef idx="0"/>
+          <a:fontRef idx="minor"/>
+        </p:style>
+        <p:txBody>
+          <a:bodyPr lIns="90000" rIns="90000" tIns="45000" bIns="45000" anchor="ctr">
             <a:noAutofit/>
           </a:bodyPr>
           <a:p>
@@ -8925,25 +7596,22 @@
               </a:rPr>
               <a:t>Basic Visualisation</a:t>
             </a:r>
-            <a:endParaRPr b="0" lang="en-US" sz="2800" spc="-1" strike="noStrike">
-              <a:solidFill>
-                <a:srgbClr val="000000"/>
-              </a:solidFill>
-              <a:latin typeface="Corbel"/>
-            </a:endParaRPr>
-          </a:p>
-        </p:txBody>
-      </p:sp>
-      <p:sp>
-        <p:nvSpPr>
-          <p:cNvPr id="189" name="CustomShape 2"/>
+            <a:endParaRPr b="0" lang="en-GB" sz="2800" spc="-1" strike="noStrike">
+              <a:latin typeface="Arial"/>
+            </a:endParaRPr>
+          </a:p>
+        </p:txBody>
+      </p:sp>
+      <p:sp>
+        <p:nvSpPr>
+          <p:cNvPr id="175" name="CustomShape 2"/>
           <p:cNvSpPr/>
           <p:nvPr/>
         </p:nvSpPr>
         <p:spPr>
           <a:xfrm>
             <a:off x="253080" y="2543040"/>
-            <a:ext cx="2946960" cy="3028680"/>
+            <a:ext cx="2946600" cy="3028320"/>
           </a:xfrm>
           <a:prstGeom prst="rect">
             <a:avLst/>
@@ -8960,7 +7628,7 @@
           <a:fontRef idx="minor"/>
         </p:style>
         <p:txBody>
-          <a:bodyPr anchor="ctr">
+          <a:bodyPr lIns="90000" rIns="90000" tIns="45000" bIns="45000" anchor="ctr">
             <a:normAutofit/>
           </a:bodyPr>
           <a:p>
@@ -8975,6 +7643,7 @@
                   <a:srgbClr val="ffffff"/>
                 </a:solidFill>
                 <a:latin typeface="Corbel"/>
+                <a:ea typeface="DejaVu Sans"/>
               </a:rPr>
               <a:t>Learn how to make a data visualisation from scratch</a:t>
             </a:r>
@@ -8986,7 +7655,7 @@
       </p:sp>
       <p:pic>
         <p:nvPicPr>
-          <p:cNvPr id="190" name="Picture 5" descr=""/>
+          <p:cNvPr id="176" name="Picture 5" descr=""/>
           <p:cNvPicPr/>
           <p:nvPr/>
         </p:nvPicPr>
@@ -8997,7 +7666,7 @@
         <p:spPr>
           <a:xfrm>
             <a:off x="3783240" y="849960"/>
-            <a:ext cx="7736760" cy="5157720"/>
+            <a:ext cx="7736400" cy="5157360"/>
           </a:xfrm>
           <a:prstGeom prst="rect">
             <a:avLst/>
@@ -9046,14 +7715,14 @@
       </p:grpSpPr>
       <p:sp>
         <p:nvSpPr>
-          <p:cNvPr id="191" name="TextShape 1"/>
-          <p:cNvSpPr txBox="1"/>
+          <p:cNvPr id="177" name="CustomShape 1"/>
+          <p:cNvSpPr/>
           <p:nvPr/>
         </p:nvSpPr>
         <p:spPr>
           <a:xfrm>
             <a:off x="253080" y="1123920"/>
-            <a:ext cx="2946960" cy="1266480"/>
+            <a:ext cx="2946600" cy="1266120"/>
           </a:xfrm>
           <a:prstGeom prst="rect">
             <a:avLst/>
@@ -9063,8 +7732,14 @@
             <a:noFill/>
           </a:ln>
         </p:spPr>
-        <p:txBody>
-          <a:bodyPr anchor="ctr">
+        <p:style>
+          <a:lnRef idx="0"/>
+          <a:fillRef idx="0"/>
+          <a:effectRef idx="0"/>
+          <a:fontRef idx="minor"/>
+        </p:style>
+        <p:txBody>
+          <a:bodyPr lIns="90000" rIns="90000" tIns="45000" bIns="45000" anchor="ctr">
             <a:noAutofit/>
           </a:bodyPr>
           <a:p>
@@ -9092,25 +7767,22 @@
               </a:rPr>
               <a:t>Data Import</a:t>
             </a:r>
-            <a:endParaRPr b="0" lang="en-US" sz="2800" spc="-1" strike="noStrike">
-              <a:solidFill>
-                <a:srgbClr val="000000"/>
-              </a:solidFill>
-              <a:latin typeface="Corbel"/>
-            </a:endParaRPr>
-          </a:p>
-        </p:txBody>
-      </p:sp>
-      <p:sp>
-        <p:nvSpPr>
-          <p:cNvPr id="192" name="CustomShape 2"/>
+            <a:endParaRPr b="0" lang="en-GB" sz="2800" spc="-1" strike="noStrike">
+              <a:latin typeface="Arial"/>
+            </a:endParaRPr>
+          </a:p>
+        </p:txBody>
+      </p:sp>
+      <p:sp>
+        <p:nvSpPr>
+          <p:cNvPr id="178" name="CustomShape 2"/>
           <p:cNvSpPr/>
           <p:nvPr/>
         </p:nvSpPr>
         <p:spPr>
           <a:xfrm>
             <a:off x="253080" y="2543040"/>
-            <a:ext cx="2946960" cy="3028680"/>
+            <a:ext cx="2946600" cy="3028320"/>
           </a:xfrm>
           <a:prstGeom prst="rect">
             <a:avLst/>
@@ -9127,7 +7799,7 @@
           <a:fontRef idx="minor"/>
         </p:style>
         <p:txBody>
-          <a:bodyPr anchor="ctr">
+          <a:bodyPr lIns="90000" rIns="90000" tIns="45000" bIns="45000" anchor="ctr">
             <a:normAutofit/>
           </a:bodyPr>
           <a:p>
@@ -9142,6 +7814,7 @@
                   <a:srgbClr val="ffffff"/>
                 </a:solidFill>
                 <a:latin typeface="Corbel"/>
+                <a:ea typeface="DejaVu Sans"/>
               </a:rPr>
               <a:t>Extract data from text files, Excel spread-sheets, or from the web</a:t>
             </a:r>
@@ -9153,7 +7826,7 @@
       </p:sp>
       <p:pic>
         <p:nvPicPr>
-          <p:cNvPr id="193" name="Picture 3" descr=""/>
+          <p:cNvPr id="179" name="Picture 3" descr=""/>
           <p:cNvPicPr/>
           <p:nvPr/>
         </p:nvPicPr>
@@ -9164,7 +7837,7 @@
         <p:spPr>
           <a:xfrm>
             <a:off x="3611520" y="593280"/>
-            <a:ext cx="8081280" cy="2327400"/>
+            <a:ext cx="8080920" cy="2327040"/>
           </a:xfrm>
           <a:prstGeom prst="rect">
             <a:avLst/>
@@ -9183,7 +7856,7 @@
       </p:pic>
       <p:pic>
         <p:nvPicPr>
-          <p:cNvPr id="194" name="Picture 6" descr="A picture containing sky&#10;&#10;Description automatically generated"/>
+          <p:cNvPr id="180" name="Picture 6" descr="A picture containing sky&#10;&#10;Description automatically generated"/>
           <p:cNvPicPr/>
           <p:nvPr/>
         </p:nvPicPr>
@@ -9194,7 +7867,7 @@
         <p:spPr>
           <a:xfrm>
             <a:off x="3872880" y="3385080"/>
-            <a:ext cx="7558560" cy="2878920"/>
+            <a:ext cx="7558200" cy="2878560"/>
           </a:xfrm>
           <a:prstGeom prst="rect">
             <a:avLst/>
@@ -9213,14 +7886,14 @@
       </p:pic>
       <p:sp>
         <p:nvSpPr>
-          <p:cNvPr id="195" name="CustomShape 3"/>
+          <p:cNvPr id="181" name="CustomShape 3"/>
           <p:cNvSpPr/>
           <p:nvPr/>
         </p:nvSpPr>
         <p:spPr>
           <a:xfrm>
             <a:off x="7400520" y="2799360"/>
-            <a:ext cx="509040" cy="827640"/>
+            <a:ext cx="508680" cy="827280"/>
           </a:xfrm>
           <a:prstGeom prst="downArrow">
             <a:avLst>
@@ -9292,14 +7965,14 @@
       </p:grpSpPr>
       <p:sp>
         <p:nvSpPr>
-          <p:cNvPr id="196" name="TextShape 1"/>
-          <p:cNvSpPr txBox="1"/>
+          <p:cNvPr id="182" name="CustomShape 1"/>
+          <p:cNvSpPr/>
           <p:nvPr/>
         </p:nvSpPr>
         <p:spPr>
           <a:xfrm>
             <a:off x="253080" y="1123920"/>
-            <a:ext cx="2946960" cy="1266480"/>
+            <a:ext cx="2946600" cy="1266120"/>
           </a:xfrm>
           <a:prstGeom prst="rect">
             <a:avLst/>
@@ -9309,8 +7982,14 @@
             <a:noFill/>
           </a:ln>
         </p:spPr>
-        <p:txBody>
-          <a:bodyPr anchor="ctr">
+        <p:style>
+          <a:lnRef idx="0"/>
+          <a:fillRef idx="0"/>
+          <a:effectRef idx="0"/>
+          <a:fontRef idx="minor"/>
+        </p:style>
+        <p:txBody>
+          <a:bodyPr lIns="90000" rIns="90000" tIns="45000" bIns="45000" anchor="ctr">
             <a:noAutofit/>
           </a:bodyPr>
           <a:p>
@@ -9338,25 +8017,22 @@
               </a:rPr>
               <a:t>Data Manipulation</a:t>
             </a:r>
-            <a:endParaRPr b="0" lang="en-US" sz="2800" spc="-1" strike="noStrike">
-              <a:solidFill>
-                <a:srgbClr val="000000"/>
-              </a:solidFill>
-              <a:latin typeface="Corbel"/>
-            </a:endParaRPr>
-          </a:p>
-        </p:txBody>
-      </p:sp>
-      <p:sp>
-        <p:nvSpPr>
-          <p:cNvPr id="197" name="CustomShape 2"/>
+            <a:endParaRPr b="0" lang="en-GB" sz="2800" spc="-1" strike="noStrike">
+              <a:latin typeface="Arial"/>
+            </a:endParaRPr>
+          </a:p>
+        </p:txBody>
+      </p:sp>
+      <p:sp>
+        <p:nvSpPr>
+          <p:cNvPr id="183" name="CustomShape 2"/>
           <p:cNvSpPr/>
           <p:nvPr/>
         </p:nvSpPr>
         <p:spPr>
           <a:xfrm>
             <a:off x="253080" y="2543040"/>
-            <a:ext cx="2946960" cy="3028680"/>
+            <a:ext cx="2946600" cy="3028320"/>
           </a:xfrm>
           <a:prstGeom prst="rect">
             <a:avLst/>
@@ -9373,7 +8049,7 @@
           <a:fontRef idx="minor"/>
         </p:style>
         <p:txBody>
-          <a:bodyPr anchor="ctr">
+          <a:bodyPr lIns="90000" rIns="90000" tIns="45000" bIns="45000" anchor="ctr">
             <a:normAutofit/>
           </a:bodyPr>
           <a:p>
@@ -9388,6 +8064,7 @@
                   <a:srgbClr val="ffffff"/>
                 </a:solidFill>
                 <a:latin typeface="Corbel"/>
+                <a:ea typeface="DejaVu Sans"/>
               </a:rPr>
               <a:t>Take a data set and use it to answer questions</a:t>
             </a:r>
@@ -9399,7 +8076,7 @@
       </p:sp>
       <p:pic>
         <p:nvPicPr>
-          <p:cNvPr id="198" name="Picture 4" descr="An extract of the diamonds dataset&#10;"/>
+          <p:cNvPr id="184" name="Picture 4" descr="An extract of the diamonds dataset&#10;"/>
           <p:cNvPicPr/>
           <p:nvPr/>
         </p:nvPicPr>
@@ -9410,7 +8087,7 @@
         <p:spPr>
           <a:xfrm>
             <a:off x="3841200" y="846720"/>
-            <a:ext cx="5371920" cy="2238120"/>
+            <a:ext cx="5371560" cy="2237760"/>
           </a:xfrm>
           <a:prstGeom prst="rect">
             <a:avLst/>
@@ -9429,14 +8106,14 @@
       </p:pic>
       <p:sp>
         <p:nvSpPr>
-          <p:cNvPr id="199" name="CustomShape 3"/>
+          <p:cNvPr id="185" name="CustomShape 3"/>
           <p:cNvSpPr/>
           <p:nvPr/>
         </p:nvSpPr>
         <p:spPr>
           <a:xfrm>
             <a:off x="6095160" y="2738520"/>
-            <a:ext cx="3057120" cy="346320"/>
+            <a:ext cx="3056760" cy="345960"/>
           </a:xfrm>
           <a:prstGeom prst="rect">
             <a:avLst/>
@@ -9481,6 +8158,7 @@
                   <a:srgbClr val="ffffff"/>
                 </a:solidFill>
                 <a:latin typeface="Consolas"/>
+                <a:ea typeface="DejaVu Sans"/>
               </a:rPr>
               <a:t>An extract from the diamonds dataset</a:t>
             </a:r>
@@ -9492,14 +8170,14 @@
       </p:sp>
       <p:sp>
         <p:nvSpPr>
-          <p:cNvPr id="200" name="CustomShape 4"/>
+          <p:cNvPr id="186" name="CustomShape 4"/>
           <p:cNvSpPr/>
           <p:nvPr/>
         </p:nvSpPr>
         <p:spPr>
           <a:xfrm>
             <a:off x="3634920" y="3311280"/>
-            <a:ext cx="7977960" cy="821160"/>
+            <a:ext cx="7977600" cy="821160"/>
           </a:xfrm>
           <a:prstGeom prst="rect">
             <a:avLst/>
@@ -9531,6 +8209,7 @@
                   <a:srgbClr val="000000"/>
                 </a:solidFill>
                 <a:latin typeface="Corbel"/>
+                <a:ea typeface="DejaVu Sans"/>
               </a:rPr>
               <a:t>Question: What is the average price of each cut of diamond?</a:t>
             </a:r>
@@ -9542,7 +8221,7 @@
       </p:sp>
       <p:pic>
         <p:nvPicPr>
-          <p:cNvPr id="201" name="Picture 9" descr=""/>
+          <p:cNvPr id="187" name="Picture 9" descr=""/>
           <p:cNvPicPr/>
           <p:nvPr/>
         </p:nvPicPr>
@@ -9554,7 +8233,7 @@
         <p:spPr>
           <a:xfrm>
             <a:off x="8214480" y="3998880"/>
-            <a:ext cx="2578680" cy="1711080"/>
+            <a:ext cx="2578320" cy="1710720"/>
           </a:xfrm>
           <a:prstGeom prst="rect">
             <a:avLst/>
@@ -9573,14 +8252,14 @@
       </p:pic>
       <p:sp>
         <p:nvSpPr>
-          <p:cNvPr id="202" name="CustomShape 5"/>
+          <p:cNvPr id="188" name="CustomShape 5"/>
           <p:cNvSpPr/>
           <p:nvPr/>
         </p:nvSpPr>
         <p:spPr>
           <a:xfrm>
             <a:off x="8701920" y="5377680"/>
-            <a:ext cx="2133360" cy="373320"/>
+            <a:ext cx="2133000" cy="372960"/>
           </a:xfrm>
           <a:prstGeom prst="rect">
             <a:avLst/>
@@ -9625,6 +8304,7 @@
                   <a:srgbClr val="ffffff"/>
                 </a:solidFill>
                 <a:latin typeface="Consolas"/>
+                <a:ea typeface="DejaVu Sans"/>
               </a:rPr>
               <a:t>Result of manipulation</a:t>
             </a:r>
@@ -9666,14 +8346,14 @@
       </p:grpSpPr>
       <p:sp>
         <p:nvSpPr>
-          <p:cNvPr id="203" name="TextShape 1"/>
-          <p:cNvSpPr txBox="1"/>
+          <p:cNvPr id="189" name="CustomShape 1"/>
+          <p:cNvSpPr/>
           <p:nvPr/>
         </p:nvSpPr>
         <p:spPr>
           <a:xfrm>
             <a:off x="253080" y="1123920"/>
-            <a:ext cx="2946960" cy="1266480"/>
+            <a:ext cx="2946600" cy="1266120"/>
           </a:xfrm>
           <a:prstGeom prst="rect">
             <a:avLst/>
@@ -9683,8 +8363,14 @@
             <a:noFill/>
           </a:ln>
         </p:spPr>
-        <p:txBody>
-          <a:bodyPr anchor="ctr">
+        <p:style>
+          <a:lnRef idx="0"/>
+          <a:fillRef idx="0"/>
+          <a:effectRef idx="0"/>
+          <a:fontRef idx="minor"/>
+        </p:style>
+        <p:txBody>
+          <a:bodyPr lIns="90000" rIns="90000" tIns="45000" bIns="45000" anchor="ctr">
             <a:noAutofit/>
           </a:bodyPr>
           <a:p>
@@ -9712,25 +8398,22 @@
               </a:rPr>
               <a:t>Data Tidying</a:t>
             </a:r>
-            <a:endParaRPr b="0" lang="en-US" sz="2800" spc="-1" strike="noStrike">
-              <a:solidFill>
-                <a:srgbClr val="000000"/>
-              </a:solidFill>
-              <a:latin typeface="Corbel"/>
-            </a:endParaRPr>
-          </a:p>
-        </p:txBody>
-      </p:sp>
-      <p:sp>
-        <p:nvSpPr>
-          <p:cNvPr id="204" name="CustomShape 2"/>
+            <a:endParaRPr b="0" lang="en-GB" sz="2800" spc="-1" strike="noStrike">
+              <a:latin typeface="Arial"/>
+            </a:endParaRPr>
+          </a:p>
+        </p:txBody>
+      </p:sp>
+      <p:sp>
+        <p:nvSpPr>
+          <p:cNvPr id="190" name="CustomShape 2"/>
           <p:cNvSpPr/>
           <p:nvPr/>
         </p:nvSpPr>
         <p:spPr>
           <a:xfrm>
             <a:off x="253080" y="2543040"/>
-            <a:ext cx="2946960" cy="3028680"/>
+            <a:ext cx="2946600" cy="3028320"/>
           </a:xfrm>
           <a:prstGeom prst="rect">
             <a:avLst/>
@@ -9747,7 +8430,7 @@
           <a:fontRef idx="minor"/>
         </p:style>
         <p:txBody>
-          <a:bodyPr anchor="ctr">
+          <a:bodyPr lIns="90000" rIns="90000" tIns="45000" bIns="45000" anchor="ctr">
             <a:normAutofit/>
           </a:bodyPr>
           <a:p>
@@ -9762,6 +8445,7 @@
                   <a:srgbClr val="ffffff"/>
                 </a:solidFill>
                 <a:latin typeface="Corbel"/>
+                <a:ea typeface="DejaVu Sans"/>
               </a:rPr>
               <a:t>Take a dataset and tidy it into a form that is easier to answer questions with</a:t>
             </a:r>
@@ -9773,7 +8457,7 @@
       </p:sp>
       <p:pic>
         <p:nvPicPr>
-          <p:cNvPr id="205" name="Picture 6" descr="A close up of a logo&#10;&#10;Description automatically generated"/>
+          <p:cNvPr id="191" name="Picture 6" descr="A close up of a logo&#10;&#10;Description automatically generated"/>
           <p:cNvPicPr/>
           <p:nvPr/>
         </p:nvPicPr>
@@ -9784,7 +8468,7 @@
         <p:spPr>
           <a:xfrm>
             <a:off x="3859560" y="909360"/>
-            <a:ext cx="7558560" cy="5038920"/>
+            <a:ext cx="7558200" cy="5038560"/>
           </a:xfrm>
           <a:prstGeom prst="rect">
             <a:avLst/>
@@ -9833,14 +8517,14 @@
       </p:grpSpPr>
       <p:sp>
         <p:nvSpPr>
-          <p:cNvPr id="206" name="TextShape 1"/>
-          <p:cNvSpPr txBox="1"/>
+          <p:cNvPr id="192" name="CustomShape 1"/>
+          <p:cNvSpPr/>
           <p:nvPr/>
         </p:nvSpPr>
         <p:spPr>
           <a:xfrm>
             <a:off x="253080" y="1123920"/>
-            <a:ext cx="2946960" cy="1266480"/>
+            <a:ext cx="2946600" cy="1266120"/>
           </a:xfrm>
           <a:prstGeom prst="rect">
             <a:avLst/>
@@ -9850,8 +8534,14 @@
             <a:noFill/>
           </a:ln>
         </p:spPr>
-        <p:txBody>
-          <a:bodyPr anchor="ctr">
+        <p:style>
+          <a:lnRef idx="0"/>
+          <a:fillRef idx="0"/>
+          <a:effectRef idx="0"/>
+          <a:fontRef idx="minor"/>
+        </p:style>
+        <p:txBody>
+          <a:bodyPr lIns="90000" rIns="90000" tIns="45000" bIns="45000" anchor="ctr">
             <a:noAutofit/>
           </a:bodyPr>
           <a:p>
@@ -9879,25 +8569,22 @@
               </a:rPr>
               <a:t>Advanced Plotting</a:t>
             </a:r>
-            <a:endParaRPr b="0" lang="en-US" sz="2800" spc="-1" strike="noStrike">
-              <a:solidFill>
-                <a:srgbClr val="000000"/>
-              </a:solidFill>
-              <a:latin typeface="Corbel"/>
-            </a:endParaRPr>
-          </a:p>
-        </p:txBody>
-      </p:sp>
-      <p:sp>
-        <p:nvSpPr>
-          <p:cNvPr id="207" name="CustomShape 2"/>
+            <a:endParaRPr b="0" lang="en-GB" sz="2800" spc="-1" strike="noStrike">
+              <a:latin typeface="Arial"/>
+            </a:endParaRPr>
+          </a:p>
+        </p:txBody>
+      </p:sp>
+      <p:sp>
+        <p:nvSpPr>
+          <p:cNvPr id="193" name="CustomShape 2"/>
           <p:cNvSpPr/>
           <p:nvPr/>
         </p:nvSpPr>
         <p:spPr>
           <a:xfrm>
             <a:off x="253080" y="2543040"/>
-            <a:ext cx="2946960" cy="3028680"/>
+            <a:ext cx="2946600" cy="3028320"/>
           </a:xfrm>
           <a:prstGeom prst="rect">
             <a:avLst/>
@@ -9914,7 +8601,7 @@
           <a:fontRef idx="minor"/>
         </p:style>
         <p:txBody>
-          <a:bodyPr anchor="ctr">
+          <a:bodyPr lIns="90000" rIns="90000" tIns="45000" bIns="45000" anchor="ctr">
             <a:normAutofit/>
           </a:bodyPr>
           <a:p>
@@ -9929,6 +8616,7 @@
                   <a:srgbClr val="ffffff"/>
                 </a:solidFill>
                 <a:latin typeface="Corbel"/>
+                <a:ea typeface="DejaVu Sans"/>
               </a:rPr>
               <a:t>Learn to create all sorts of weird and wonderful visualisations</a:t>
             </a:r>
@@ -9940,7 +8628,7 @@
       </p:sp>
       <p:pic>
         <p:nvPicPr>
-          <p:cNvPr id="208" name="Picture 2" descr=""/>
+          <p:cNvPr id="194" name="Picture 2" descr=""/>
           <p:cNvPicPr/>
           <p:nvPr/>
         </p:nvPicPr>
@@ -9951,7 +8639,7 @@
         <p:spPr>
           <a:xfrm>
             <a:off x="3961080" y="831600"/>
-            <a:ext cx="7306920" cy="4509360"/>
+            <a:ext cx="7306560" cy="4509000"/>
           </a:xfrm>
           <a:prstGeom prst="rect">
             <a:avLst/>
@@ -9970,14 +8658,14 @@
       </p:pic>
       <p:sp>
         <p:nvSpPr>
-          <p:cNvPr id="209" name="CustomShape 3"/>
+          <p:cNvPr id="195" name="CustomShape 3"/>
           <p:cNvSpPr/>
           <p:nvPr/>
         </p:nvSpPr>
         <p:spPr>
           <a:xfrm>
             <a:off x="5458680" y="5477040"/>
-            <a:ext cx="5809320" cy="912600"/>
+            <a:ext cx="5808960" cy="912600"/>
           </a:xfrm>
           <a:prstGeom prst="rect">
             <a:avLst/>
@@ -10009,6 +8697,7 @@
                   <a:srgbClr val="000000"/>
                 </a:solidFill>
                 <a:latin typeface="Corbel"/>
+                <a:ea typeface="DejaVu Sans"/>
               </a:rPr>
               <a:t>Example from my recent work in Chemical Development at AstraZeneca – data is not just for Mathematicians!</a:t>
             </a:r>
@@ -10050,14 +8739,14 @@
       </p:grpSpPr>
       <p:sp>
         <p:nvSpPr>
-          <p:cNvPr id="210" name="TextShape 1"/>
-          <p:cNvSpPr txBox="1"/>
+          <p:cNvPr id="196" name="CustomShape 1"/>
+          <p:cNvSpPr/>
           <p:nvPr/>
         </p:nvSpPr>
         <p:spPr>
           <a:xfrm>
             <a:off x="253080" y="1123920"/>
-            <a:ext cx="2946960" cy="1266480"/>
+            <a:ext cx="2946600" cy="1266120"/>
           </a:xfrm>
           <a:prstGeom prst="rect">
             <a:avLst/>
@@ -10067,8 +8756,14 @@
             <a:noFill/>
           </a:ln>
         </p:spPr>
-        <p:txBody>
-          <a:bodyPr anchor="ctr">
+        <p:style>
+          <a:lnRef idx="0"/>
+          <a:fillRef idx="0"/>
+          <a:effectRef idx="0"/>
+          <a:fontRef idx="minor"/>
+        </p:style>
+        <p:txBody>
+          <a:bodyPr lIns="90000" rIns="90000" tIns="45000" bIns="45000" anchor="ctr">
             <a:noAutofit/>
           </a:bodyPr>
           <a:p>
@@ -10096,25 +8791,22 @@
               </a:rPr>
               <a:t>DataViz Battle</a:t>
             </a:r>
-            <a:endParaRPr b="0" lang="en-US" sz="2800" spc="-1" strike="noStrike">
-              <a:solidFill>
-                <a:srgbClr val="000000"/>
-              </a:solidFill>
-              <a:latin typeface="Corbel"/>
-            </a:endParaRPr>
-          </a:p>
-        </p:txBody>
-      </p:sp>
-      <p:sp>
-        <p:nvSpPr>
-          <p:cNvPr id="211" name="CustomShape 2"/>
+            <a:endParaRPr b="0" lang="en-GB" sz="2800" spc="-1" strike="noStrike">
+              <a:latin typeface="Arial"/>
+            </a:endParaRPr>
+          </a:p>
+        </p:txBody>
+      </p:sp>
+      <p:sp>
+        <p:nvSpPr>
+          <p:cNvPr id="197" name="CustomShape 2"/>
           <p:cNvSpPr/>
           <p:nvPr/>
         </p:nvSpPr>
         <p:spPr>
           <a:xfrm>
             <a:off x="253080" y="2543040"/>
-            <a:ext cx="2946960" cy="3028680"/>
+            <a:ext cx="2946600" cy="3028320"/>
           </a:xfrm>
           <a:prstGeom prst="rect">
             <a:avLst/>
@@ -10131,7 +8823,7 @@
           <a:fontRef idx="minor"/>
         </p:style>
         <p:txBody>
-          <a:bodyPr anchor="ctr">
+          <a:bodyPr lIns="90000" rIns="90000" tIns="45000" bIns="45000" anchor="ctr">
             <a:normAutofit/>
           </a:bodyPr>
           <a:p>
@@ -10146,6 +8838,7 @@
                   <a:srgbClr val="ffffff"/>
                 </a:solidFill>
                 <a:latin typeface="Corbel"/>
+                <a:ea typeface="DejaVu Sans"/>
               </a:rPr>
               <a:t>Showcase your skills by building your own data visualisation on any dataset you want - (with help if needed)</a:t>
             </a:r>
@@ -10157,7 +8850,7 @@
       </p:sp>
       <p:pic>
         <p:nvPicPr>
-          <p:cNvPr id="212" name="Picture 5" descr="A close up of a map&#10;&#10;Description automatically generated"/>
+          <p:cNvPr id="198" name="Picture 5" descr="A close up of a map&#10;&#10;Description automatically generated"/>
           <p:cNvPicPr/>
           <p:nvPr/>
         </p:nvPicPr>
@@ -10168,7 +8861,7 @@
         <p:spPr>
           <a:xfrm>
             <a:off x="3864960" y="909360"/>
-            <a:ext cx="7558560" cy="5038920"/>
+            <a:ext cx="7558200" cy="5038560"/>
           </a:xfrm>
           <a:prstGeom prst="rect">
             <a:avLst/>
